--- a/docs/Midterm Presentation.pptx
+++ b/docs/Midterm Presentation.pptx
@@ -1,43 +1,43 @@
 
 <file path=ppt/presentation.xml><?xml version="1.0" encoding="utf-8"?>
-<p:presentation xmlns:a="http://schemas.openxmlformats.org/drawingml/2006/main" xmlns:r="http://schemas.openxmlformats.org/officeDocument/2006/relationships" xmlns:mc="http://schemas.openxmlformats.org/markup-compatibility/2006" xmlns:mv="urn:schemas-microsoft-com:mac:vml" xmlns:p="http://schemas.openxmlformats.org/presentationml/2006/main" xmlns:c="http://schemas.openxmlformats.org/drawingml/2006/chart" xmlns:dgm="http://schemas.openxmlformats.org/drawingml/2006/diagram" xmlns:o="urn:schemas-microsoft-com:office:office" xmlns:v="urn:schemas-microsoft-com:vml" xmlns:pvml="urn:schemas-microsoft-com:office:powerpoint" xmlns:com="http://schemas.openxmlformats.org/drawingml/2006/compatibility" xmlns:p14="http://schemas.microsoft.com/office/powerpoint/2010/main" xmlns:p15="http://schemas.microsoft.com/office/powerpoint/2012/main" xmlns:ahyp="http://schemas.microsoft.com/office/drawing/2018/hyperlinkcolor" autoCompressPictures="0" embedTrueTypeFonts="1" strictFirstAndLastChars="0" saveSubsetFonts="1">
+<p:presentation xmlns:a="http://schemas.openxmlformats.org/drawingml/2006/main" xmlns:r="http://schemas.openxmlformats.org/officeDocument/2006/relationships" xmlns:p="http://schemas.openxmlformats.org/presentationml/2006/main" strictFirstAndLastChars="0" embedTrueTypeFonts="1" saveSubsetFonts="1" autoCompressPictures="0">
   <p:sldMasterIdLst>
-    <p:sldMasterId id="2147483659" r:id="rId4"/>
+    <p:sldMasterId id="2147483659" r:id="rId1"/>
   </p:sldMasterIdLst>
   <p:notesMasterIdLst>
-    <p:notesMasterId r:id="rId5"/>
+    <p:notesMasterId r:id="rId11"/>
   </p:notesMasterIdLst>
   <p:sldIdLst>
-    <p:sldId id="256" r:id="rId6"/>
-    <p:sldId id="257" r:id="rId7"/>
-    <p:sldId id="258" r:id="rId8"/>
-    <p:sldId id="259" r:id="rId9"/>
-    <p:sldId id="260" r:id="rId10"/>
-    <p:sldId id="261" r:id="rId11"/>
-    <p:sldId id="262" r:id="rId12"/>
-    <p:sldId id="263" r:id="rId13"/>
-    <p:sldId id="264" r:id="rId14"/>
+    <p:sldId id="256" r:id="rId2"/>
+    <p:sldId id="257" r:id="rId3"/>
+    <p:sldId id="259" r:id="rId4"/>
+    <p:sldId id="260" r:id="rId5"/>
+    <p:sldId id="261" r:id="rId6"/>
+    <p:sldId id="262" r:id="rId7"/>
+    <p:sldId id="263" r:id="rId8"/>
+    <p:sldId id="258" r:id="rId9"/>
+    <p:sldId id="264" r:id="rId10"/>
   </p:sldIdLst>
-  <p:sldSz cy="5143500" cx="9144000"/>
+  <p:sldSz cx="9144000" cy="5143500" type="screen16x9"/>
   <p:notesSz cx="6858000" cy="9144000"/>
   <p:embeddedFontLst>
     <p:embeddedFont>
-      <p:font typeface="Raleway"/>
-      <p:regular r:id="rId15"/>
-      <p:bold r:id="rId16"/>
-      <p:italic r:id="rId17"/>
-      <p:boldItalic r:id="rId18"/>
+      <p:font typeface="Lato" panose="020F0502020204030203" pitchFamily="34" charset="0"/>
+      <p:regular r:id="rId12"/>
+      <p:bold r:id="rId13"/>
+      <p:italic r:id="rId14"/>
+      <p:boldItalic r:id="rId15"/>
     </p:embeddedFont>
     <p:embeddedFont>
-      <p:font typeface="Lato"/>
-      <p:regular r:id="rId19"/>
-      <p:bold r:id="rId20"/>
-      <p:italic r:id="rId21"/>
-      <p:boldItalic r:id="rId22"/>
+      <p:font typeface="Raleway" pitchFamily="2" charset="0"/>
+      <p:regular r:id="rId16"/>
+      <p:bold r:id="rId17"/>
+      <p:italic r:id="rId18"/>
+      <p:boldItalic r:id="rId19"/>
     </p:embeddedFont>
   </p:embeddedFontLst>
   <p:defaultTextStyle>
-    <a:defPPr lvl="0" marR="0" rtl="0" algn="l">
+    <a:defPPr marR="0" lvl="0" algn="l" rtl="0">
       <a:lnSpc>
         <a:spcPct val="100000"/>
       </a:lnSpc>
@@ -48,7 +48,7 @@
         <a:spcPts val="0"/>
       </a:spcAft>
     </a:defPPr>
-    <a:lvl1pPr lvl="0" marR="0" rtl="0" algn="l">
+    <a:lvl1pPr marR="0" lvl="0" algn="l" rtl="0">
       <a:lnSpc>
         <a:spcPct val="100000"/>
       </a:lnSpc>
@@ -62,7 +62,7 @@
         <a:srgbClr val="000000"/>
       </a:buClr>
       <a:buFont typeface="Arial"/>
-      <a:defRPr b="0" i="0" sz="1400" u="none" cap="none" strike="noStrike">
+      <a:defRPr sz="1400" b="0" i="0" u="none" strike="noStrike" cap="none">
         <a:solidFill>
           <a:srgbClr val="000000"/>
         </a:solidFill>
@@ -72,7 +72,7 @@
         <a:sym typeface="Arial"/>
       </a:defRPr>
     </a:lvl1pPr>
-    <a:lvl2pPr lvl="1" marR="0" rtl="0" algn="l">
+    <a:lvl2pPr marR="0" lvl="1" algn="l" rtl="0">
       <a:lnSpc>
         <a:spcPct val="100000"/>
       </a:lnSpc>
@@ -86,7 +86,7 @@
         <a:srgbClr val="000000"/>
       </a:buClr>
       <a:buFont typeface="Arial"/>
-      <a:defRPr b="0" i="0" sz="1400" u="none" cap="none" strike="noStrike">
+      <a:defRPr sz="1400" b="0" i="0" u="none" strike="noStrike" cap="none">
         <a:solidFill>
           <a:srgbClr val="000000"/>
         </a:solidFill>
@@ -96,7 +96,7 @@
         <a:sym typeface="Arial"/>
       </a:defRPr>
     </a:lvl2pPr>
-    <a:lvl3pPr lvl="2" marR="0" rtl="0" algn="l">
+    <a:lvl3pPr marR="0" lvl="2" algn="l" rtl="0">
       <a:lnSpc>
         <a:spcPct val="100000"/>
       </a:lnSpc>
@@ -110,7 +110,7 @@
         <a:srgbClr val="000000"/>
       </a:buClr>
       <a:buFont typeface="Arial"/>
-      <a:defRPr b="0" i="0" sz="1400" u="none" cap="none" strike="noStrike">
+      <a:defRPr sz="1400" b="0" i="0" u="none" strike="noStrike" cap="none">
         <a:solidFill>
           <a:srgbClr val="000000"/>
         </a:solidFill>
@@ -120,7 +120,7 @@
         <a:sym typeface="Arial"/>
       </a:defRPr>
     </a:lvl3pPr>
-    <a:lvl4pPr lvl="3" marR="0" rtl="0" algn="l">
+    <a:lvl4pPr marR="0" lvl="3" algn="l" rtl="0">
       <a:lnSpc>
         <a:spcPct val="100000"/>
       </a:lnSpc>
@@ -134,7 +134,7 @@
         <a:srgbClr val="000000"/>
       </a:buClr>
       <a:buFont typeface="Arial"/>
-      <a:defRPr b="0" i="0" sz="1400" u="none" cap="none" strike="noStrike">
+      <a:defRPr sz="1400" b="0" i="0" u="none" strike="noStrike" cap="none">
         <a:solidFill>
           <a:srgbClr val="000000"/>
         </a:solidFill>
@@ -144,7 +144,7 @@
         <a:sym typeface="Arial"/>
       </a:defRPr>
     </a:lvl4pPr>
-    <a:lvl5pPr lvl="4" marR="0" rtl="0" algn="l">
+    <a:lvl5pPr marR="0" lvl="4" algn="l" rtl="0">
       <a:lnSpc>
         <a:spcPct val="100000"/>
       </a:lnSpc>
@@ -158,7 +158,7 @@
         <a:srgbClr val="000000"/>
       </a:buClr>
       <a:buFont typeface="Arial"/>
-      <a:defRPr b="0" i="0" sz="1400" u="none" cap="none" strike="noStrike">
+      <a:defRPr sz="1400" b="0" i="0" u="none" strike="noStrike" cap="none">
         <a:solidFill>
           <a:srgbClr val="000000"/>
         </a:solidFill>
@@ -168,7 +168,7 @@
         <a:sym typeface="Arial"/>
       </a:defRPr>
     </a:lvl5pPr>
-    <a:lvl6pPr lvl="5" marR="0" rtl="0" algn="l">
+    <a:lvl6pPr marR="0" lvl="5" algn="l" rtl="0">
       <a:lnSpc>
         <a:spcPct val="100000"/>
       </a:lnSpc>
@@ -182,7 +182,7 @@
         <a:srgbClr val="000000"/>
       </a:buClr>
       <a:buFont typeface="Arial"/>
-      <a:defRPr b="0" i="0" sz="1400" u="none" cap="none" strike="noStrike">
+      <a:defRPr sz="1400" b="0" i="0" u="none" strike="noStrike" cap="none">
         <a:solidFill>
           <a:srgbClr val="000000"/>
         </a:solidFill>
@@ -192,7 +192,7 @@
         <a:sym typeface="Arial"/>
       </a:defRPr>
     </a:lvl6pPr>
-    <a:lvl7pPr lvl="6" marR="0" rtl="0" algn="l">
+    <a:lvl7pPr marR="0" lvl="6" algn="l" rtl="0">
       <a:lnSpc>
         <a:spcPct val="100000"/>
       </a:lnSpc>
@@ -206,7 +206,7 @@
         <a:srgbClr val="000000"/>
       </a:buClr>
       <a:buFont typeface="Arial"/>
-      <a:defRPr b="0" i="0" sz="1400" u="none" cap="none" strike="noStrike">
+      <a:defRPr sz="1400" b="0" i="0" u="none" strike="noStrike" cap="none">
         <a:solidFill>
           <a:srgbClr val="000000"/>
         </a:solidFill>
@@ -216,7 +216,7 @@
         <a:sym typeface="Arial"/>
       </a:defRPr>
     </a:lvl7pPr>
-    <a:lvl8pPr lvl="7" marR="0" rtl="0" algn="l">
+    <a:lvl8pPr marR="0" lvl="7" algn="l" rtl="0">
       <a:lnSpc>
         <a:spcPct val="100000"/>
       </a:lnSpc>
@@ -230,7 +230,7 @@
         <a:srgbClr val="000000"/>
       </a:buClr>
       <a:buFont typeface="Arial"/>
-      <a:defRPr b="0" i="0" sz="1400" u="none" cap="none" strike="noStrike">
+      <a:defRPr sz="1400" b="0" i="0" u="none" strike="noStrike" cap="none">
         <a:solidFill>
           <a:srgbClr val="000000"/>
         </a:solidFill>
@@ -240,7 +240,7 @@
         <a:sym typeface="Arial"/>
       </a:defRPr>
     </a:lvl8pPr>
-    <a:lvl9pPr lvl="8" marR="0" rtl="0" algn="l">
+    <a:lvl9pPr marR="0" lvl="8" algn="l" rtl="0">
       <a:lnSpc>
         <a:spcPct val="100000"/>
       </a:lnSpc>
@@ -254,7 +254,7 @@
         <a:srgbClr val="000000"/>
       </a:buClr>
       <a:buFont typeface="Arial"/>
-      <a:defRPr b="0" i="0" sz="1400" u="none" cap="none" strike="noStrike">
+      <a:defRPr sz="1400" b="0" i="0" u="none" strike="noStrike" cap="none">
         <a:solidFill>
           <a:srgbClr val="000000"/>
         </a:solidFill>
@@ -267,7 +267,7 @@
   </p:defaultTextStyle>
   <p:extLst>
     <p:ext uri="{EFAFB233-063F-42B5-8137-9DF3F51BA10A}">
-      <p15:sldGuideLst>
+      <p15:sldGuideLst xmlns:p15="http://schemas.microsoft.com/office/powerpoint/2012/main">
         <p15:guide id="1" orient="horz" pos="1620">
           <p15:clr>
             <a:srgbClr val="747775"/>
@@ -285,11 +285,16 @@
 </file>
 
 <file path=ppt/notesMasters/notesMaster1.xml><?xml version="1.0" encoding="utf-8"?>
-<p:notesMaster xmlns:a="http://schemas.openxmlformats.org/drawingml/2006/main" xmlns:r="http://schemas.openxmlformats.org/officeDocument/2006/relationships" xmlns:mc="http://schemas.openxmlformats.org/markup-compatibility/2006" xmlns:mv="urn:schemas-microsoft-com:mac:vml" xmlns:p="http://schemas.openxmlformats.org/presentationml/2006/main" xmlns:c="http://schemas.openxmlformats.org/drawingml/2006/chart" xmlns:dgm="http://schemas.openxmlformats.org/drawingml/2006/diagram" xmlns:o="urn:schemas-microsoft-com:office:office" xmlns:v="urn:schemas-microsoft-com:vml" xmlns:pvml="urn:schemas-microsoft-com:office:powerpoint" xmlns:com="http://schemas.openxmlformats.org/drawingml/2006/compatibility" xmlns:p14="http://schemas.microsoft.com/office/powerpoint/2010/main" xmlns:p15="http://schemas.microsoft.com/office/powerpoint/2012/main" xmlns:ahyp="http://schemas.microsoft.com/office/drawing/2018/hyperlinkcolor">
+<p:notesMaster xmlns:a="http://schemas.openxmlformats.org/drawingml/2006/main" xmlns:r="http://schemas.openxmlformats.org/officeDocument/2006/relationships" xmlns:p="http://schemas.openxmlformats.org/presentationml/2006/main">
   <p:cSld>
+    <p:bg>
+      <p:bgRef idx="1001">
+        <a:schemeClr val="bg1"/>
+      </p:bgRef>
+    </p:bg>
     <p:spTree>
       <p:nvGrpSpPr>
-        <p:cNvPr id="2" name="Shape 2"/>
+        <p:cNvPr id="1" name="Shape 2"/>
         <p:cNvGrpSpPr/>
         <p:nvPr/>
       </p:nvGrpSpPr>
@@ -304,9 +309,11 @@
       <p:sp>
         <p:nvSpPr>
           <p:cNvPr id="3" name="Google Shape;3;n"/>
-          <p:cNvSpPr/>
+          <p:cNvSpPr>
+            <a:spLocks noGrp="1" noRot="1" noChangeAspect="1"/>
+          </p:cNvSpPr>
           <p:nvPr>
-            <p:ph idx="2" type="sldImg"/>
+            <p:ph type="sldImg" idx="2"/>
           </p:nvPr>
         </p:nvSpPr>
         <p:spPr>
@@ -315,9 +322,13 @@
             <a:ext cx="6096075" cy="3429000"/>
           </a:xfrm>
           <a:custGeom>
-            <a:rect b="b" l="l" r="r" t="t"/>
+            <a:avLst/>
+            <a:gdLst/>
+            <a:ahLst/>
+            <a:cxnLst/>
+            <a:rect l="l" t="t" r="r" b="b"/>
             <a:pathLst>
-              <a:path extrusionOk="0" h="120000" w="120000">
+              <a:path w="120000" h="120000" extrusionOk="0">
                 <a:moveTo>
                   <a:pt x="0" y="0"/>
                 </a:moveTo>
@@ -335,23 +346,25 @@
             </a:pathLst>
           </a:custGeom>
           <a:noFill/>
-          <a:ln cap="flat" cmpd="sng" w="9525">
+          <a:ln w="9525" cap="flat" cmpd="sng">
             <a:solidFill>
               <a:srgbClr val="000000"/>
             </a:solidFill>
             <a:prstDash val="solid"/>
             <a:round/>
-            <a:headEnd len="sm" w="sm" type="none"/>
-            <a:tailEnd len="sm" w="sm" type="none"/>
+            <a:headEnd type="none" w="sm" len="sm"/>
+            <a:tailEnd type="none" w="sm" len="sm"/>
           </a:ln>
         </p:spPr>
       </p:sp>
       <p:sp>
         <p:nvSpPr>
           <p:cNvPr id="4" name="Google Shape;4;n"/>
-          <p:cNvSpPr txBox="1"/>
+          <p:cNvSpPr txBox="1">
+            <a:spLocks noGrp="1"/>
+          </p:cNvSpPr>
           <p:nvPr>
-            <p:ph idx="1" type="body"/>
+            <p:ph type="body" idx="1"/>
           </p:nvPr>
         </p:nvSpPr>
         <p:spPr>
@@ -368,11 +381,11 @@
           </a:ln>
         </p:spPr>
         <p:txBody>
-          <a:bodyPr anchorCtr="0" anchor="t" bIns="91425" lIns="91425" spcFirstLastPara="1" rIns="91425" wrap="square" tIns="91425">
+          <a:bodyPr spcFirstLastPara="1" wrap="square" lIns="91425" tIns="91425" rIns="91425" bIns="91425" anchor="t" anchorCtr="0">
             <a:noAutofit/>
           </a:bodyPr>
           <a:lstStyle>
-            <a:lvl1pPr indent="-298450" lvl="0" marL="457200">
+            <a:lvl1pPr marL="457200" lvl="0" indent="-298450">
               <a:spcBef>
                 <a:spcPts val="0"/>
               </a:spcBef>
@@ -383,7 +396,7 @@
               <a:buChar char="●"/>
               <a:defRPr sz="1100"/>
             </a:lvl1pPr>
-            <a:lvl2pPr indent="-298450" lvl="1" marL="914400">
+            <a:lvl2pPr marL="914400" lvl="1" indent="-298450">
               <a:spcBef>
                 <a:spcPts val="0"/>
               </a:spcBef>
@@ -394,7 +407,7 @@
               <a:buChar char="○"/>
               <a:defRPr sz="1100"/>
             </a:lvl2pPr>
-            <a:lvl3pPr indent="-298450" lvl="2" marL="1371600">
+            <a:lvl3pPr marL="1371600" lvl="2" indent="-298450">
               <a:spcBef>
                 <a:spcPts val="0"/>
               </a:spcBef>
@@ -405,7 +418,7 @@
               <a:buChar char="■"/>
               <a:defRPr sz="1100"/>
             </a:lvl3pPr>
-            <a:lvl4pPr indent="-298450" lvl="3" marL="1828800">
+            <a:lvl4pPr marL="1828800" lvl="3" indent="-298450">
               <a:spcBef>
                 <a:spcPts val="0"/>
               </a:spcBef>
@@ -416,7 +429,7 @@
               <a:buChar char="●"/>
               <a:defRPr sz="1100"/>
             </a:lvl4pPr>
-            <a:lvl5pPr indent="-298450" lvl="4" marL="2286000">
+            <a:lvl5pPr marL="2286000" lvl="4" indent="-298450">
               <a:spcBef>
                 <a:spcPts val="0"/>
               </a:spcBef>
@@ -427,7 +440,7 @@
               <a:buChar char="○"/>
               <a:defRPr sz="1100"/>
             </a:lvl5pPr>
-            <a:lvl6pPr indent="-298450" lvl="5" marL="2743200">
+            <a:lvl6pPr marL="2743200" lvl="5" indent="-298450">
               <a:spcBef>
                 <a:spcPts val="0"/>
               </a:spcBef>
@@ -438,7 +451,7 @@
               <a:buChar char="■"/>
               <a:defRPr sz="1100"/>
             </a:lvl6pPr>
-            <a:lvl7pPr indent="-298450" lvl="6" marL="3200400">
+            <a:lvl7pPr marL="3200400" lvl="6" indent="-298450">
               <a:spcBef>
                 <a:spcPts val="0"/>
               </a:spcBef>
@@ -449,7 +462,7 @@
               <a:buChar char="●"/>
               <a:defRPr sz="1100"/>
             </a:lvl7pPr>
-            <a:lvl8pPr indent="-298450" lvl="7" marL="3657600">
+            <a:lvl8pPr marL="3657600" lvl="7" indent="-298450">
               <a:spcBef>
                 <a:spcPts val="0"/>
               </a:spcBef>
@@ -460,7 +473,7 @@
               <a:buChar char="○"/>
               <a:defRPr sz="1100"/>
             </a:lvl8pPr>
-            <a:lvl9pPr indent="-298450" lvl="8" marL="4114800">
+            <a:lvl9pPr marL="4114800" lvl="8" indent="-298450">
               <a:spcBef>
                 <a:spcPts val="0"/>
               </a:spcBef>
@@ -472,14 +485,16 @@
               <a:defRPr sz="1100"/>
             </a:lvl9pPr>
           </a:lstStyle>
-          <a:p/>
+          <a:p>
+            <a:endParaRPr/>
+          </a:p>
         </p:txBody>
       </p:sp>
     </p:spTree>
   </p:cSld>
-  <p:clrMap accent1="accent1" accent2="accent2" accent3="accent3" accent4="accent4" accent5="accent5" accent6="accent6" bg1="lt1" bg2="dk2" tx1="dk1" tx2="lt2" folHlink="folHlink" hlink="hlink"/>
+  <p:clrMap bg1="lt1" tx1="dk1" bg2="dk2" tx2="lt2" accent1="accent1" accent2="accent2" accent3="accent3" accent4="accent4" accent5="accent5" accent6="accent6" hlink="hlink" folHlink="folHlink"/>
   <p:notesStyle>
-    <a:defPPr lvl="0" marR="0" rtl="0" algn="l">
+    <a:defPPr marR="0" lvl="0" algn="l" rtl="0">
       <a:lnSpc>
         <a:spcPct val="100000"/>
       </a:lnSpc>
@@ -490,7 +505,7 @@
         <a:spcPts val="0"/>
       </a:spcAft>
     </a:defPPr>
-    <a:lvl1pPr lvl="0" marR="0" rtl="0" algn="l">
+    <a:lvl1pPr marR="0" lvl="0" algn="l" rtl="0">
       <a:lnSpc>
         <a:spcPct val="100000"/>
       </a:lnSpc>
@@ -504,7 +519,7 @@
         <a:srgbClr val="000000"/>
       </a:buClr>
       <a:buFont typeface="Arial"/>
-      <a:defRPr b="0" i="0" sz="1400" u="none" cap="none" strike="noStrike">
+      <a:defRPr sz="1400" b="0" i="0" u="none" strike="noStrike" cap="none">
         <a:solidFill>
           <a:srgbClr val="000000"/>
         </a:solidFill>
@@ -514,7 +529,7 @@
         <a:sym typeface="Arial"/>
       </a:defRPr>
     </a:lvl1pPr>
-    <a:lvl2pPr lvl="1" marR="0" rtl="0" algn="l">
+    <a:lvl2pPr marR="0" lvl="1" algn="l" rtl="0">
       <a:lnSpc>
         <a:spcPct val="100000"/>
       </a:lnSpc>
@@ -528,7 +543,7 @@
         <a:srgbClr val="000000"/>
       </a:buClr>
       <a:buFont typeface="Arial"/>
-      <a:defRPr b="0" i="0" sz="1400" u="none" cap="none" strike="noStrike">
+      <a:defRPr sz="1400" b="0" i="0" u="none" strike="noStrike" cap="none">
         <a:solidFill>
           <a:srgbClr val="000000"/>
         </a:solidFill>
@@ -538,7 +553,7 @@
         <a:sym typeface="Arial"/>
       </a:defRPr>
     </a:lvl2pPr>
-    <a:lvl3pPr lvl="2" marR="0" rtl="0" algn="l">
+    <a:lvl3pPr marR="0" lvl="2" algn="l" rtl="0">
       <a:lnSpc>
         <a:spcPct val="100000"/>
       </a:lnSpc>
@@ -552,7 +567,7 @@
         <a:srgbClr val="000000"/>
       </a:buClr>
       <a:buFont typeface="Arial"/>
-      <a:defRPr b="0" i="0" sz="1400" u="none" cap="none" strike="noStrike">
+      <a:defRPr sz="1400" b="0" i="0" u="none" strike="noStrike" cap="none">
         <a:solidFill>
           <a:srgbClr val="000000"/>
         </a:solidFill>
@@ -562,7 +577,7 @@
         <a:sym typeface="Arial"/>
       </a:defRPr>
     </a:lvl3pPr>
-    <a:lvl4pPr lvl="3" marR="0" rtl="0" algn="l">
+    <a:lvl4pPr marR="0" lvl="3" algn="l" rtl="0">
       <a:lnSpc>
         <a:spcPct val="100000"/>
       </a:lnSpc>
@@ -576,7 +591,7 @@
         <a:srgbClr val="000000"/>
       </a:buClr>
       <a:buFont typeface="Arial"/>
-      <a:defRPr b="0" i="0" sz="1400" u="none" cap="none" strike="noStrike">
+      <a:defRPr sz="1400" b="0" i="0" u="none" strike="noStrike" cap="none">
         <a:solidFill>
           <a:srgbClr val="000000"/>
         </a:solidFill>
@@ -586,7 +601,7 @@
         <a:sym typeface="Arial"/>
       </a:defRPr>
     </a:lvl4pPr>
-    <a:lvl5pPr lvl="4" marR="0" rtl="0" algn="l">
+    <a:lvl5pPr marR="0" lvl="4" algn="l" rtl="0">
       <a:lnSpc>
         <a:spcPct val="100000"/>
       </a:lnSpc>
@@ -600,7 +615,7 @@
         <a:srgbClr val="000000"/>
       </a:buClr>
       <a:buFont typeface="Arial"/>
-      <a:defRPr b="0" i="0" sz="1400" u="none" cap="none" strike="noStrike">
+      <a:defRPr sz="1400" b="0" i="0" u="none" strike="noStrike" cap="none">
         <a:solidFill>
           <a:srgbClr val="000000"/>
         </a:solidFill>
@@ -610,7 +625,7 @@
         <a:sym typeface="Arial"/>
       </a:defRPr>
     </a:lvl5pPr>
-    <a:lvl6pPr lvl="5" marR="0" rtl="0" algn="l">
+    <a:lvl6pPr marR="0" lvl="5" algn="l" rtl="0">
       <a:lnSpc>
         <a:spcPct val="100000"/>
       </a:lnSpc>
@@ -624,7 +639,7 @@
         <a:srgbClr val="000000"/>
       </a:buClr>
       <a:buFont typeface="Arial"/>
-      <a:defRPr b="0" i="0" sz="1400" u="none" cap="none" strike="noStrike">
+      <a:defRPr sz="1400" b="0" i="0" u="none" strike="noStrike" cap="none">
         <a:solidFill>
           <a:srgbClr val="000000"/>
         </a:solidFill>
@@ -634,7 +649,7 @@
         <a:sym typeface="Arial"/>
       </a:defRPr>
     </a:lvl6pPr>
-    <a:lvl7pPr lvl="6" marR="0" rtl="0" algn="l">
+    <a:lvl7pPr marR="0" lvl="6" algn="l" rtl="0">
       <a:lnSpc>
         <a:spcPct val="100000"/>
       </a:lnSpc>
@@ -648,7 +663,7 @@
         <a:srgbClr val="000000"/>
       </a:buClr>
       <a:buFont typeface="Arial"/>
-      <a:defRPr b="0" i="0" sz="1400" u="none" cap="none" strike="noStrike">
+      <a:defRPr sz="1400" b="0" i="0" u="none" strike="noStrike" cap="none">
         <a:solidFill>
           <a:srgbClr val="000000"/>
         </a:solidFill>
@@ -658,7 +673,7 @@
         <a:sym typeface="Arial"/>
       </a:defRPr>
     </a:lvl7pPr>
-    <a:lvl8pPr lvl="7" marR="0" rtl="0" algn="l">
+    <a:lvl8pPr marR="0" lvl="7" algn="l" rtl="0">
       <a:lnSpc>
         <a:spcPct val="100000"/>
       </a:lnSpc>
@@ -672,7 +687,7 @@
         <a:srgbClr val="000000"/>
       </a:buClr>
       <a:buFont typeface="Arial"/>
-      <a:defRPr b="0" i="0" sz="1400" u="none" cap="none" strike="noStrike">
+      <a:defRPr sz="1400" b="0" i="0" u="none" strike="noStrike" cap="none">
         <a:solidFill>
           <a:srgbClr val="000000"/>
         </a:solidFill>
@@ -682,7 +697,7 @@
         <a:sym typeface="Arial"/>
       </a:defRPr>
     </a:lvl8pPr>
-    <a:lvl9pPr lvl="8" marR="0" rtl="0" algn="l">
+    <a:lvl9pPr marR="0" lvl="8" algn="l" rtl="0">
       <a:lnSpc>
         <a:spcPct val="100000"/>
       </a:lnSpc>
@@ -696,7 +711,7 @@
         <a:srgbClr val="000000"/>
       </a:buClr>
       <a:buFont typeface="Arial"/>
-      <a:defRPr b="0" i="0" sz="1400" u="none" cap="none" strike="noStrike">
+      <a:defRPr sz="1400" b="0" i="0" u="none" strike="noStrike" cap="none">
         <a:solidFill>
           <a:srgbClr val="000000"/>
         </a:solidFill>
@@ -711,11 +726,11 @@
 </file>
 
 <file path=ppt/notesSlides/notesSlide1.xml><?xml version="1.0" encoding="utf-8"?>
-<p:notes xmlns:a="http://schemas.openxmlformats.org/drawingml/2006/main" xmlns:r="http://schemas.openxmlformats.org/officeDocument/2006/relationships" xmlns:mc="http://schemas.openxmlformats.org/markup-compatibility/2006" xmlns:mv="urn:schemas-microsoft-com:mac:vml" xmlns:p="http://schemas.openxmlformats.org/presentationml/2006/main" xmlns:c="http://schemas.openxmlformats.org/drawingml/2006/chart" xmlns:dgm="http://schemas.openxmlformats.org/drawingml/2006/diagram" xmlns:o="urn:schemas-microsoft-com:office:office" xmlns:v="urn:schemas-microsoft-com:vml" xmlns:pvml="urn:schemas-microsoft-com:office:powerpoint" xmlns:com="http://schemas.openxmlformats.org/drawingml/2006/compatibility" xmlns:p14="http://schemas.microsoft.com/office/powerpoint/2010/main" xmlns:p15="http://schemas.microsoft.com/office/powerpoint/2012/main" xmlns:ahyp="http://schemas.microsoft.com/office/drawing/2018/hyperlinkcolor" showMasterPhAnim="0" showMasterSp="0">
+<p:notes xmlns:a="http://schemas.openxmlformats.org/drawingml/2006/main" xmlns:r="http://schemas.openxmlformats.org/officeDocument/2006/relationships" xmlns:p="http://schemas.openxmlformats.org/presentationml/2006/main" showMasterSp="0" showMasterPhAnim="0">
   <p:cSld>
     <p:spTree>
       <p:nvGrpSpPr>
-        <p:cNvPr id="82" name="Shape 82"/>
+        <p:cNvPr id="1" name="Shape 82"/>
         <p:cNvGrpSpPr/>
         <p:nvPr/>
       </p:nvGrpSpPr>
@@ -730,20 +745,26 @@
       <p:sp>
         <p:nvSpPr>
           <p:cNvPr id="83" name="Google Shape;83;p:notes"/>
-          <p:cNvSpPr/>
+          <p:cNvSpPr>
+            <a:spLocks noGrp="1" noRot="1" noChangeAspect="1"/>
+          </p:cNvSpPr>
           <p:nvPr>
-            <p:ph idx="2" type="sldImg"/>
+            <p:ph type="sldImg" idx="2"/>
           </p:nvPr>
         </p:nvSpPr>
         <p:spPr>
           <a:xfrm>
-            <a:off x="381300" y="685800"/>
-            <a:ext cx="6096075" cy="3429000"/>
+            <a:off x="381000" y="685800"/>
+            <a:ext cx="6096000" cy="3429000"/>
           </a:xfrm>
           <a:custGeom>
-            <a:rect b="b" l="l" r="r" t="t"/>
+            <a:avLst/>
+            <a:gdLst/>
+            <a:ahLst/>
+            <a:cxnLst/>
+            <a:rect l="l" t="t" r="r" b="b"/>
             <a:pathLst>
-              <a:path extrusionOk="0" h="120000" w="120000">
+              <a:path w="120000" h="120000" extrusionOk="0">
                 <a:moveTo>
                   <a:pt x="0" y="0"/>
                 </a:moveTo>
@@ -765,9 +786,11 @@
       <p:sp>
         <p:nvSpPr>
           <p:cNvPr id="84" name="Google Shape;84;p:notes"/>
-          <p:cNvSpPr txBox="1"/>
+          <p:cNvSpPr txBox="1">
+            <a:spLocks noGrp="1"/>
+          </p:cNvSpPr>
           <p:nvPr>
-            <p:ph idx="1" type="body"/>
+            <p:ph type="body" idx="1"/>
           </p:nvPr>
         </p:nvSpPr>
         <p:spPr>
@@ -780,12 +803,12 @@
           </a:prstGeom>
         </p:spPr>
         <p:txBody>
-          <a:bodyPr anchorCtr="0" anchor="t" bIns="91425" lIns="91425" spcFirstLastPara="1" rIns="91425" wrap="square" tIns="91425">
+          <a:bodyPr spcFirstLastPara="1" wrap="square" lIns="91425" tIns="91425" rIns="91425" bIns="91425" anchor="t" anchorCtr="0">
             <a:noAutofit/>
           </a:bodyPr>
           <a:lstStyle/>
           <a:p>
-            <a:pPr indent="0" lvl="0" marL="0" rtl="0" algn="l">
+            <a:pPr marL="0" lvl="0" indent="0" algn="l" rtl="0">
               <a:spcBef>
                 <a:spcPts val="0"/>
               </a:spcBef>
@@ -794,9 +817,6 @@
               </a:spcAft>
               <a:buNone/>
             </a:pPr>
-            <a:r>
-              <a:t/>
-            </a:r>
             <a:endParaRPr/>
           </a:p>
         </p:txBody>
@@ -810,11 +830,11 @@
 </file>
 
 <file path=ppt/notesSlides/notesSlide2.xml><?xml version="1.0" encoding="utf-8"?>
-<p:notes xmlns:a="http://schemas.openxmlformats.org/drawingml/2006/main" xmlns:r="http://schemas.openxmlformats.org/officeDocument/2006/relationships" xmlns:mc="http://schemas.openxmlformats.org/markup-compatibility/2006" xmlns:mv="urn:schemas-microsoft-com:mac:vml" xmlns:p="http://schemas.openxmlformats.org/presentationml/2006/main" xmlns:c="http://schemas.openxmlformats.org/drawingml/2006/chart" xmlns:dgm="http://schemas.openxmlformats.org/drawingml/2006/diagram" xmlns:o="urn:schemas-microsoft-com:office:office" xmlns:v="urn:schemas-microsoft-com:vml" xmlns:pvml="urn:schemas-microsoft-com:office:powerpoint" xmlns:com="http://schemas.openxmlformats.org/drawingml/2006/compatibility" xmlns:p14="http://schemas.microsoft.com/office/powerpoint/2010/main" xmlns:p15="http://schemas.microsoft.com/office/powerpoint/2012/main" xmlns:ahyp="http://schemas.microsoft.com/office/drawing/2018/hyperlinkcolor" showMasterPhAnim="0" showMasterSp="0">
+<p:notes xmlns:a="http://schemas.openxmlformats.org/drawingml/2006/main" xmlns:r="http://schemas.openxmlformats.org/officeDocument/2006/relationships" xmlns:p="http://schemas.openxmlformats.org/presentationml/2006/main" showMasterSp="0" showMasterPhAnim="0">
   <p:cSld>
     <p:spTree>
       <p:nvGrpSpPr>
-        <p:cNvPr id="88" name="Shape 88"/>
+        <p:cNvPr id="1" name="Shape 88"/>
         <p:cNvGrpSpPr/>
         <p:nvPr/>
       </p:nvGrpSpPr>
@@ -829,20 +849,26 @@
       <p:sp>
         <p:nvSpPr>
           <p:cNvPr id="89" name="Google Shape;89;g24fba6281c0_0_122:notes"/>
-          <p:cNvSpPr/>
+          <p:cNvSpPr>
+            <a:spLocks noGrp="1" noRot="1" noChangeAspect="1"/>
+          </p:cNvSpPr>
           <p:nvPr>
-            <p:ph idx="2" type="sldImg"/>
+            <p:ph type="sldImg" idx="2"/>
           </p:nvPr>
         </p:nvSpPr>
         <p:spPr>
           <a:xfrm>
-            <a:off x="381300" y="685800"/>
+            <a:off x="381000" y="685800"/>
             <a:ext cx="6096000" cy="3429000"/>
           </a:xfrm>
           <a:custGeom>
-            <a:rect b="b" l="l" r="r" t="t"/>
+            <a:avLst/>
+            <a:gdLst/>
+            <a:ahLst/>
+            <a:cxnLst/>
+            <a:rect l="l" t="t" r="r" b="b"/>
             <a:pathLst>
-              <a:path extrusionOk="0" h="120000" w="120000">
+              <a:path w="120000" h="120000" extrusionOk="0">
                 <a:moveTo>
                   <a:pt x="0" y="0"/>
                 </a:moveTo>
@@ -864,9 +890,11 @@
       <p:sp>
         <p:nvSpPr>
           <p:cNvPr id="90" name="Google Shape;90;g24fba6281c0_0_122:notes"/>
-          <p:cNvSpPr txBox="1"/>
+          <p:cNvSpPr txBox="1">
+            <a:spLocks noGrp="1"/>
+          </p:cNvSpPr>
           <p:nvPr>
-            <p:ph idx="1" type="body"/>
+            <p:ph type="body" idx="1"/>
           </p:nvPr>
         </p:nvSpPr>
         <p:spPr>
@@ -879,12 +907,12 @@
           </a:prstGeom>
         </p:spPr>
         <p:txBody>
-          <a:bodyPr anchorCtr="0" anchor="t" bIns="91425" lIns="91425" spcFirstLastPara="1" rIns="91425" wrap="square" tIns="91425">
+          <a:bodyPr spcFirstLastPara="1" wrap="square" lIns="91425" tIns="91425" rIns="91425" bIns="91425" anchor="t" anchorCtr="0">
             <a:noAutofit/>
           </a:bodyPr>
           <a:lstStyle/>
           <a:p>
-            <a:pPr indent="0" lvl="0" marL="0" rtl="0" algn="l">
+            <a:pPr marL="0" lvl="0" indent="0" algn="l" rtl="0">
               <a:spcBef>
                 <a:spcPts val="0"/>
               </a:spcBef>
@@ -893,9 +921,6 @@
               </a:spcAft>
               <a:buNone/>
             </a:pPr>
-            <a:r>
-              <a:t/>
-            </a:r>
             <a:endParaRPr/>
           </a:p>
         </p:txBody>
@@ -909,11 +934,531 @@
 </file>
 
 <file path=ppt/notesSlides/notesSlide3.xml><?xml version="1.0" encoding="utf-8"?>
-<p:notes xmlns:a="http://schemas.openxmlformats.org/drawingml/2006/main" xmlns:r="http://schemas.openxmlformats.org/officeDocument/2006/relationships" xmlns:mc="http://schemas.openxmlformats.org/markup-compatibility/2006" xmlns:mv="urn:schemas-microsoft-com:mac:vml" xmlns:p="http://schemas.openxmlformats.org/presentationml/2006/main" xmlns:c="http://schemas.openxmlformats.org/drawingml/2006/chart" xmlns:dgm="http://schemas.openxmlformats.org/drawingml/2006/diagram" xmlns:o="urn:schemas-microsoft-com:office:office" xmlns:v="urn:schemas-microsoft-com:vml" xmlns:pvml="urn:schemas-microsoft-com:office:powerpoint" xmlns:com="http://schemas.openxmlformats.org/drawingml/2006/compatibility" xmlns:p14="http://schemas.microsoft.com/office/powerpoint/2010/main" xmlns:p15="http://schemas.microsoft.com/office/powerpoint/2012/main" xmlns:ahyp="http://schemas.microsoft.com/office/drawing/2018/hyperlinkcolor" showMasterPhAnim="0" showMasterSp="0">
+<p:notes xmlns:a="http://schemas.openxmlformats.org/drawingml/2006/main" xmlns:r="http://schemas.openxmlformats.org/officeDocument/2006/relationships" xmlns:p="http://schemas.openxmlformats.org/presentationml/2006/main" showMasterSp="0" showMasterPhAnim="0">
   <p:cSld>
     <p:spTree>
       <p:nvGrpSpPr>
-        <p:cNvPr id="94" name="Shape 94"/>
+        <p:cNvPr id="1" name="Shape 101"/>
+        <p:cNvGrpSpPr/>
+        <p:nvPr/>
+      </p:nvGrpSpPr>
+      <p:grpSpPr>
+        <a:xfrm>
+          <a:off x="0" y="0"/>
+          <a:ext cx="0" cy="0"/>
+          <a:chOff x="0" y="0"/>
+          <a:chExt cx="0" cy="0"/>
+        </a:xfrm>
+      </p:grpSpPr>
+      <p:sp>
+        <p:nvSpPr>
+          <p:cNvPr id="102" name="Google Shape;102;g24fba6281c0_0_260:notes"/>
+          <p:cNvSpPr>
+            <a:spLocks noGrp="1" noRot="1" noChangeAspect="1"/>
+          </p:cNvSpPr>
+          <p:nvPr>
+            <p:ph type="sldImg" idx="2"/>
+          </p:nvPr>
+        </p:nvSpPr>
+        <p:spPr>
+          <a:xfrm>
+            <a:off x="381000" y="685800"/>
+            <a:ext cx="6096000" cy="3429000"/>
+          </a:xfrm>
+          <a:custGeom>
+            <a:avLst/>
+            <a:gdLst/>
+            <a:ahLst/>
+            <a:cxnLst/>
+            <a:rect l="l" t="t" r="r" b="b"/>
+            <a:pathLst>
+              <a:path w="120000" h="120000" extrusionOk="0">
+                <a:moveTo>
+                  <a:pt x="0" y="0"/>
+                </a:moveTo>
+                <a:lnTo>
+                  <a:pt x="120000" y="0"/>
+                </a:lnTo>
+                <a:lnTo>
+                  <a:pt x="120000" y="120000"/>
+                </a:lnTo>
+                <a:lnTo>
+                  <a:pt x="0" y="120000"/>
+                </a:lnTo>
+                <a:close/>
+              </a:path>
+            </a:pathLst>
+          </a:custGeom>
+        </p:spPr>
+      </p:sp>
+      <p:sp>
+        <p:nvSpPr>
+          <p:cNvPr id="103" name="Google Shape;103;g24fba6281c0_0_260:notes"/>
+          <p:cNvSpPr txBox="1">
+            <a:spLocks noGrp="1"/>
+          </p:cNvSpPr>
+          <p:nvPr>
+            <p:ph type="body" idx="1"/>
+          </p:nvPr>
+        </p:nvSpPr>
+        <p:spPr>
+          <a:xfrm>
+            <a:off x="685800" y="4343400"/>
+            <a:ext cx="5486400" cy="4114800"/>
+          </a:xfrm>
+          <a:prstGeom prst="rect">
+            <a:avLst/>
+          </a:prstGeom>
+        </p:spPr>
+        <p:txBody>
+          <a:bodyPr spcFirstLastPara="1" wrap="square" lIns="91425" tIns="91425" rIns="91425" bIns="91425" anchor="t" anchorCtr="0">
+            <a:noAutofit/>
+          </a:bodyPr>
+          <a:lstStyle/>
+          <a:p>
+            <a:pPr marL="0" lvl="0" indent="0" algn="l" rtl="0">
+              <a:spcBef>
+                <a:spcPts val="0"/>
+              </a:spcBef>
+              <a:spcAft>
+                <a:spcPts val="0"/>
+              </a:spcAft>
+              <a:buNone/>
+            </a:pPr>
+            <a:endParaRPr/>
+          </a:p>
+        </p:txBody>
+      </p:sp>
+    </p:spTree>
+  </p:cSld>
+  <p:clrMapOvr>
+    <a:masterClrMapping/>
+  </p:clrMapOvr>
+</p:notes>
+</file>
+
+<file path=ppt/notesSlides/notesSlide4.xml><?xml version="1.0" encoding="utf-8"?>
+<p:notes xmlns:a="http://schemas.openxmlformats.org/drawingml/2006/main" xmlns:r="http://schemas.openxmlformats.org/officeDocument/2006/relationships" xmlns:p="http://schemas.openxmlformats.org/presentationml/2006/main" showMasterSp="0" showMasterPhAnim="0">
+  <p:cSld>
+    <p:spTree>
+      <p:nvGrpSpPr>
+        <p:cNvPr id="1" name="Shape 107"/>
+        <p:cNvGrpSpPr/>
+        <p:nvPr/>
+      </p:nvGrpSpPr>
+      <p:grpSpPr>
+        <a:xfrm>
+          <a:off x="0" y="0"/>
+          <a:ext cx="0" cy="0"/>
+          <a:chOff x="0" y="0"/>
+          <a:chExt cx="0" cy="0"/>
+        </a:xfrm>
+      </p:grpSpPr>
+      <p:sp>
+        <p:nvSpPr>
+          <p:cNvPr id="108" name="Google Shape;108;g24fba6281c0_0_265:notes"/>
+          <p:cNvSpPr>
+            <a:spLocks noGrp="1" noRot="1" noChangeAspect="1"/>
+          </p:cNvSpPr>
+          <p:nvPr>
+            <p:ph type="sldImg" idx="2"/>
+          </p:nvPr>
+        </p:nvSpPr>
+        <p:spPr>
+          <a:xfrm>
+            <a:off x="381000" y="685800"/>
+            <a:ext cx="6096000" cy="3429000"/>
+          </a:xfrm>
+          <a:custGeom>
+            <a:avLst/>
+            <a:gdLst/>
+            <a:ahLst/>
+            <a:cxnLst/>
+            <a:rect l="l" t="t" r="r" b="b"/>
+            <a:pathLst>
+              <a:path w="120000" h="120000" extrusionOk="0">
+                <a:moveTo>
+                  <a:pt x="0" y="0"/>
+                </a:moveTo>
+                <a:lnTo>
+                  <a:pt x="120000" y="0"/>
+                </a:lnTo>
+                <a:lnTo>
+                  <a:pt x="120000" y="120000"/>
+                </a:lnTo>
+                <a:lnTo>
+                  <a:pt x="0" y="120000"/>
+                </a:lnTo>
+                <a:close/>
+              </a:path>
+            </a:pathLst>
+          </a:custGeom>
+        </p:spPr>
+      </p:sp>
+      <p:sp>
+        <p:nvSpPr>
+          <p:cNvPr id="109" name="Google Shape;109;g24fba6281c0_0_265:notes"/>
+          <p:cNvSpPr txBox="1">
+            <a:spLocks noGrp="1"/>
+          </p:cNvSpPr>
+          <p:nvPr>
+            <p:ph type="body" idx="1"/>
+          </p:nvPr>
+        </p:nvSpPr>
+        <p:spPr>
+          <a:xfrm>
+            <a:off x="685800" y="4343400"/>
+            <a:ext cx="5486400" cy="4114800"/>
+          </a:xfrm>
+          <a:prstGeom prst="rect">
+            <a:avLst/>
+          </a:prstGeom>
+        </p:spPr>
+        <p:txBody>
+          <a:bodyPr spcFirstLastPara="1" wrap="square" lIns="91425" tIns="91425" rIns="91425" bIns="91425" anchor="t" anchorCtr="0">
+            <a:noAutofit/>
+          </a:bodyPr>
+          <a:lstStyle/>
+          <a:p>
+            <a:pPr marL="0" lvl="0" indent="0" algn="l" rtl="0">
+              <a:spcBef>
+                <a:spcPts val="0"/>
+              </a:spcBef>
+              <a:spcAft>
+                <a:spcPts val="0"/>
+              </a:spcAft>
+              <a:buNone/>
+            </a:pPr>
+            <a:endParaRPr/>
+          </a:p>
+        </p:txBody>
+      </p:sp>
+    </p:spTree>
+  </p:cSld>
+  <p:clrMapOvr>
+    <a:masterClrMapping/>
+  </p:clrMapOvr>
+</p:notes>
+</file>
+
+<file path=ppt/notesSlides/notesSlide5.xml><?xml version="1.0" encoding="utf-8"?>
+<p:notes xmlns:a="http://schemas.openxmlformats.org/drawingml/2006/main" xmlns:r="http://schemas.openxmlformats.org/officeDocument/2006/relationships" xmlns:p="http://schemas.openxmlformats.org/presentationml/2006/main" showMasterSp="0" showMasterPhAnim="0">
+  <p:cSld>
+    <p:spTree>
+      <p:nvGrpSpPr>
+        <p:cNvPr id="1" name="Shape 113"/>
+        <p:cNvGrpSpPr/>
+        <p:nvPr/>
+      </p:nvGrpSpPr>
+      <p:grpSpPr>
+        <a:xfrm>
+          <a:off x="0" y="0"/>
+          <a:ext cx="0" cy="0"/>
+          <a:chOff x="0" y="0"/>
+          <a:chExt cx="0" cy="0"/>
+        </a:xfrm>
+      </p:grpSpPr>
+      <p:sp>
+        <p:nvSpPr>
+          <p:cNvPr id="114" name="Google Shape;114;g24fba6281c0_0_270:notes"/>
+          <p:cNvSpPr>
+            <a:spLocks noGrp="1" noRot="1" noChangeAspect="1"/>
+          </p:cNvSpPr>
+          <p:nvPr>
+            <p:ph type="sldImg" idx="2"/>
+          </p:nvPr>
+        </p:nvSpPr>
+        <p:spPr>
+          <a:xfrm>
+            <a:off x="381300" y="685800"/>
+            <a:ext cx="6096000" cy="3429000"/>
+          </a:xfrm>
+          <a:custGeom>
+            <a:avLst/>
+            <a:gdLst/>
+            <a:ahLst/>
+            <a:cxnLst/>
+            <a:rect l="l" t="t" r="r" b="b"/>
+            <a:pathLst>
+              <a:path w="120000" h="120000" extrusionOk="0">
+                <a:moveTo>
+                  <a:pt x="0" y="0"/>
+                </a:moveTo>
+                <a:lnTo>
+                  <a:pt x="120000" y="0"/>
+                </a:lnTo>
+                <a:lnTo>
+                  <a:pt x="120000" y="120000"/>
+                </a:lnTo>
+                <a:lnTo>
+                  <a:pt x="0" y="120000"/>
+                </a:lnTo>
+                <a:close/>
+              </a:path>
+            </a:pathLst>
+          </a:custGeom>
+        </p:spPr>
+      </p:sp>
+      <p:sp>
+        <p:nvSpPr>
+          <p:cNvPr id="115" name="Google Shape;115;g24fba6281c0_0_270:notes"/>
+          <p:cNvSpPr txBox="1">
+            <a:spLocks noGrp="1"/>
+          </p:cNvSpPr>
+          <p:nvPr>
+            <p:ph type="body" idx="1"/>
+          </p:nvPr>
+        </p:nvSpPr>
+        <p:spPr>
+          <a:xfrm>
+            <a:off x="685800" y="4343400"/>
+            <a:ext cx="5486400" cy="4114800"/>
+          </a:xfrm>
+          <a:prstGeom prst="rect">
+            <a:avLst/>
+          </a:prstGeom>
+        </p:spPr>
+        <p:txBody>
+          <a:bodyPr spcFirstLastPara="1" wrap="square" lIns="91425" tIns="91425" rIns="91425" bIns="91425" anchor="t" anchorCtr="0">
+            <a:noAutofit/>
+          </a:bodyPr>
+          <a:lstStyle/>
+          <a:p>
+            <a:pPr marL="0" lvl="0" indent="0" algn="l" rtl="0">
+              <a:spcBef>
+                <a:spcPts val="0"/>
+              </a:spcBef>
+              <a:spcAft>
+                <a:spcPts val="0"/>
+              </a:spcAft>
+              <a:buNone/>
+            </a:pPr>
+            <a:endParaRPr/>
+          </a:p>
+        </p:txBody>
+      </p:sp>
+    </p:spTree>
+  </p:cSld>
+  <p:clrMapOvr>
+    <a:masterClrMapping/>
+  </p:clrMapOvr>
+</p:notes>
+</file>
+
+<file path=ppt/notesSlides/notesSlide6.xml><?xml version="1.0" encoding="utf-8"?>
+<p:notes xmlns:a="http://schemas.openxmlformats.org/drawingml/2006/main" xmlns:r="http://schemas.openxmlformats.org/officeDocument/2006/relationships" xmlns:p="http://schemas.openxmlformats.org/presentationml/2006/main" showMasterSp="0" showMasterPhAnim="0">
+  <p:cSld>
+    <p:spTree>
+      <p:nvGrpSpPr>
+        <p:cNvPr id="1" name="Shape 119"/>
+        <p:cNvGrpSpPr/>
+        <p:nvPr/>
+      </p:nvGrpSpPr>
+      <p:grpSpPr>
+        <a:xfrm>
+          <a:off x="0" y="0"/>
+          <a:ext cx="0" cy="0"/>
+          <a:chOff x="0" y="0"/>
+          <a:chExt cx="0" cy="0"/>
+        </a:xfrm>
+      </p:grpSpPr>
+      <p:sp>
+        <p:nvSpPr>
+          <p:cNvPr id="120" name="Google Shape;120;g24fba6281c0_0_276:notes"/>
+          <p:cNvSpPr>
+            <a:spLocks noGrp="1" noRot="1" noChangeAspect="1"/>
+          </p:cNvSpPr>
+          <p:nvPr>
+            <p:ph type="sldImg" idx="2"/>
+          </p:nvPr>
+        </p:nvSpPr>
+        <p:spPr>
+          <a:xfrm>
+            <a:off x="381300" y="685800"/>
+            <a:ext cx="6096000" cy="3429000"/>
+          </a:xfrm>
+          <a:custGeom>
+            <a:avLst/>
+            <a:gdLst/>
+            <a:ahLst/>
+            <a:cxnLst/>
+            <a:rect l="l" t="t" r="r" b="b"/>
+            <a:pathLst>
+              <a:path w="120000" h="120000" extrusionOk="0">
+                <a:moveTo>
+                  <a:pt x="0" y="0"/>
+                </a:moveTo>
+                <a:lnTo>
+                  <a:pt x="120000" y="0"/>
+                </a:lnTo>
+                <a:lnTo>
+                  <a:pt x="120000" y="120000"/>
+                </a:lnTo>
+                <a:lnTo>
+                  <a:pt x="0" y="120000"/>
+                </a:lnTo>
+                <a:close/>
+              </a:path>
+            </a:pathLst>
+          </a:custGeom>
+        </p:spPr>
+      </p:sp>
+      <p:sp>
+        <p:nvSpPr>
+          <p:cNvPr id="121" name="Google Shape;121;g24fba6281c0_0_276:notes"/>
+          <p:cNvSpPr txBox="1">
+            <a:spLocks noGrp="1"/>
+          </p:cNvSpPr>
+          <p:nvPr>
+            <p:ph type="body" idx="1"/>
+          </p:nvPr>
+        </p:nvSpPr>
+        <p:spPr>
+          <a:xfrm>
+            <a:off x="685800" y="4343400"/>
+            <a:ext cx="5486400" cy="4114800"/>
+          </a:xfrm>
+          <a:prstGeom prst="rect">
+            <a:avLst/>
+          </a:prstGeom>
+        </p:spPr>
+        <p:txBody>
+          <a:bodyPr spcFirstLastPara="1" wrap="square" lIns="91425" tIns="91425" rIns="91425" bIns="91425" anchor="t" anchorCtr="0">
+            <a:noAutofit/>
+          </a:bodyPr>
+          <a:lstStyle/>
+          <a:p>
+            <a:pPr marL="0" lvl="0" indent="0" algn="l" rtl="0">
+              <a:spcBef>
+                <a:spcPts val="0"/>
+              </a:spcBef>
+              <a:spcAft>
+                <a:spcPts val="0"/>
+              </a:spcAft>
+              <a:buNone/>
+            </a:pPr>
+            <a:endParaRPr/>
+          </a:p>
+        </p:txBody>
+      </p:sp>
+    </p:spTree>
+  </p:cSld>
+  <p:clrMapOvr>
+    <a:masterClrMapping/>
+  </p:clrMapOvr>
+</p:notes>
+</file>
+
+<file path=ppt/notesSlides/notesSlide7.xml><?xml version="1.0" encoding="utf-8"?>
+<p:notes xmlns:a="http://schemas.openxmlformats.org/drawingml/2006/main" xmlns:r="http://schemas.openxmlformats.org/officeDocument/2006/relationships" xmlns:p="http://schemas.openxmlformats.org/presentationml/2006/main" showMasterSp="0" showMasterPhAnim="0">
+  <p:cSld>
+    <p:spTree>
+      <p:nvGrpSpPr>
+        <p:cNvPr id="1" name="Shape 126"/>
+        <p:cNvGrpSpPr/>
+        <p:nvPr/>
+      </p:nvGrpSpPr>
+      <p:grpSpPr>
+        <a:xfrm>
+          <a:off x="0" y="0"/>
+          <a:ext cx="0" cy="0"/>
+          <a:chOff x="0" y="0"/>
+          <a:chExt cx="0" cy="0"/>
+        </a:xfrm>
+      </p:grpSpPr>
+      <p:sp>
+        <p:nvSpPr>
+          <p:cNvPr id="127" name="Google Shape;127;g24fba6281c0_0_282:notes"/>
+          <p:cNvSpPr>
+            <a:spLocks noGrp="1" noRot="1" noChangeAspect="1"/>
+          </p:cNvSpPr>
+          <p:nvPr>
+            <p:ph type="sldImg" idx="2"/>
+          </p:nvPr>
+        </p:nvSpPr>
+        <p:spPr>
+          <a:xfrm>
+            <a:off x="381300" y="685800"/>
+            <a:ext cx="6096000" cy="3429000"/>
+          </a:xfrm>
+          <a:custGeom>
+            <a:avLst/>
+            <a:gdLst/>
+            <a:ahLst/>
+            <a:cxnLst/>
+            <a:rect l="l" t="t" r="r" b="b"/>
+            <a:pathLst>
+              <a:path w="120000" h="120000" extrusionOk="0">
+                <a:moveTo>
+                  <a:pt x="0" y="0"/>
+                </a:moveTo>
+                <a:lnTo>
+                  <a:pt x="120000" y="0"/>
+                </a:lnTo>
+                <a:lnTo>
+                  <a:pt x="120000" y="120000"/>
+                </a:lnTo>
+                <a:lnTo>
+                  <a:pt x="0" y="120000"/>
+                </a:lnTo>
+                <a:close/>
+              </a:path>
+            </a:pathLst>
+          </a:custGeom>
+        </p:spPr>
+      </p:sp>
+      <p:sp>
+        <p:nvSpPr>
+          <p:cNvPr id="128" name="Google Shape;128;g24fba6281c0_0_282:notes"/>
+          <p:cNvSpPr txBox="1">
+            <a:spLocks noGrp="1"/>
+          </p:cNvSpPr>
+          <p:nvPr>
+            <p:ph type="body" idx="1"/>
+          </p:nvPr>
+        </p:nvSpPr>
+        <p:spPr>
+          <a:xfrm>
+            <a:off x="685800" y="4343400"/>
+            <a:ext cx="5486400" cy="4114800"/>
+          </a:xfrm>
+          <a:prstGeom prst="rect">
+            <a:avLst/>
+          </a:prstGeom>
+        </p:spPr>
+        <p:txBody>
+          <a:bodyPr spcFirstLastPara="1" wrap="square" lIns="91425" tIns="91425" rIns="91425" bIns="91425" anchor="t" anchorCtr="0">
+            <a:noAutofit/>
+          </a:bodyPr>
+          <a:lstStyle/>
+          <a:p>
+            <a:pPr marL="0" lvl="0" indent="0" algn="l" rtl="0">
+              <a:spcBef>
+                <a:spcPts val="0"/>
+              </a:spcBef>
+              <a:spcAft>
+                <a:spcPts val="0"/>
+              </a:spcAft>
+              <a:buNone/>
+            </a:pPr>
+            <a:endParaRPr/>
+          </a:p>
+        </p:txBody>
+      </p:sp>
+    </p:spTree>
+  </p:cSld>
+  <p:clrMapOvr>
+    <a:masterClrMapping/>
+  </p:clrMapOvr>
+</p:notes>
+</file>
+
+<file path=ppt/notesSlides/notesSlide8.xml><?xml version="1.0" encoding="utf-8"?>
+<p:notes xmlns:a="http://schemas.openxmlformats.org/drawingml/2006/main" xmlns:r="http://schemas.openxmlformats.org/officeDocument/2006/relationships" xmlns:p="http://schemas.openxmlformats.org/presentationml/2006/main" showMasterSp="0" showMasterPhAnim="0">
+  <p:cSld>
+    <p:spTree>
+      <p:nvGrpSpPr>
+        <p:cNvPr id="1" name="Shape 94"/>
         <p:cNvGrpSpPr/>
         <p:nvPr/>
       </p:nvGrpSpPr>
@@ -928,20 +1473,26 @@
       <p:sp>
         <p:nvSpPr>
           <p:cNvPr id="95" name="Google Shape;95;g24fba6281c0_0_127:notes"/>
-          <p:cNvSpPr/>
+          <p:cNvSpPr>
+            <a:spLocks noGrp="1" noRot="1" noChangeAspect="1"/>
+          </p:cNvSpPr>
           <p:nvPr>
-            <p:ph idx="2" type="sldImg"/>
+            <p:ph type="sldImg" idx="2"/>
           </p:nvPr>
         </p:nvSpPr>
         <p:spPr>
           <a:xfrm>
-            <a:off x="381300" y="685800"/>
+            <a:off x="381000" y="685800"/>
             <a:ext cx="6096000" cy="3429000"/>
           </a:xfrm>
           <a:custGeom>
-            <a:rect b="b" l="l" r="r" t="t"/>
+            <a:avLst/>
+            <a:gdLst/>
+            <a:ahLst/>
+            <a:cxnLst/>
+            <a:rect l="l" t="t" r="r" b="b"/>
             <a:pathLst>
-              <a:path extrusionOk="0" h="120000" w="120000">
+              <a:path w="120000" h="120000" extrusionOk="0">
                 <a:moveTo>
                   <a:pt x="0" y="0"/>
                 </a:moveTo>
@@ -963,9 +1514,11 @@
       <p:sp>
         <p:nvSpPr>
           <p:cNvPr id="96" name="Google Shape;96;g24fba6281c0_0_127:notes"/>
-          <p:cNvSpPr txBox="1"/>
+          <p:cNvSpPr txBox="1">
+            <a:spLocks noGrp="1"/>
+          </p:cNvSpPr>
           <p:nvPr>
-            <p:ph idx="1" type="body"/>
+            <p:ph type="body" idx="1"/>
           </p:nvPr>
         </p:nvSpPr>
         <p:spPr>
@@ -978,12 +1531,12 @@
           </a:prstGeom>
         </p:spPr>
         <p:txBody>
-          <a:bodyPr anchorCtr="0" anchor="t" bIns="91425" lIns="91425" spcFirstLastPara="1" rIns="91425" wrap="square" tIns="91425">
+          <a:bodyPr spcFirstLastPara="1" wrap="square" lIns="91425" tIns="91425" rIns="91425" bIns="91425" anchor="t" anchorCtr="0">
             <a:noAutofit/>
           </a:bodyPr>
           <a:lstStyle/>
           <a:p>
-            <a:pPr indent="0" lvl="0" marL="0" rtl="0" algn="l">
+            <a:pPr marL="0" lvl="0" indent="0" algn="l" rtl="0">
               <a:spcBef>
                 <a:spcPts val="0"/>
               </a:spcBef>
@@ -992,504 +1545,6 @@
               </a:spcAft>
               <a:buNone/>
             </a:pPr>
-            <a:r>
-              <a:t/>
-            </a:r>
-            <a:endParaRPr/>
-          </a:p>
-        </p:txBody>
-      </p:sp>
-    </p:spTree>
-  </p:cSld>
-  <p:clrMapOvr>
-    <a:masterClrMapping/>
-  </p:clrMapOvr>
-</p:notes>
-</file>
-
-<file path=ppt/notesSlides/notesSlide4.xml><?xml version="1.0" encoding="utf-8"?>
-<p:notes xmlns:a="http://schemas.openxmlformats.org/drawingml/2006/main" xmlns:r="http://schemas.openxmlformats.org/officeDocument/2006/relationships" xmlns:mc="http://schemas.openxmlformats.org/markup-compatibility/2006" xmlns:mv="urn:schemas-microsoft-com:mac:vml" xmlns:p="http://schemas.openxmlformats.org/presentationml/2006/main" xmlns:c="http://schemas.openxmlformats.org/drawingml/2006/chart" xmlns:dgm="http://schemas.openxmlformats.org/drawingml/2006/diagram" xmlns:o="urn:schemas-microsoft-com:office:office" xmlns:v="urn:schemas-microsoft-com:vml" xmlns:pvml="urn:schemas-microsoft-com:office:powerpoint" xmlns:com="http://schemas.openxmlformats.org/drawingml/2006/compatibility" xmlns:p14="http://schemas.microsoft.com/office/powerpoint/2010/main" xmlns:p15="http://schemas.microsoft.com/office/powerpoint/2012/main" xmlns:ahyp="http://schemas.microsoft.com/office/drawing/2018/hyperlinkcolor" showMasterPhAnim="0" showMasterSp="0">
-  <p:cSld>
-    <p:spTree>
-      <p:nvGrpSpPr>
-        <p:cNvPr id="101" name="Shape 101"/>
-        <p:cNvGrpSpPr/>
-        <p:nvPr/>
-      </p:nvGrpSpPr>
-      <p:grpSpPr>
-        <a:xfrm>
-          <a:off x="0" y="0"/>
-          <a:ext cx="0" cy="0"/>
-          <a:chOff x="0" y="0"/>
-          <a:chExt cx="0" cy="0"/>
-        </a:xfrm>
-      </p:grpSpPr>
-      <p:sp>
-        <p:nvSpPr>
-          <p:cNvPr id="102" name="Google Shape;102;g24fba6281c0_0_260:notes"/>
-          <p:cNvSpPr/>
-          <p:nvPr>
-            <p:ph idx="2" type="sldImg"/>
-          </p:nvPr>
-        </p:nvSpPr>
-        <p:spPr>
-          <a:xfrm>
-            <a:off x="381300" y="685800"/>
-            <a:ext cx="6096000" cy="3429000"/>
-          </a:xfrm>
-          <a:custGeom>
-            <a:rect b="b" l="l" r="r" t="t"/>
-            <a:pathLst>
-              <a:path extrusionOk="0" h="120000" w="120000">
-                <a:moveTo>
-                  <a:pt x="0" y="0"/>
-                </a:moveTo>
-                <a:lnTo>
-                  <a:pt x="120000" y="0"/>
-                </a:lnTo>
-                <a:lnTo>
-                  <a:pt x="120000" y="120000"/>
-                </a:lnTo>
-                <a:lnTo>
-                  <a:pt x="0" y="120000"/>
-                </a:lnTo>
-                <a:close/>
-              </a:path>
-            </a:pathLst>
-          </a:custGeom>
-        </p:spPr>
-      </p:sp>
-      <p:sp>
-        <p:nvSpPr>
-          <p:cNvPr id="103" name="Google Shape;103;g24fba6281c0_0_260:notes"/>
-          <p:cNvSpPr txBox="1"/>
-          <p:nvPr>
-            <p:ph idx="1" type="body"/>
-          </p:nvPr>
-        </p:nvSpPr>
-        <p:spPr>
-          <a:xfrm>
-            <a:off x="685800" y="4343400"/>
-            <a:ext cx="5486400" cy="4114800"/>
-          </a:xfrm>
-          <a:prstGeom prst="rect">
-            <a:avLst/>
-          </a:prstGeom>
-        </p:spPr>
-        <p:txBody>
-          <a:bodyPr anchorCtr="0" anchor="t" bIns="91425" lIns="91425" spcFirstLastPara="1" rIns="91425" wrap="square" tIns="91425">
-            <a:noAutofit/>
-          </a:bodyPr>
-          <a:lstStyle/>
-          <a:p>
-            <a:pPr indent="0" lvl="0" marL="0" rtl="0" algn="l">
-              <a:spcBef>
-                <a:spcPts val="0"/>
-              </a:spcBef>
-              <a:spcAft>
-                <a:spcPts val="0"/>
-              </a:spcAft>
-              <a:buNone/>
-            </a:pPr>
-            <a:r>
-              <a:t/>
-            </a:r>
-            <a:endParaRPr/>
-          </a:p>
-        </p:txBody>
-      </p:sp>
-    </p:spTree>
-  </p:cSld>
-  <p:clrMapOvr>
-    <a:masterClrMapping/>
-  </p:clrMapOvr>
-</p:notes>
-</file>
-
-<file path=ppt/notesSlides/notesSlide5.xml><?xml version="1.0" encoding="utf-8"?>
-<p:notes xmlns:a="http://schemas.openxmlformats.org/drawingml/2006/main" xmlns:r="http://schemas.openxmlformats.org/officeDocument/2006/relationships" xmlns:mc="http://schemas.openxmlformats.org/markup-compatibility/2006" xmlns:mv="urn:schemas-microsoft-com:mac:vml" xmlns:p="http://schemas.openxmlformats.org/presentationml/2006/main" xmlns:c="http://schemas.openxmlformats.org/drawingml/2006/chart" xmlns:dgm="http://schemas.openxmlformats.org/drawingml/2006/diagram" xmlns:o="urn:schemas-microsoft-com:office:office" xmlns:v="urn:schemas-microsoft-com:vml" xmlns:pvml="urn:schemas-microsoft-com:office:powerpoint" xmlns:com="http://schemas.openxmlformats.org/drawingml/2006/compatibility" xmlns:p14="http://schemas.microsoft.com/office/powerpoint/2010/main" xmlns:p15="http://schemas.microsoft.com/office/powerpoint/2012/main" xmlns:ahyp="http://schemas.microsoft.com/office/drawing/2018/hyperlinkcolor" showMasterPhAnim="0" showMasterSp="0">
-  <p:cSld>
-    <p:spTree>
-      <p:nvGrpSpPr>
-        <p:cNvPr id="107" name="Shape 107"/>
-        <p:cNvGrpSpPr/>
-        <p:nvPr/>
-      </p:nvGrpSpPr>
-      <p:grpSpPr>
-        <a:xfrm>
-          <a:off x="0" y="0"/>
-          <a:ext cx="0" cy="0"/>
-          <a:chOff x="0" y="0"/>
-          <a:chExt cx="0" cy="0"/>
-        </a:xfrm>
-      </p:grpSpPr>
-      <p:sp>
-        <p:nvSpPr>
-          <p:cNvPr id="108" name="Google Shape;108;g24fba6281c0_0_265:notes"/>
-          <p:cNvSpPr/>
-          <p:nvPr>
-            <p:ph idx="2" type="sldImg"/>
-          </p:nvPr>
-        </p:nvSpPr>
-        <p:spPr>
-          <a:xfrm>
-            <a:off x="381300" y="685800"/>
-            <a:ext cx="6096000" cy="3429000"/>
-          </a:xfrm>
-          <a:custGeom>
-            <a:rect b="b" l="l" r="r" t="t"/>
-            <a:pathLst>
-              <a:path extrusionOk="0" h="120000" w="120000">
-                <a:moveTo>
-                  <a:pt x="0" y="0"/>
-                </a:moveTo>
-                <a:lnTo>
-                  <a:pt x="120000" y="0"/>
-                </a:lnTo>
-                <a:lnTo>
-                  <a:pt x="120000" y="120000"/>
-                </a:lnTo>
-                <a:lnTo>
-                  <a:pt x="0" y="120000"/>
-                </a:lnTo>
-                <a:close/>
-              </a:path>
-            </a:pathLst>
-          </a:custGeom>
-        </p:spPr>
-      </p:sp>
-      <p:sp>
-        <p:nvSpPr>
-          <p:cNvPr id="109" name="Google Shape;109;g24fba6281c0_0_265:notes"/>
-          <p:cNvSpPr txBox="1"/>
-          <p:nvPr>
-            <p:ph idx="1" type="body"/>
-          </p:nvPr>
-        </p:nvSpPr>
-        <p:spPr>
-          <a:xfrm>
-            <a:off x="685800" y="4343400"/>
-            <a:ext cx="5486400" cy="4114800"/>
-          </a:xfrm>
-          <a:prstGeom prst="rect">
-            <a:avLst/>
-          </a:prstGeom>
-        </p:spPr>
-        <p:txBody>
-          <a:bodyPr anchorCtr="0" anchor="t" bIns="91425" lIns="91425" spcFirstLastPara="1" rIns="91425" wrap="square" tIns="91425">
-            <a:noAutofit/>
-          </a:bodyPr>
-          <a:lstStyle/>
-          <a:p>
-            <a:pPr indent="0" lvl="0" marL="0" rtl="0" algn="l">
-              <a:spcBef>
-                <a:spcPts val="0"/>
-              </a:spcBef>
-              <a:spcAft>
-                <a:spcPts val="0"/>
-              </a:spcAft>
-              <a:buNone/>
-            </a:pPr>
-            <a:r>
-              <a:t/>
-            </a:r>
-            <a:endParaRPr/>
-          </a:p>
-        </p:txBody>
-      </p:sp>
-    </p:spTree>
-  </p:cSld>
-  <p:clrMapOvr>
-    <a:masterClrMapping/>
-  </p:clrMapOvr>
-</p:notes>
-</file>
-
-<file path=ppt/notesSlides/notesSlide6.xml><?xml version="1.0" encoding="utf-8"?>
-<p:notes xmlns:a="http://schemas.openxmlformats.org/drawingml/2006/main" xmlns:r="http://schemas.openxmlformats.org/officeDocument/2006/relationships" xmlns:mc="http://schemas.openxmlformats.org/markup-compatibility/2006" xmlns:mv="urn:schemas-microsoft-com:mac:vml" xmlns:p="http://schemas.openxmlformats.org/presentationml/2006/main" xmlns:c="http://schemas.openxmlformats.org/drawingml/2006/chart" xmlns:dgm="http://schemas.openxmlformats.org/drawingml/2006/diagram" xmlns:o="urn:schemas-microsoft-com:office:office" xmlns:v="urn:schemas-microsoft-com:vml" xmlns:pvml="urn:schemas-microsoft-com:office:powerpoint" xmlns:com="http://schemas.openxmlformats.org/drawingml/2006/compatibility" xmlns:p14="http://schemas.microsoft.com/office/powerpoint/2010/main" xmlns:p15="http://schemas.microsoft.com/office/powerpoint/2012/main" xmlns:ahyp="http://schemas.microsoft.com/office/drawing/2018/hyperlinkcolor" showMasterPhAnim="0" showMasterSp="0">
-  <p:cSld>
-    <p:spTree>
-      <p:nvGrpSpPr>
-        <p:cNvPr id="113" name="Shape 113"/>
-        <p:cNvGrpSpPr/>
-        <p:nvPr/>
-      </p:nvGrpSpPr>
-      <p:grpSpPr>
-        <a:xfrm>
-          <a:off x="0" y="0"/>
-          <a:ext cx="0" cy="0"/>
-          <a:chOff x="0" y="0"/>
-          <a:chExt cx="0" cy="0"/>
-        </a:xfrm>
-      </p:grpSpPr>
-      <p:sp>
-        <p:nvSpPr>
-          <p:cNvPr id="114" name="Google Shape;114;g24fba6281c0_0_270:notes"/>
-          <p:cNvSpPr/>
-          <p:nvPr>
-            <p:ph idx="2" type="sldImg"/>
-          </p:nvPr>
-        </p:nvSpPr>
-        <p:spPr>
-          <a:xfrm>
-            <a:off x="381300" y="685800"/>
-            <a:ext cx="6096000" cy="3429000"/>
-          </a:xfrm>
-          <a:custGeom>
-            <a:rect b="b" l="l" r="r" t="t"/>
-            <a:pathLst>
-              <a:path extrusionOk="0" h="120000" w="120000">
-                <a:moveTo>
-                  <a:pt x="0" y="0"/>
-                </a:moveTo>
-                <a:lnTo>
-                  <a:pt x="120000" y="0"/>
-                </a:lnTo>
-                <a:lnTo>
-                  <a:pt x="120000" y="120000"/>
-                </a:lnTo>
-                <a:lnTo>
-                  <a:pt x="0" y="120000"/>
-                </a:lnTo>
-                <a:close/>
-              </a:path>
-            </a:pathLst>
-          </a:custGeom>
-        </p:spPr>
-      </p:sp>
-      <p:sp>
-        <p:nvSpPr>
-          <p:cNvPr id="115" name="Google Shape;115;g24fba6281c0_0_270:notes"/>
-          <p:cNvSpPr txBox="1"/>
-          <p:nvPr>
-            <p:ph idx="1" type="body"/>
-          </p:nvPr>
-        </p:nvSpPr>
-        <p:spPr>
-          <a:xfrm>
-            <a:off x="685800" y="4343400"/>
-            <a:ext cx="5486400" cy="4114800"/>
-          </a:xfrm>
-          <a:prstGeom prst="rect">
-            <a:avLst/>
-          </a:prstGeom>
-        </p:spPr>
-        <p:txBody>
-          <a:bodyPr anchorCtr="0" anchor="t" bIns="91425" lIns="91425" spcFirstLastPara="1" rIns="91425" wrap="square" tIns="91425">
-            <a:noAutofit/>
-          </a:bodyPr>
-          <a:lstStyle/>
-          <a:p>
-            <a:pPr indent="0" lvl="0" marL="0" rtl="0" algn="l">
-              <a:spcBef>
-                <a:spcPts val="0"/>
-              </a:spcBef>
-              <a:spcAft>
-                <a:spcPts val="0"/>
-              </a:spcAft>
-              <a:buNone/>
-            </a:pPr>
-            <a:r>
-              <a:t/>
-            </a:r>
-            <a:endParaRPr/>
-          </a:p>
-        </p:txBody>
-      </p:sp>
-    </p:spTree>
-  </p:cSld>
-  <p:clrMapOvr>
-    <a:masterClrMapping/>
-  </p:clrMapOvr>
-</p:notes>
-</file>
-
-<file path=ppt/notesSlides/notesSlide7.xml><?xml version="1.0" encoding="utf-8"?>
-<p:notes xmlns:a="http://schemas.openxmlformats.org/drawingml/2006/main" xmlns:r="http://schemas.openxmlformats.org/officeDocument/2006/relationships" xmlns:mc="http://schemas.openxmlformats.org/markup-compatibility/2006" xmlns:mv="urn:schemas-microsoft-com:mac:vml" xmlns:p="http://schemas.openxmlformats.org/presentationml/2006/main" xmlns:c="http://schemas.openxmlformats.org/drawingml/2006/chart" xmlns:dgm="http://schemas.openxmlformats.org/drawingml/2006/diagram" xmlns:o="urn:schemas-microsoft-com:office:office" xmlns:v="urn:schemas-microsoft-com:vml" xmlns:pvml="urn:schemas-microsoft-com:office:powerpoint" xmlns:com="http://schemas.openxmlformats.org/drawingml/2006/compatibility" xmlns:p14="http://schemas.microsoft.com/office/powerpoint/2010/main" xmlns:p15="http://schemas.microsoft.com/office/powerpoint/2012/main" xmlns:ahyp="http://schemas.microsoft.com/office/drawing/2018/hyperlinkcolor" showMasterPhAnim="0" showMasterSp="0">
-  <p:cSld>
-    <p:spTree>
-      <p:nvGrpSpPr>
-        <p:cNvPr id="119" name="Shape 119"/>
-        <p:cNvGrpSpPr/>
-        <p:nvPr/>
-      </p:nvGrpSpPr>
-      <p:grpSpPr>
-        <a:xfrm>
-          <a:off x="0" y="0"/>
-          <a:ext cx="0" cy="0"/>
-          <a:chOff x="0" y="0"/>
-          <a:chExt cx="0" cy="0"/>
-        </a:xfrm>
-      </p:grpSpPr>
-      <p:sp>
-        <p:nvSpPr>
-          <p:cNvPr id="120" name="Google Shape;120;g24fba6281c0_0_276:notes"/>
-          <p:cNvSpPr/>
-          <p:nvPr>
-            <p:ph idx="2" type="sldImg"/>
-          </p:nvPr>
-        </p:nvSpPr>
-        <p:spPr>
-          <a:xfrm>
-            <a:off x="381300" y="685800"/>
-            <a:ext cx="6096000" cy="3429000"/>
-          </a:xfrm>
-          <a:custGeom>
-            <a:rect b="b" l="l" r="r" t="t"/>
-            <a:pathLst>
-              <a:path extrusionOk="0" h="120000" w="120000">
-                <a:moveTo>
-                  <a:pt x="0" y="0"/>
-                </a:moveTo>
-                <a:lnTo>
-                  <a:pt x="120000" y="0"/>
-                </a:lnTo>
-                <a:lnTo>
-                  <a:pt x="120000" y="120000"/>
-                </a:lnTo>
-                <a:lnTo>
-                  <a:pt x="0" y="120000"/>
-                </a:lnTo>
-                <a:close/>
-              </a:path>
-            </a:pathLst>
-          </a:custGeom>
-        </p:spPr>
-      </p:sp>
-      <p:sp>
-        <p:nvSpPr>
-          <p:cNvPr id="121" name="Google Shape;121;g24fba6281c0_0_276:notes"/>
-          <p:cNvSpPr txBox="1"/>
-          <p:nvPr>
-            <p:ph idx="1" type="body"/>
-          </p:nvPr>
-        </p:nvSpPr>
-        <p:spPr>
-          <a:xfrm>
-            <a:off x="685800" y="4343400"/>
-            <a:ext cx="5486400" cy="4114800"/>
-          </a:xfrm>
-          <a:prstGeom prst="rect">
-            <a:avLst/>
-          </a:prstGeom>
-        </p:spPr>
-        <p:txBody>
-          <a:bodyPr anchorCtr="0" anchor="t" bIns="91425" lIns="91425" spcFirstLastPara="1" rIns="91425" wrap="square" tIns="91425">
-            <a:noAutofit/>
-          </a:bodyPr>
-          <a:lstStyle/>
-          <a:p>
-            <a:pPr indent="0" lvl="0" marL="0" rtl="0" algn="l">
-              <a:spcBef>
-                <a:spcPts val="0"/>
-              </a:spcBef>
-              <a:spcAft>
-                <a:spcPts val="0"/>
-              </a:spcAft>
-              <a:buNone/>
-            </a:pPr>
-            <a:r>
-              <a:t/>
-            </a:r>
-            <a:endParaRPr/>
-          </a:p>
-        </p:txBody>
-      </p:sp>
-    </p:spTree>
-  </p:cSld>
-  <p:clrMapOvr>
-    <a:masterClrMapping/>
-  </p:clrMapOvr>
-</p:notes>
-</file>
-
-<file path=ppt/notesSlides/notesSlide8.xml><?xml version="1.0" encoding="utf-8"?>
-<p:notes xmlns:a="http://schemas.openxmlformats.org/drawingml/2006/main" xmlns:r="http://schemas.openxmlformats.org/officeDocument/2006/relationships" xmlns:mc="http://schemas.openxmlformats.org/markup-compatibility/2006" xmlns:mv="urn:schemas-microsoft-com:mac:vml" xmlns:p="http://schemas.openxmlformats.org/presentationml/2006/main" xmlns:c="http://schemas.openxmlformats.org/drawingml/2006/chart" xmlns:dgm="http://schemas.openxmlformats.org/drawingml/2006/diagram" xmlns:o="urn:schemas-microsoft-com:office:office" xmlns:v="urn:schemas-microsoft-com:vml" xmlns:pvml="urn:schemas-microsoft-com:office:powerpoint" xmlns:com="http://schemas.openxmlformats.org/drawingml/2006/compatibility" xmlns:p14="http://schemas.microsoft.com/office/powerpoint/2010/main" xmlns:p15="http://schemas.microsoft.com/office/powerpoint/2012/main" xmlns:ahyp="http://schemas.microsoft.com/office/drawing/2018/hyperlinkcolor" showMasterPhAnim="0" showMasterSp="0">
-  <p:cSld>
-    <p:spTree>
-      <p:nvGrpSpPr>
-        <p:cNvPr id="126" name="Shape 126"/>
-        <p:cNvGrpSpPr/>
-        <p:nvPr/>
-      </p:nvGrpSpPr>
-      <p:grpSpPr>
-        <a:xfrm>
-          <a:off x="0" y="0"/>
-          <a:ext cx="0" cy="0"/>
-          <a:chOff x="0" y="0"/>
-          <a:chExt cx="0" cy="0"/>
-        </a:xfrm>
-      </p:grpSpPr>
-      <p:sp>
-        <p:nvSpPr>
-          <p:cNvPr id="127" name="Google Shape;127;g24fba6281c0_0_282:notes"/>
-          <p:cNvSpPr/>
-          <p:nvPr>
-            <p:ph idx="2" type="sldImg"/>
-          </p:nvPr>
-        </p:nvSpPr>
-        <p:spPr>
-          <a:xfrm>
-            <a:off x="381300" y="685800"/>
-            <a:ext cx="6096000" cy="3429000"/>
-          </a:xfrm>
-          <a:custGeom>
-            <a:rect b="b" l="l" r="r" t="t"/>
-            <a:pathLst>
-              <a:path extrusionOk="0" h="120000" w="120000">
-                <a:moveTo>
-                  <a:pt x="0" y="0"/>
-                </a:moveTo>
-                <a:lnTo>
-                  <a:pt x="120000" y="0"/>
-                </a:lnTo>
-                <a:lnTo>
-                  <a:pt x="120000" y="120000"/>
-                </a:lnTo>
-                <a:lnTo>
-                  <a:pt x="0" y="120000"/>
-                </a:lnTo>
-                <a:close/>
-              </a:path>
-            </a:pathLst>
-          </a:custGeom>
-        </p:spPr>
-      </p:sp>
-      <p:sp>
-        <p:nvSpPr>
-          <p:cNvPr id="128" name="Google Shape;128;g24fba6281c0_0_282:notes"/>
-          <p:cNvSpPr txBox="1"/>
-          <p:nvPr>
-            <p:ph idx="1" type="body"/>
-          </p:nvPr>
-        </p:nvSpPr>
-        <p:spPr>
-          <a:xfrm>
-            <a:off x="685800" y="4343400"/>
-            <a:ext cx="5486400" cy="4114800"/>
-          </a:xfrm>
-          <a:prstGeom prst="rect">
-            <a:avLst/>
-          </a:prstGeom>
-        </p:spPr>
-        <p:txBody>
-          <a:bodyPr anchorCtr="0" anchor="t" bIns="91425" lIns="91425" spcFirstLastPara="1" rIns="91425" wrap="square" tIns="91425">
-            <a:noAutofit/>
-          </a:bodyPr>
-          <a:lstStyle/>
-          <a:p>
-            <a:pPr indent="0" lvl="0" marL="0" rtl="0" algn="l">
-              <a:spcBef>
-                <a:spcPts val="0"/>
-              </a:spcBef>
-              <a:spcAft>
-                <a:spcPts val="0"/>
-              </a:spcAft>
-              <a:buNone/>
-            </a:pPr>
-            <a:r>
-              <a:t/>
-            </a:r>
             <a:endParaRPr/>
           </a:p>
         </p:txBody>
@@ -1503,11 +1558,11 @@
 </file>
 
 <file path=ppt/notesSlides/notesSlide9.xml><?xml version="1.0" encoding="utf-8"?>
-<p:notes xmlns:a="http://schemas.openxmlformats.org/drawingml/2006/main" xmlns:r="http://schemas.openxmlformats.org/officeDocument/2006/relationships" xmlns:mc="http://schemas.openxmlformats.org/markup-compatibility/2006" xmlns:mv="urn:schemas-microsoft-com:mac:vml" xmlns:p="http://schemas.openxmlformats.org/presentationml/2006/main" xmlns:c="http://schemas.openxmlformats.org/drawingml/2006/chart" xmlns:dgm="http://schemas.openxmlformats.org/drawingml/2006/diagram" xmlns:o="urn:schemas-microsoft-com:office:office" xmlns:v="urn:schemas-microsoft-com:vml" xmlns:pvml="urn:schemas-microsoft-com:office:powerpoint" xmlns:com="http://schemas.openxmlformats.org/drawingml/2006/compatibility" xmlns:p14="http://schemas.microsoft.com/office/powerpoint/2010/main" xmlns:p15="http://schemas.microsoft.com/office/powerpoint/2012/main" xmlns:ahyp="http://schemas.microsoft.com/office/drawing/2018/hyperlinkcolor" showMasterPhAnim="0" showMasterSp="0">
+<p:notes xmlns:a="http://schemas.openxmlformats.org/drawingml/2006/main" xmlns:r="http://schemas.openxmlformats.org/officeDocument/2006/relationships" xmlns:p="http://schemas.openxmlformats.org/presentationml/2006/main" showMasterSp="0" showMasterPhAnim="0">
   <p:cSld>
     <p:spTree>
       <p:nvGrpSpPr>
-        <p:cNvPr id="133" name="Shape 133"/>
+        <p:cNvPr id="1" name="Shape 133"/>
         <p:cNvGrpSpPr/>
         <p:nvPr/>
       </p:nvGrpSpPr>
@@ -1522,9 +1577,11 @@
       <p:sp>
         <p:nvSpPr>
           <p:cNvPr id="134" name="Google Shape;134;g24fba6281c0_0_255:notes"/>
-          <p:cNvSpPr/>
+          <p:cNvSpPr>
+            <a:spLocks noGrp="1" noRot="1" noChangeAspect="1"/>
+          </p:cNvSpPr>
           <p:nvPr>
-            <p:ph idx="2" type="sldImg"/>
+            <p:ph type="sldImg" idx="2"/>
           </p:nvPr>
         </p:nvSpPr>
         <p:spPr>
@@ -1533,9 +1590,13 @@
             <a:ext cx="6096000" cy="3429000"/>
           </a:xfrm>
           <a:custGeom>
-            <a:rect b="b" l="l" r="r" t="t"/>
+            <a:avLst/>
+            <a:gdLst/>
+            <a:ahLst/>
+            <a:cxnLst/>
+            <a:rect l="l" t="t" r="r" b="b"/>
             <a:pathLst>
-              <a:path extrusionOk="0" h="120000" w="120000">
+              <a:path w="120000" h="120000" extrusionOk="0">
                 <a:moveTo>
                   <a:pt x="0" y="0"/>
                 </a:moveTo>
@@ -1557,9 +1618,11 @@
       <p:sp>
         <p:nvSpPr>
           <p:cNvPr id="135" name="Google Shape;135;g24fba6281c0_0_255:notes"/>
-          <p:cNvSpPr txBox="1"/>
+          <p:cNvSpPr txBox="1">
+            <a:spLocks noGrp="1"/>
+          </p:cNvSpPr>
           <p:nvPr>
-            <p:ph idx="1" type="body"/>
+            <p:ph type="body" idx="1"/>
           </p:nvPr>
         </p:nvSpPr>
         <p:spPr>
@@ -1572,12 +1635,12 @@
           </a:prstGeom>
         </p:spPr>
         <p:txBody>
-          <a:bodyPr anchorCtr="0" anchor="t" bIns="91425" lIns="91425" spcFirstLastPara="1" rIns="91425" wrap="square" tIns="91425">
+          <a:bodyPr spcFirstLastPara="1" wrap="square" lIns="91425" tIns="91425" rIns="91425" bIns="91425" anchor="t" anchorCtr="0">
             <a:noAutofit/>
           </a:bodyPr>
           <a:lstStyle/>
           <a:p>
-            <a:pPr indent="0" lvl="0" marL="0" rtl="0" algn="l">
+            <a:pPr marL="0" lvl="0" indent="0" algn="l" rtl="0">
               <a:spcBef>
                 <a:spcPts val="0"/>
               </a:spcBef>
@@ -1586,9 +1649,6 @@
               </a:spcAft>
               <a:buNone/>
             </a:pPr>
-            <a:r>
-              <a:t/>
-            </a:r>
             <a:endParaRPr/>
           </a:p>
         </p:txBody>
@@ -1602,18 +1662,19 @@
 </file>
 
 <file path=ppt/slideLayouts/slideLayout1.xml><?xml version="1.0" encoding="utf-8"?>
-<p:sldLayout xmlns:a="http://schemas.openxmlformats.org/drawingml/2006/main" xmlns:r="http://schemas.openxmlformats.org/officeDocument/2006/relationships" xmlns:mc="http://schemas.openxmlformats.org/markup-compatibility/2006" xmlns:mv="urn:schemas-microsoft-com:mac:vml" xmlns:p="http://schemas.openxmlformats.org/presentationml/2006/main" xmlns:c="http://schemas.openxmlformats.org/drawingml/2006/chart" xmlns:dgm="http://schemas.openxmlformats.org/drawingml/2006/diagram" xmlns:o="urn:schemas-microsoft-com:office:office" xmlns:v="urn:schemas-microsoft-com:vml" xmlns:pvml="urn:schemas-microsoft-com:office:powerpoint" xmlns:com="http://schemas.openxmlformats.org/drawingml/2006/compatibility" xmlns:p14="http://schemas.microsoft.com/office/powerpoint/2010/main" xmlns:p15="http://schemas.microsoft.com/office/powerpoint/2012/main" xmlns:ahyp="http://schemas.microsoft.com/office/drawing/2018/hyperlinkcolor" matchingName="Title slide" type="title">
+<p:sldLayout xmlns:a="http://schemas.openxmlformats.org/drawingml/2006/main" xmlns:r="http://schemas.openxmlformats.org/officeDocument/2006/relationships" xmlns:p="http://schemas.openxmlformats.org/presentationml/2006/main" matchingName="Title slide" type="title">
   <p:cSld name="TITLE">
     <p:bg>
       <p:bgPr>
         <a:solidFill>
           <a:schemeClr val="lt2"/>
         </a:solidFill>
+        <a:effectLst/>
       </p:bgPr>
     </p:bg>
     <p:spTree>
       <p:nvGrpSpPr>
-        <p:cNvPr id="9" name="Shape 9"/>
+        <p:cNvPr id="1" name="Shape 9"/>
         <p:cNvGrpSpPr/>
         <p:nvPr/>
       </p:nvGrpSpPr>
@@ -1647,12 +1708,12 @@
           </a:ln>
         </p:spPr>
         <p:txBody>
-          <a:bodyPr anchorCtr="0" anchor="ctr" bIns="91425" lIns="91425" spcFirstLastPara="1" rIns="91425" wrap="square" tIns="91425">
+          <a:bodyPr spcFirstLastPara="1" wrap="square" lIns="91425" tIns="91425" rIns="91425" bIns="91425" anchor="ctr" anchorCtr="0">
             <a:noAutofit/>
           </a:bodyPr>
           <a:lstStyle/>
           <a:p>
-            <a:pPr indent="0" lvl="0" marL="0" rtl="0" algn="l">
+            <a:pPr marL="0" lvl="0" indent="0" algn="l" rtl="0">
               <a:spcBef>
                 <a:spcPts val="0"/>
               </a:spcBef>
@@ -1661,9 +1722,6 @@
               </a:spcAft>
               <a:buNone/>
             </a:pPr>
-            <a:r>
-              <a:t/>
-            </a:r>
             <a:endParaRPr/>
           </a:p>
         </p:txBody>
@@ -1704,12 +1762,12 @@
             </a:ln>
           </p:spPr>
           <p:txBody>
-            <a:bodyPr anchorCtr="0" anchor="ctr" bIns="91425" lIns="91425" spcFirstLastPara="1" rIns="91425" wrap="square" tIns="91425">
+            <a:bodyPr spcFirstLastPara="1" wrap="square" lIns="91425" tIns="91425" rIns="91425" bIns="91425" anchor="ctr" anchorCtr="0">
               <a:noAutofit/>
             </a:bodyPr>
             <a:lstStyle/>
             <a:p>
-              <a:pPr indent="0" lvl="0" marL="0" rtl="0" algn="l">
+              <a:pPr marL="0" lvl="0" indent="0" algn="l" rtl="0">
                 <a:spcBef>
                   <a:spcPts val="0"/>
                 </a:spcBef>
@@ -1718,9 +1776,6 @@
                 </a:spcAft>
                 <a:buNone/>
               </a:pPr>
-              <a:r>
-                <a:t/>
-              </a:r>
               <a:endParaRPr/>
             </a:p>
           </p:txBody>
@@ -1747,12 +1802,12 @@
             </a:ln>
           </p:spPr>
           <p:txBody>
-            <a:bodyPr anchorCtr="0" anchor="ctr" bIns="91425" lIns="91425" spcFirstLastPara="1" rIns="91425" wrap="square" tIns="91425">
+            <a:bodyPr spcFirstLastPara="1" wrap="square" lIns="91425" tIns="91425" rIns="91425" bIns="91425" anchor="ctr" anchorCtr="0">
               <a:noAutofit/>
             </a:bodyPr>
             <a:lstStyle/>
             <a:p>
-              <a:pPr indent="0" lvl="0" marL="0" rtl="0" algn="l">
+              <a:pPr marL="0" lvl="0" indent="0" algn="l" rtl="0">
                 <a:spcBef>
                   <a:spcPts val="0"/>
                 </a:spcBef>
@@ -1761,9 +1816,6 @@
                 </a:spcAft>
                 <a:buNone/>
               </a:pPr>
-              <a:r>
-                <a:t/>
-              </a:r>
               <a:endParaRPr/>
             </a:p>
           </p:txBody>
@@ -1772,7 +1824,9 @@
       <p:sp>
         <p:nvSpPr>
           <p:cNvPr id="14" name="Google Shape;14;p2"/>
-          <p:cNvSpPr txBox="1"/>
+          <p:cNvSpPr txBox="1">
+            <a:spLocks noGrp="1"/>
+          </p:cNvSpPr>
           <p:nvPr>
             <p:ph type="ctrTitle"/>
           </p:nvPr>
@@ -1787,7 +1841,7 @@
           </a:prstGeom>
         </p:spPr>
         <p:txBody>
-          <a:bodyPr anchorCtr="0" anchor="t" bIns="91425" lIns="91425" spcFirstLastPara="1" rIns="91425" wrap="square" tIns="91425">
+          <a:bodyPr spcFirstLastPara="1" wrap="square" lIns="91425" tIns="91425" rIns="91425" bIns="91425" anchor="t" anchorCtr="0">
             <a:normAutofit/>
           </a:bodyPr>
           <a:lstStyle>
@@ -1891,15 +1945,19 @@
               <a:defRPr sz="4200"/>
             </a:lvl9pPr>
           </a:lstStyle>
-          <a:p/>
+          <a:p>
+            <a:endParaRPr/>
+          </a:p>
         </p:txBody>
       </p:sp>
       <p:sp>
         <p:nvSpPr>
           <p:cNvPr id="15" name="Google Shape;15;p2"/>
-          <p:cNvSpPr txBox="1"/>
+          <p:cNvSpPr txBox="1">
+            <a:spLocks noGrp="1"/>
+          </p:cNvSpPr>
           <p:nvPr>
-            <p:ph idx="1" type="subTitle"/>
+            <p:ph type="subTitle" idx="1"/>
           </p:nvPr>
         </p:nvSpPr>
         <p:spPr>
@@ -1912,7 +1970,7 @@
           </a:prstGeom>
         </p:spPr>
         <p:txBody>
-          <a:bodyPr anchorCtr="0" anchor="t" bIns="91425" lIns="91425" spcFirstLastPara="1" rIns="91425" wrap="square" tIns="91425">
+          <a:bodyPr spcFirstLastPara="1" wrap="square" lIns="91425" tIns="91425" rIns="91425" bIns="91425" anchor="t" anchorCtr="0">
             <a:normAutofit/>
           </a:bodyPr>
           <a:lstStyle>
@@ -2043,15 +2101,19 @@
               <a:defRPr sz="1600"/>
             </a:lvl9pPr>
           </a:lstStyle>
-          <a:p/>
+          <a:p>
+            <a:endParaRPr/>
+          </a:p>
         </p:txBody>
       </p:sp>
       <p:sp>
         <p:nvSpPr>
           <p:cNvPr id="16" name="Google Shape;16;p2"/>
-          <p:cNvSpPr txBox="1"/>
+          <p:cNvSpPr txBox="1">
+            <a:spLocks noGrp="1"/>
+          </p:cNvSpPr>
           <p:nvPr>
-            <p:ph idx="12" type="sldNum"/>
+            <p:ph type="sldNum" idx="12"/>
           </p:nvPr>
         </p:nvSpPr>
         <p:spPr>
@@ -2064,7 +2126,7 @@
           </a:prstGeom>
         </p:spPr>
         <p:txBody>
-          <a:bodyPr anchorCtr="0" anchor="ctr" bIns="91425" lIns="91425" spcFirstLastPara="1" rIns="91425" wrap="square" tIns="91425">
+          <a:bodyPr spcFirstLastPara="1" wrap="square" lIns="91425" tIns="91425" rIns="91425" bIns="91425" anchor="ctr" anchorCtr="0">
             <a:normAutofit/>
           </a:bodyPr>
           <a:lstStyle>
@@ -2106,7 +2168,7 @@
             </a:lvl9pPr>
           </a:lstStyle>
           <a:p>
-            <a:pPr indent="0" lvl="0" marL="0" rtl="0" algn="r">
+            <a:pPr marL="0" lvl="0" indent="0" algn="r" rtl="0">
               <a:spcBef>
                 <a:spcPts val="0"/>
               </a:spcBef>
@@ -2132,18 +2194,19 @@
 </file>
 
 <file path=ppt/slideLayouts/slideLayout10.xml><?xml version="1.0" encoding="utf-8"?>
-<p:sldLayout xmlns:a="http://schemas.openxmlformats.org/drawingml/2006/main" xmlns:r="http://schemas.openxmlformats.org/officeDocument/2006/relationships" xmlns:mc="http://schemas.openxmlformats.org/markup-compatibility/2006" xmlns:mv="urn:schemas-microsoft-com:mac:vml" xmlns:p="http://schemas.openxmlformats.org/presentationml/2006/main" xmlns:c="http://schemas.openxmlformats.org/drawingml/2006/chart" xmlns:dgm="http://schemas.openxmlformats.org/drawingml/2006/diagram" xmlns:o="urn:schemas-microsoft-com:office:office" xmlns:v="urn:schemas-microsoft-com:vml" xmlns:pvml="urn:schemas-microsoft-com:office:powerpoint" xmlns:com="http://schemas.openxmlformats.org/drawingml/2006/compatibility" xmlns:p14="http://schemas.microsoft.com/office/powerpoint/2010/main" xmlns:p15="http://schemas.microsoft.com/office/powerpoint/2012/main" xmlns:ahyp="http://schemas.microsoft.com/office/drawing/2018/hyperlinkcolor" matchingName="Big number">
+<p:sldLayout xmlns:a="http://schemas.openxmlformats.org/drawingml/2006/main" xmlns:r="http://schemas.openxmlformats.org/officeDocument/2006/relationships" xmlns:p="http://schemas.openxmlformats.org/presentationml/2006/main" matchingName="Big number">
   <p:cSld name="BIG_NUMBER">
     <p:bg>
       <p:bgPr>
         <a:solidFill>
           <a:schemeClr val="dk1"/>
         </a:solidFill>
+        <a:effectLst/>
       </p:bgPr>
     </p:bg>
     <p:spTree>
       <p:nvGrpSpPr>
-        <p:cNvPr id="73" name="Shape 73"/>
+        <p:cNvPr id="1" name="Shape 73"/>
         <p:cNvGrpSpPr/>
         <p:nvPr/>
       </p:nvGrpSpPr>
@@ -2191,12 +2254,12 @@
             </a:ln>
           </p:spPr>
           <p:txBody>
-            <a:bodyPr anchorCtr="0" anchor="ctr" bIns="91425" lIns="91425" spcFirstLastPara="1" rIns="91425" wrap="square" tIns="91425">
+            <a:bodyPr spcFirstLastPara="1" wrap="square" lIns="91425" tIns="91425" rIns="91425" bIns="91425" anchor="ctr" anchorCtr="0">
               <a:noAutofit/>
             </a:bodyPr>
             <a:lstStyle/>
             <a:p>
-              <a:pPr indent="0" lvl="0" marL="0" rtl="0" algn="l">
+              <a:pPr marL="0" lvl="0" indent="0" algn="l" rtl="0">
                 <a:spcBef>
                   <a:spcPts val="0"/>
                 </a:spcBef>
@@ -2205,9 +2268,6 @@
                 </a:spcAft>
                 <a:buNone/>
               </a:pPr>
-              <a:r>
-                <a:t/>
-              </a:r>
               <a:endParaRPr/>
             </a:p>
           </p:txBody>
@@ -2234,12 +2294,12 @@
             </a:ln>
           </p:spPr>
           <p:txBody>
-            <a:bodyPr anchorCtr="0" anchor="ctr" bIns="91425" lIns="91425" spcFirstLastPara="1" rIns="91425" wrap="square" tIns="91425">
+            <a:bodyPr spcFirstLastPara="1" wrap="square" lIns="91425" tIns="91425" rIns="91425" bIns="91425" anchor="ctr" anchorCtr="0">
               <a:noAutofit/>
             </a:bodyPr>
             <a:lstStyle/>
             <a:p>
-              <a:pPr indent="0" lvl="0" marL="0" rtl="0" algn="l">
+              <a:pPr marL="0" lvl="0" indent="0" algn="l" rtl="0">
                 <a:spcBef>
                   <a:spcPts val="0"/>
                 </a:spcBef>
@@ -2248,9 +2308,6 @@
                 </a:spcAft>
                 <a:buNone/>
               </a:pPr>
-              <a:r>
-                <a:t/>
-              </a:r>
               <a:endParaRPr/>
             </a:p>
           </p:txBody>
@@ -2259,9 +2316,11 @@
       <p:sp>
         <p:nvSpPr>
           <p:cNvPr id="77" name="Google Shape;77;p11"/>
-          <p:cNvSpPr txBox="1"/>
+          <p:cNvSpPr txBox="1">
+            <a:spLocks noGrp="1"/>
+          </p:cNvSpPr>
           <p:nvPr>
-            <p:ph hasCustomPrompt="1" type="title"/>
+            <p:ph type="title" hasCustomPrompt="1"/>
           </p:nvPr>
         </p:nvSpPr>
         <p:spPr>
@@ -2274,7 +2333,7 @@
           </a:prstGeom>
         </p:spPr>
         <p:txBody>
-          <a:bodyPr anchorCtr="0" anchor="t" bIns="91425" lIns="91425" spcFirstLastPara="1" rIns="91425" wrap="square" tIns="91425">
+          <a:bodyPr spcFirstLastPara="1" wrap="square" lIns="91425" tIns="91425" rIns="91425" bIns="91425" anchor="t" anchorCtr="0">
             <a:normAutofit/>
           </a:bodyPr>
           <a:lstStyle>
@@ -2451,9 +2510,11 @@
       <p:sp>
         <p:nvSpPr>
           <p:cNvPr id="78" name="Google Shape;78;p11"/>
-          <p:cNvSpPr txBox="1"/>
+          <p:cNvSpPr txBox="1">
+            <a:spLocks noGrp="1"/>
+          </p:cNvSpPr>
           <p:nvPr>
-            <p:ph idx="1" type="body"/>
+            <p:ph type="body" idx="1"/>
           </p:nvPr>
         </p:nvSpPr>
         <p:spPr>
@@ -2466,11 +2527,11 @@
           </a:prstGeom>
         </p:spPr>
         <p:txBody>
-          <a:bodyPr anchorCtr="0" anchor="t" bIns="91425" lIns="91425" spcFirstLastPara="1" rIns="91425" wrap="square" tIns="91425">
+          <a:bodyPr spcFirstLastPara="1" wrap="square" lIns="91425" tIns="91425" rIns="91425" bIns="91425" anchor="t" anchorCtr="0">
             <a:normAutofit/>
           </a:bodyPr>
           <a:lstStyle>
-            <a:lvl1pPr indent="-311150" lvl="0" marL="457200">
+            <a:lvl1pPr marL="457200" lvl="0" indent="-311150">
               <a:spcBef>
                 <a:spcPts val="0"/>
               </a:spcBef>
@@ -2488,7 +2549,7 @@
                 </a:solidFill>
               </a:defRPr>
             </a:lvl1pPr>
-            <a:lvl2pPr indent="-298450" lvl="1" marL="914400">
+            <a:lvl2pPr marL="914400" lvl="1" indent="-298450">
               <a:spcBef>
                 <a:spcPts val="0"/>
               </a:spcBef>
@@ -2506,7 +2567,7 @@
                 </a:solidFill>
               </a:defRPr>
             </a:lvl2pPr>
-            <a:lvl3pPr indent="-298450" lvl="2" marL="1371600">
+            <a:lvl3pPr marL="1371600" lvl="2" indent="-298450">
               <a:spcBef>
                 <a:spcPts val="0"/>
               </a:spcBef>
@@ -2524,7 +2585,7 @@
                 </a:solidFill>
               </a:defRPr>
             </a:lvl3pPr>
-            <a:lvl4pPr indent="-298450" lvl="3" marL="1828800">
+            <a:lvl4pPr marL="1828800" lvl="3" indent="-298450">
               <a:spcBef>
                 <a:spcPts val="0"/>
               </a:spcBef>
@@ -2542,7 +2603,7 @@
                 </a:solidFill>
               </a:defRPr>
             </a:lvl4pPr>
-            <a:lvl5pPr indent="-298450" lvl="4" marL="2286000">
+            <a:lvl5pPr marL="2286000" lvl="4" indent="-298450">
               <a:spcBef>
                 <a:spcPts val="0"/>
               </a:spcBef>
@@ -2560,7 +2621,7 @@
                 </a:solidFill>
               </a:defRPr>
             </a:lvl5pPr>
-            <a:lvl6pPr indent="-298450" lvl="5" marL="2743200">
+            <a:lvl6pPr marL="2743200" lvl="5" indent="-298450">
               <a:spcBef>
                 <a:spcPts val="0"/>
               </a:spcBef>
@@ -2578,7 +2639,7 @@
                 </a:solidFill>
               </a:defRPr>
             </a:lvl6pPr>
-            <a:lvl7pPr indent="-298450" lvl="6" marL="3200400">
+            <a:lvl7pPr marL="3200400" lvl="6" indent="-298450">
               <a:spcBef>
                 <a:spcPts val="0"/>
               </a:spcBef>
@@ -2596,7 +2657,7 @@
                 </a:solidFill>
               </a:defRPr>
             </a:lvl7pPr>
-            <a:lvl8pPr indent="-298450" lvl="7" marL="3657600">
+            <a:lvl8pPr marL="3657600" lvl="7" indent="-298450">
               <a:spcBef>
                 <a:spcPts val="0"/>
               </a:spcBef>
@@ -2614,7 +2675,7 @@
                 </a:solidFill>
               </a:defRPr>
             </a:lvl8pPr>
-            <a:lvl9pPr indent="-298450" lvl="8" marL="4114800">
+            <a:lvl9pPr marL="4114800" lvl="8" indent="-298450">
               <a:spcBef>
                 <a:spcPts val="0"/>
               </a:spcBef>
@@ -2633,15 +2694,19 @@
               </a:defRPr>
             </a:lvl9pPr>
           </a:lstStyle>
-          <a:p/>
+          <a:p>
+            <a:endParaRPr/>
+          </a:p>
         </p:txBody>
       </p:sp>
       <p:sp>
         <p:nvSpPr>
           <p:cNvPr id="79" name="Google Shape;79;p11"/>
-          <p:cNvSpPr txBox="1"/>
+          <p:cNvSpPr txBox="1">
+            <a:spLocks noGrp="1"/>
+          </p:cNvSpPr>
           <p:nvPr>
-            <p:ph idx="12" type="sldNum"/>
+            <p:ph type="sldNum" idx="12"/>
           </p:nvPr>
         </p:nvSpPr>
         <p:spPr>
@@ -2654,7 +2719,7 @@
           </a:prstGeom>
         </p:spPr>
         <p:txBody>
-          <a:bodyPr anchorCtr="0" anchor="ctr" bIns="91425" lIns="91425" spcFirstLastPara="1" rIns="91425" wrap="square" tIns="91425">
+          <a:bodyPr spcFirstLastPara="1" wrap="square" lIns="91425" tIns="91425" rIns="91425" bIns="91425" anchor="ctr" anchorCtr="0">
             <a:normAutofit/>
           </a:bodyPr>
           <a:lstStyle>
@@ -2732,7 +2797,7 @@
             </a:lvl9pPr>
           </a:lstStyle>
           <a:p>
-            <a:pPr indent="0" lvl="0" marL="0" rtl="0" algn="r">
+            <a:pPr marL="0" lvl="0" indent="0" algn="r" rtl="0">
               <a:spcBef>
                 <a:spcPts val="0"/>
               </a:spcBef>
@@ -2758,11 +2823,11 @@
 </file>
 
 <file path=ppt/slideLayouts/slideLayout11.xml><?xml version="1.0" encoding="utf-8"?>
-<p:sldLayout xmlns:a="http://schemas.openxmlformats.org/drawingml/2006/main" xmlns:r="http://schemas.openxmlformats.org/officeDocument/2006/relationships" xmlns:mc="http://schemas.openxmlformats.org/markup-compatibility/2006" xmlns:mv="urn:schemas-microsoft-com:mac:vml" xmlns:p="http://schemas.openxmlformats.org/presentationml/2006/main" xmlns:c="http://schemas.openxmlformats.org/drawingml/2006/chart" xmlns:dgm="http://schemas.openxmlformats.org/drawingml/2006/diagram" xmlns:o="urn:schemas-microsoft-com:office:office" xmlns:v="urn:schemas-microsoft-com:vml" xmlns:pvml="urn:schemas-microsoft-com:office:powerpoint" xmlns:com="http://schemas.openxmlformats.org/drawingml/2006/compatibility" xmlns:p14="http://schemas.microsoft.com/office/powerpoint/2010/main" xmlns:p15="http://schemas.microsoft.com/office/powerpoint/2012/main" xmlns:ahyp="http://schemas.microsoft.com/office/drawing/2018/hyperlinkcolor" matchingName="Blank" type="blank">
+<p:sldLayout xmlns:a="http://schemas.openxmlformats.org/drawingml/2006/main" xmlns:r="http://schemas.openxmlformats.org/officeDocument/2006/relationships" xmlns:p="http://schemas.openxmlformats.org/presentationml/2006/main" matchingName="Blank" type="blank">
   <p:cSld name="BLANK">
     <p:spTree>
       <p:nvGrpSpPr>
-        <p:cNvPr id="80" name="Shape 80"/>
+        <p:cNvPr id="1" name="Shape 80"/>
         <p:cNvGrpSpPr/>
         <p:nvPr/>
       </p:nvGrpSpPr>
@@ -2777,9 +2842,11 @@
       <p:sp>
         <p:nvSpPr>
           <p:cNvPr id="81" name="Google Shape;81;p12"/>
-          <p:cNvSpPr txBox="1"/>
+          <p:cNvSpPr txBox="1">
+            <a:spLocks noGrp="1"/>
+          </p:cNvSpPr>
           <p:nvPr>
-            <p:ph idx="12" type="sldNum"/>
+            <p:ph type="sldNum" idx="12"/>
           </p:nvPr>
         </p:nvSpPr>
         <p:spPr>
@@ -2792,7 +2859,7 @@
           </a:prstGeom>
         </p:spPr>
         <p:txBody>
-          <a:bodyPr anchorCtr="0" anchor="ctr" bIns="91425" lIns="91425" spcFirstLastPara="1" rIns="91425" wrap="square" tIns="91425">
+          <a:bodyPr spcFirstLastPara="1" wrap="square" lIns="91425" tIns="91425" rIns="91425" bIns="91425" anchor="ctr" anchorCtr="0">
             <a:normAutofit/>
           </a:bodyPr>
           <a:lstStyle>
@@ -2834,7 +2901,7 @@
             </a:lvl9pPr>
           </a:lstStyle>
           <a:p>
-            <a:pPr indent="0" lvl="0" marL="0" rtl="0" algn="r">
+            <a:pPr marL="0" lvl="0" indent="0" algn="r" rtl="0">
               <a:spcBef>
                 <a:spcPts val="0"/>
               </a:spcBef>
@@ -2860,18 +2927,19 @@
 </file>
 
 <file path=ppt/slideLayouts/slideLayout2.xml><?xml version="1.0" encoding="utf-8"?>
-<p:sldLayout xmlns:a="http://schemas.openxmlformats.org/drawingml/2006/main" xmlns:r="http://schemas.openxmlformats.org/officeDocument/2006/relationships" xmlns:mc="http://schemas.openxmlformats.org/markup-compatibility/2006" xmlns:mv="urn:schemas-microsoft-com:mac:vml" xmlns:p="http://schemas.openxmlformats.org/presentationml/2006/main" xmlns:c="http://schemas.openxmlformats.org/drawingml/2006/chart" xmlns:dgm="http://schemas.openxmlformats.org/drawingml/2006/diagram" xmlns:o="urn:schemas-microsoft-com:office:office" xmlns:v="urn:schemas-microsoft-com:vml" xmlns:pvml="urn:schemas-microsoft-com:office:powerpoint" xmlns:com="http://schemas.openxmlformats.org/drawingml/2006/compatibility" xmlns:p14="http://schemas.microsoft.com/office/powerpoint/2010/main" xmlns:p15="http://schemas.microsoft.com/office/powerpoint/2012/main" xmlns:ahyp="http://schemas.microsoft.com/office/drawing/2018/hyperlinkcolor" matchingName="Section header" type="secHead">
+<p:sldLayout xmlns:a="http://schemas.openxmlformats.org/drawingml/2006/main" xmlns:r="http://schemas.openxmlformats.org/officeDocument/2006/relationships" xmlns:p="http://schemas.openxmlformats.org/presentationml/2006/main" matchingName="Section header" type="secHead">
   <p:cSld name="SECTION_HEADER">
     <p:bg>
       <p:bgPr>
         <a:solidFill>
           <a:schemeClr val="dk1"/>
         </a:solidFill>
+        <a:effectLst/>
       </p:bgPr>
     </p:bg>
     <p:spTree>
       <p:nvGrpSpPr>
-        <p:cNvPr id="17" name="Shape 17"/>
+        <p:cNvPr id="1" name="Shape 17"/>
         <p:cNvGrpSpPr/>
         <p:nvPr/>
       </p:nvGrpSpPr>
@@ -2919,12 +2987,12 @@
             </a:ln>
           </p:spPr>
           <p:txBody>
-            <a:bodyPr anchorCtr="0" anchor="ctr" bIns="91425" lIns="91425" spcFirstLastPara="1" rIns="91425" wrap="square" tIns="91425">
+            <a:bodyPr spcFirstLastPara="1" wrap="square" lIns="91425" tIns="91425" rIns="91425" bIns="91425" anchor="ctr" anchorCtr="0">
               <a:noAutofit/>
             </a:bodyPr>
             <a:lstStyle/>
             <a:p>
-              <a:pPr indent="0" lvl="0" marL="0" rtl="0" algn="l">
+              <a:pPr marL="0" lvl="0" indent="0" algn="l" rtl="0">
                 <a:spcBef>
                   <a:spcPts val="0"/>
                 </a:spcBef>
@@ -2933,9 +3001,6 @@
                 </a:spcAft>
                 <a:buNone/>
               </a:pPr>
-              <a:r>
-                <a:t/>
-              </a:r>
               <a:endParaRPr/>
             </a:p>
           </p:txBody>
@@ -2962,12 +3027,12 @@
             </a:ln>
           </p:spPr>
           <p:txBody>
-            <a:bodyPr anchorCtr="0" anchor="ctr" bIns="91425" lIns="91425" spcFirstLastPara="1" rIns="91425" wrap="square" tIns="91425">
+            <a:bodyPr spcFirstLastPara="1" wrap="square" lIns="91425" tIns="91425" rIns="91425" bIns="91425" anchor="ctr" anchorCtr="0">
               <a:noAutofit/>
             </a:bodyPr>
             <a:lstStyle/>
             <a:p>
-              <a:pPr indent="0" lvl="0" marL="0" rtl="0" algn="l">
+              <a:pPr marL="0" lvl="0" indent="0" algn="l" rtl="0">
                 <a:spcBef>
                   <a:spcPts val="0"/>
                 </a:spcBef>
@@ -2976,9 +3041,6 @@
                 </a:spcAft>
                 <a:buNone/>
               </a:pPr>
-              <a:r>
-                <a:t/>
-              </a:r>
               <a:endParaRPr/>
             </a:p>
           </p:txBody>
@@ -2987,7 +3049,9 @@
       <p:sp>
         <p:nvSpPr>
           <p:cNvPr id="21" name="Google Shape;21;p3"/>
-          <p:cNvSpPr txBox="1"/>
+          <p:cNvSpPr txBox="1">
+            <a:spLocks noGrp="1"/>
+          </p:cNvSpPr>
           <p:nvPr>
             <p:ph type="title"/>
           </p:nvPr>
@@ -3002,7 +3066,7 @@
           </a:prstGeom>
         </p:spPr>
         <p:txBody>
-          <a:bodyPr anchorCtr="0" anchor="t" bIns="91425" lIns="91425" spcFirstLastPara="1" rIns="91425" wrap="square" tIns="91425">
+          <a:bodyPr spcFirstLastPara="1" wrap="square" lIns="91425" tIns="91425" rIns="91425" bIns="91425" anchor="t" anchorCtr="0">
             <a:normAutofit/>
           </a:bodyPr>
           <a:lstStyle>
@@ -3169,15 +3233,19 @@
               </a:defRPr>
             </a:lvl9pPr>
           </a:lstStyle>
-          <a:p/>
+          <a:p>
+            <a:endParaRPr/>
+          </a:p>
         </p:txBody>
       </p:sp>
       <p:sp>
         <p:nvSpPr>
           <p:cNvPr id="22" name="Google Shape;22;p3"/>
-          <p:cNvSpPr txBox="1"/>
+          <p:cNvSpPr txBox="1">
+            <a:spLocks noGrp="1"/>
+          </p:cNvSpPr>
           <p:nvPr>
-            <p:ph idx="12" type="sldNum"/>
+            <p:ph type="sldNum" idx="12"/>
           </p:nvPr>
         </p:nvSpPr>
         <p:spPr>
@@ -3190,7 +3258,7 @@
           </a:prstGeom>
         </p:spPr>
         <p:txBody>
-          <a:bodyPr anchorCtr="0" anchor="ctr" bIns="91425" lIns="91425" spcFirstLastPara="1" rIns="91425" wrap="square" tIns="91425">
+          <a:bodyPr spcFirstLastPara="1" wrap="square" lIns="91425" tIns="91425" rIns="91425" bIns="91425" anchor="ctr" anchorCtr="0">
             <a:normAutofit/>
           </a:bodyPr>
           <a:lstStyle>
@@ -3268,7 +3336,7 @@
             </a:lvl9pPr>
           </a:lstStyle>
           <a:p>
-            <a:pPr indent="0" lvl="0" marL="0" rtl="0" algn="r">
+            <a:pPr marL="0" lvl="0" indent="0" algn="r" rtl="0">
               <a:spcBef>
                 <a:spcPts val="0"/>
               </a:spcBef>
@@ -3294,11 +3362,11 @@
 </file>
 
 <file path=ppt/slideLayouts/slideLayout3.xml><?xml version="1.0" encoding="utf-8"?>
-<p:sldLayout xmlns:a="http://schemas.openxmlformats.org/drawingml/2006/main" xmlns:r="http://schemas.openxmlformats.org/officeDocument/2006/relationships" xmlns:mc="http://schemas.openxmlformats.org/markup-compatibility/2006" xmlns:mv="urn:schemas-microsoft-com:mac:vml" xmlns:p="http://schemas.openxmlformats.org/presentationml/2006/main" xmlns:c="http://schemas.openxmlformats.org/drawingml/2006/chart" xmlns:dgm="http://schemas.openxmlformats.org/drawingml/2006/diagram" xmlns:o="urn:schemas-microsoft-com:office:office" xmlns:v="urn:schemas-microsoft-com:vml" xmlns:pvml="urn:schemas-microsoft-com:office:powerpoint" xmlns:com="http://schemas.openxmlformats.org/drawingml/2006/compatibility" xmlns:p14="http://schemas.microsoft.com/office/powerpoint/2010/main" xmlns:p15="http://schemas.microsoft.com/office/powerpoint/2012/main" xmlns:ahyp="http://schemas.microsoft.com/office/drawing/2018/hyperlinkcolor" matchingName="Title and body" type="tx">
+<p:sldLayout xmlns:a="http://schemas.openxmlformats.org/drawingml/2006/main" xmlns:r="http://schemas.openxmlformats.org/officeDocument/2006/relationships" xmlns:p="http://schemas.openxmlformats.org/presentationml/2006/main" matchingName="Title and body" type="tx">
   <p:cSld name="TITLE_AND_BODY">
     <p:spTree>
       <p:nvGrpSpPr>
-        <p:cNvPr id="23" name="Shape 23"/>
+        <p:cNvPr id="1" name="Shape 23"/>
         <p:cNvGrpSpPr/>
         <p:nvPr/>
       </p:nvGrpSpPr>
@@ -3332,12 +3400,12 @@
           </a:ln>
         </p:spPr>
         <p:txBody>
-          <a:bodyPr anchorCtr="0" anchor="ctr" bIns="91425" lIns="91425" spcFirstLastPara="1" rIns="91425" wrap="square" tIns="91425">
+          <a:bodyPr spcFirstLastPara="1" wrap="square" lIns="91425" tIns="91425" rIns="91425" bIns="91425" anchor="ctr" anchorCtr="0">
             <a:noAutofit/>
           </a:bodyPr>
           <a:lstStyle/>
           <a:p>
-            <a:pPr indent="0" lvl="0" marL="0" rtl="0" algn="l">
+            <a:pPr marL="0" lvl="0" indent="0" algn="l" rtl="0">
               <a:spcBef>
                 <a:spcPts val="0"/>
               </a:spcBef>
@@ -3346,9 +3414,6 @@
               </a:spcAft>
               <a:buNone/>
             </a:pPr>
-            <a:r>
-              <a:t/>
-            </a:r>
             <a:endParaRPr/>
           </a:p>
         </p:txBody>
@@ -3389,12 +3454,12 @@
             </a:ln>
           </p:spPr>
           <p:txBody>
-            <a:bodyPr anchorCtr="0" anchor="ctr" bIns="91425" lIns="91425" spcFirstLastPara="1" rIns="91425" wrap="square" tIns="91425">
+            <a:bodyPr spcFirstLastPara="1" wrap="square" lIns="91425" tIns="91425" rIns="91425" bIns="91425" anchor="ctr" anchorCtr="0">
               <a:noAutofit/>
             </a:bodyPr>
             <a:lstStyle/>
             <a:p>
-              <a:pPr indent="0" lvl="0" marL="0" rtl="0" algn="l">
+              <a:pPr marL="0" lvl="0" indent="0" algn="l" rtl="0">
                 <a:spcBef>
                   <a:spcPts val="0"/>
                 </a:spcBef>
@@ -3403,9 +3468,6 @@
                 </a:spcAft>
                 <a:buNone/>
               </a:pPr>
-              <a:r>
-                <a:t/>
-              </a:r>
               <a:endParaRPr/>
             </a:p>
           </p:txBody>
@@ -3432,12 +3494,12 @@
             </a:ln>
           </p:spPr>
           <p:txBody>
-            <a:bodyPr anchorCtr="0" anchor="ctr" bIns="91425" lIns="91425" spcFirstLastPara="1" rIns="91425" wrap="square" tIns="91425">
+            <a:bodyPr spcFirstLastPara="1" wrap="square" lIns="91425" tIns="91425" rIns="91425" bIns="91425" anchor="ctr" anchorCtr="0">
               <a:noAutofit/>
             </a:bodyPr>
             <a:lstStyle/>
             <a:p>
-              <a:pPr indent="0" lvl="0" marL="0" rtl="0" algn="l">
+              <a:pPr marL="0" lvl="0" indent="0" algn="l" rtl="0">
                 <a:spcBef>
                   <a:spcPts val="0"/>
                 </a:spcBef>
@@ -3446,9 +3508,6 @@
                 </a:spcAft>
                 <a:buNone/>
               </a:pPr>
-              <a:r>
-                <a:t/>
-              </a:r>
               <a:endParaRPr/>
             </a:p>
           </p:txBody>
@@ -3457,7 +3516,9 @@
       <p:sp>
         <p:nvSpPr>
           <p:cNvPr id="28" name="Google Shape;28;p4"/>
-          <p:cNvSpPr txBox="1"/>
+          <p:cNvSpPr txBox="1">
+            <a:spLocks noGrp="1"/>
+          </p:cNvSpPr>
           <p:nvPr>
             <p:ph type="title"/>
           </p:nvPr>
@@ -3472,7 +3533,7 @@
           </a:prstGeom>
         </p:spPr>
         <p:txBody>
-          <a:bodyPr anchorCtr="0" anchor="t" bIns="91425" lIns="91425" spcFirstLastPara="1" rIns="91425" wrap="square" tIns="91425">
+          <a:bodyPr spcFirstLastPara="1" wrap="square" lIns="91425" tIns="91425" rIns="91425" bIns="91425" anchor="t" anchorCtr="0">
             <a:normAutofit/>
           </a:bodyPr>
           <a:lstStyle>
@@ -3576,15 +3637,19 @@
               <a:defRPr sz="2600"/>
             </a:lvl9pPr>
           </a:lstStyle>
-          <a:p/>
+          <a:p>
+            <a:endParaRPr/>
+          </a:p>
         </p:txBody>
       </p:sp>
       <p:sp>
         <p:nvSpPr>
           <p:cNvPr id="29" name="Google Shape;29;p4"/>
-          <p:cNvSpPr txBox="1"/>
+          <p:cNvSpPr txBox="1">
+            <a:spLocks noGrp="1"/>
+          </p:cNvSpPr>
           <p:nvPr>
-            <p:ph idx="1" type="body"/>
+            <p:ph type="body" idx="1"/>
           </p:nvPr>
         </p:nvSpPr>
         <p:spPr>
@@ -3597,11 +3662,11 @@
           </a:prstGeom>
         </p:spPr>
         <p:txBody>
-          <a:bodyPr anchorCtr="0" anchor="t" bIns="91425" lIns="91425" spcFirstLastPara="1" rIns="91425" wrap="square" tIns="91425">
+          <a:bodyPr spcFirstLastPara="1" wrap="square" lIns="91425" tIns="91425" rIns="91425" bIns="91425" anchor="t" anchorCtr="0">
             <a:normAutofit/>
           </a:bodyPr>
           <a:lstStyle>
-            <a:lvl1pPr indent="-311150" lvl="0" marL="457200">
+            <a:lvl1pPr marL="457200" lvl="0" indent="-311150">
               <a:spcBef>
                 <a:spcPts val="0"/>
               </a:spcBef>
@@ -3612,7 +3677,7 @@
               <a:buChar char="●"/>
               <a:defRPr/>
             </a:lvl1pPr>
-            <a:lvl2pPr indent="-298450" lvl="1" marL="914400">
+            <a:lvl2pPr marL="914400" lvl="1" indent="-298450">
               <a:spcBef>
                 <a:spcPts val="0"/>
               </a:spcBef>
@@ -3623,7 +3688,7 @@
               <a:buChar char="○"/>
               <a:defRPr/>
             </a:lvl2pPr>
-            <a:lvl3pPr indent="-298450" lvl="2" marL="1371600">
+            <a:lvl3pPr marL="1371600" lvl="2" indent="-298450">
               <a:spcBef>
                 <a:spcPts val="0"/>
               </a:spcBef>
@@ -3634,7 +3699,7 @@
               <a:buChar char="■"/>
               <a:defRPr/>
             </a:lvl3pPr>
-            <a:lvl4pPr indent="-298450" lvl="3" marL="1828800">
+            <a:lvl4pPr marL="1828800" lvl="3" indent="-298450">
               <a:spcBef>
                 <a:spcPts val="0"/>
               </a:spcBef>
@@ -3645,7 +3710,7 @@
               <a:buChar char="●"/>
               <a:defRPr/>
             </a:lvl4pPr>
-            <a:lvl5pPr indent="-298450" lvl="4" marL="2286000">
+            <a:lvl5pPr marL="2286000" lvl="4" indent="-298450">
               <a:spcBef>
                 <a:spcPts val="0"/>
               </a:spcBef>
@@ -3656,7 +3721,7 @@
               <a:buChar char="○"/>
               <a:defRPr/>
             </a:lvl5pPr>
-            <a:lvl6pPr indent="-298450" lvl="5" marL="2743200">
+            <a:lvl6pPr marL="2743200" lvl="5" indent="-298450">
               <a:spcBef>
                 <a:spcPts val="0"/>
               </a:spcBef>
@@ -3667,7 +3732,7 @@
               <a:buChar char="■"/>
               <a:defRPr/>
             </a:lvl6pPr>
-            <a:lvl7pPr indent="-298450" lvl="6" marL="3200400">
+            <a:lvl7pPr marL="3200400" lvl="6" indent="-298450">
               <a:spcBef>
                 <a:spcPts val="0"/>
               </a:spcBef>
@@ -3678,7 +3743,7 @@
               <a:buChar char="●"/>
               <a:defRPr/>
             </a:lvl7pPr>
-            <a:lvl8pPr indent="-298450" lvl="7" marL="3657600">
+            <a:lvl8pPr marL="3657600" lvl="7" indent="-298450">
               <a:spcBef>
                 <a:spcPts val="0"/>
               </a:spcBef>
@@ -3689,7 +3754,7 @@
               <a:buChar char="○"/>
               <a:defRPr/>
             </a:lvl8pPr>
-            <a:lvl9pPr indent="-298450" lvl="8" marL="4114800">
+            <a:lvl9pPr marL="4114800" lvl="8" indent="-298450">
               <a:spcBef>
                 <a:spcPts val="0"/>
               </a:spcBef>
@@ -3701,15 +3766,19 @@
               <a:defRPr/>
             </a:lvl9pPr>
           </a:lstStyle>
-          <a:p/>
+          <a:p>
+            <a:endParaRPr/>
+          </a:p>
         </p:txBody>
       </p:sp>
       <p:sp>
         <p:nvSpPr>
           <p:cNvPr id="30" name="Google Shape;30;p4"/>
-          <p:cNvSpPr txBox="1"/>
+          <p:cNvSpPr txBox="1">
+            <a:spLocks noGrp="1"/>
+          </p:cNvSpPr>
           <p:nvPr>
-            <p:ph idx="12" type="sldNum"/>
+            <p:ph type="sldNum" idx="12"/>
           </p:nvPr>
         </p:nvSpPr>
         <p:spPr>
@@ -3722,7 +3791,7 @@
           </a:prstGeom>
         </p:spPr>
         <p:txBody>
-          <a:bodyPr anchorCtr="0" anchor="ctr" bIns="91425" lIns="91425" spcFirstLastPara="1" rIns="91425" wrap="square" tIns="91425">
+          <a:bodyPr spcFirstLastPara="1" wrap="square" lIns="91425" tIns="91425" rIns="91425" bIns="91425" anchor="ctr" anchorCtr="0">
             <a:normAutofit/>
           </a:bodyPr>
           <a:lstStyle>
@@ -3764,7 +3833,7 @@
             </a:lvl9pPr>
           </a:lstStyle>
           <a:p>
-            <a:pPr indent="0" lvl="0" marL="0" rtl="0" algn="r">
+            <a:pPr marL="0" lvl="0" indent="0" algn="r" rtl="0">
               <a:spcBef>
                 <a:spcPts val="0"/>
               </a:spcBef>
@@ -3790,11 +3859,11 @@
 </file>
 
 <file path=ppt/slideLayouts/slideLayout4.xml><?xml version="1.0" encoding="utf-8"?>
-<p:sldLayout xmlns:a="http://schemas.openxmlformats.org/drawingml/2006/main" xmlns:r="http://schemas.openxmlformats.org/officeDocument/2006/relationships" xmlns:mc="http://schemas.openxmlformats.org/markup-compatibility/2006" xmlns:mv="urn:schemas-microsoft-com:mac:vml" xmlns:p="http://schemas.openxmlformats.org/presentationml/2006/main" xmlns:c="http://schemas.openxmlformats.org/drawingml/2006/chart" xmlns:dgm="http://schemas.openxmlformats.org/drawingml/2006/diagram" xmlns:o="urn:schemas-microsoft-com:office:office" xmlns:v="urn:schemas-microsoft-com:vml" xmlns:pvml="urn:schemas-microsoft-com:office:powerpoint" xmlns:com="http://schemas.openxmlformats.org/drawingml/2006/compatibility" xmlns:p14="http://schemas.microsoft.com/office/powerpoint/2010/main" xmlns:p15="http://schemas.microsoft.com/office/powerpoint/2012/main" xmlns:ahyp="http://schemas.microsoft.com/office/drawing/2018/hyperlinkcolor" matchingName="Title and two columns" type="twoColTx">
+<p:sldLayout xmlns:a="http://schemas.openxmlformats.org/drawingml/2006/main" xmlns:r="http://schemas.openxmlformats.org/officeDocument/2006/relationships" xmlns:p="http://schemas.openxmlformats.org/presentationml/2006/main" matchingName="Title and two columns" type="twoColTx">
   <p:cSld name="TITLE_AND_TWO_COLUMNS">
     <p:spTree>
       <p:nvGrpSpPr>
-        <p:cNvPr id="31" name="Shape 31"/>
+        <p:cNvPr id="1" name="Shape 31"/>
         <p:cNvGrpSpPr/>
         <p:nvPr/>
       </p:nvGrpSpPr>
@@ -3828,12 +3897,12 @@
           </a:ln>
         </p:spPr>
         <p:txBody>
-          <a:bodyPr anchorCtr="0" anchor="ctr" bIns="91425" lIns="91425" spcFirstLastPara="1" rIns="91425" wrap="square" tIns="91425">
+          <a:bodyPr spcFirstLastPara="1" wrap="square" lIns="91425" tIns="91425" rIns="91425" bIns="91425" anchor="ctr" anchorCtr="0">
             <a:noAutofit/>
           </a:bodyPr>
           <a:lstStyle/>
           <a:p>
-            <a:pPr indent="0" lvl="0" marL="0" rtl="0" algn="l">
+            <a:pPr marL="0" lvl="0" indent="0" algn="l" rtl="0">
               <a:spcBef>
                 <a:spcPts val="0"/>
               </a:spcBef>
@@ -3842,9 +3911,6 @@
               </a:spcAft>
               <a:buNone/>
             </a:pPr>
-            <a:r>
-              <a:t/>
-            </a:r>
             <a:endParaRPr/>
           </a:p>
         </p:txBody>
@@ -3885,12 +3951,12 @@
             </a:ln>
           </p:spPr>
           <p:txBody>
-            <a:bodyPr anchorCtr="0" anchor="ctr" bIns="91425" lIns="91425" spcFirstLastPara="1" rIns="91425" wrap="square" tIns="91425">
+            <a:bodyPr spcFirstLastPara="1" wrap="square" lIns="91425" tIns="91425" rIns="91425" bIns="91425" anchor="ctr" anchorCtr="0">
               <a:noAutofit/>
             </a:bodyPr>
             <a:lstStyle/>
             <a:p>
-              <a:pPr indent="0" lvl="0" marL="0" rtl="0" algn="l">
+              <a:pPr marL="0" lvl="0" indent="0" algn="l" rtl="0">
                 <a:spcBef>
                   <a:spcPts val="0"/>
                 </a:spcBef>
@@ -3899,9 +3965,6 @@
                 </a:spcAft>
                 <a:buNone/>
               </a:pPr>
-              <a:r>
-                <a:t/>
-              </a:r>
               <a:endParaRPr/>
             </a:p>
           </p:txBody>
@@ -3928,12 +3991,12 @@
             </a:ln>
           </p:spPr>
           <p:txBody>
-            <a:bodyPr anchorCtr="0" anchor="ctr" bIns="91425" lIns="91425" spcFirstLastPara="1" rIns="91425" wrap="square" tIns="91425">
+            <a:bodyPr spcFirstLastPara="1" wrap="square" lIns="91425" tIns="91425" rIns="91425" bIns="91425" anchor="ctr" anchorCtr="0">
               <a:noAutofit/>
             </a:bodyPr>
             <a:lstStyle/>
             <a:p>
-              <a:pPr indent="0" lvl="0" marL="0" rtl="0" algn="l">
+              <a:pPr marL="0" lvl="0" indent="0" algn="l" rtl="0">
                 <a:spcBef>
                   <a:spcPts val="0"/>
                 </a:spcBef>
@@ -3942,9 +4005,6 @@
                 </a:spcAft>
                 <a:buNone/>
               </a:pPr>
-              <a:r>
-                <a:t/>
-              </a:r>
               <a:endParaRPr/>
             </a:p>
           </p:txBody>
@@ -3953,7 +4013,9 @@
       <p:sp>
         <p:nvSpPr>
           <p:cNvPr id="36" name="Google Shape;36;p5"/>
-          <p:cNvSpPr txBox="1"/>
+          <p:cNvSpPr txBox="1">
+            <a:spLocks noGrp="1"/>
+          </p:cNvSpPr>
           <p:nvPr>
             <p:ph type="title"/>
           </p:nvPr>
@@ -3968,7 +4030,7 @@
           </a:prstGeom>
         </p:spPr>
         <p:txBody>
-          <a:bodyPr anchorCtr="0" anchor="t" bIns="91425" lIns="91425" spcFirstLastPara="1" rIns="91425" wrap="square" tIns="91425">
+          <a:bodyPr spcFirstLastPara="1" wrap="square" lIns="91425" tIns="91425" rIns="91425" bIns="91425" anchor="t" anchorCtr="0">
             <a:normAutofit/>
           </a:bodyPr>
           <a:lstStyle>
@@ -4072,15 +4134,19 @@
               <a:defRPr sz="2600"/>
             </a:lvl9pPr>
           </a:lstStyle>
-          <a:p/>
+          <a:p>
+            <a:endParaRPr/>
+          </a:p>
         </p:txBody>
       </p:sp>
       <p:sp>
         <p:nvSpPr>
           <p:cNvPr id="37" name="Google Shape;37;p5"/>
-          <p:cNvSpPr txBox="1"/>
+          <p:cNvSpPr txBox="1">
+            <a:spLocks noGrp="1"/>
+          </p:cNvSpPr>
           <p:nvPr>
-            <p:ph idx="1" type="body"/>
+            <p:ph type="body" idx="1"/>
           </p:nvPr>
         </p:nvSpPr>
         <p:spPr>
@@ -4093,11 +4159,11 @@
           </a:prstGeom>
         </p:spPr>
         <p:txBody>
-          <a:bodyPr anchorCtr="0" anchor="t" bIns="91425" lIns="91425" spcFirstLastPara="1" rIns="91425" wrap="square" tIns="91425">
+          <a:bodyPr spcFirstLastPara="1" wrap="square" lIns="91425" tIns="91425" rIns="91425" bIns="91425" anchor="t" anchorCtr="0">
             <a:normAutofit/>
           </a:bodyPr>
           <a:lstStyle>
-            <a:lvl1pPr indent="-311150" lvl="0" marL="457200">
+            <a:lvl1pPr marL="457200" lvl="0" indent="-311150">
               <a:spcBef>
                 <a:spcPts val="0"/>
               </a:spcBef>
@@ -4108,7 +4174,7 @@
               <a:buChar char="●"/>
               <a:defRPr/>
             </a:lvl1pPr>
-            <a:lvl2pPr indent="-298450" lvl="1" marL="914400">
+            <a:lvl2pPr marL="914400" lvl="1" indent="-298450">
               <a:spcBef>
                 <a:spcPts val="0"/>
               </a:spcBef>
@@ -4119,7 +4185,7 @@
               <a:buChar char="○"/>
               <a:defRPr/>
             </a:lvl2pPr>
-            <a:lvl3pPr indent="-298450" lvl="2" marL="1371600">
+            <a:lvl3pPr marL="1371600" lvl="2" indent="-298450">
               <a:spcBef>
                 <a:spcPts val="0"/>
               </a:spcBef>
@@ -4130,7 +4196,7 @@
               <a:buChar char="■"/>
               <a:defRPr/>
             </a:lvl3pPr>
-            <a:lvl4pPr indent="-298450" lvl="3" marL="1828800">
+            <a:lvl4pPr marL="1828800" lvl="3" indent="-298450">
               <a:spcBef>
                 <a:spcPts val="0"/>
               </a:spcBef>
@@ -4141,7 +4207,7 @@
               <a:buChar char="●"/>
               <a:defRPr/>
             </a:lvl4pPr>
-            <a:lvl5pPr indent="-298450" lvl="4" marL="2286000">
+            <a:lvl5pPr marL="2286000" lvl="4" indent="-298450">
               <a:spcBef>
                 <a:spcPts val="0"/>
               </a:spcBef>
@@ -4152,7 +4218,7 @@
               <a:buChar char="○"/>
               <a:defRPr/>
             </a:lvl5pPr>
-            <a:lvl6pPr indent="-298450" lvl="5" marL="2743200">
+            <a:lvl6pPr marL="2743200" lvl="5" indent="-298450">
               <a:spcBef>
                 <a:spcPts val="0"/>
               </a:spcBef>
@@ -4163,7 +4229,7 @@
               <a:buChar char="■"/>
               <a:defRPr/>
             </a:lvl6pPr>
-            <a:lvl7pPr indent="-298450" lvl="6" marL="3200400">
+            <a:lvl7pPr marL="3200400" lvl="6" indent="-298450">
               <a:spcBef>
                 <a:spcPts val="0"/>
               </a:spcBef>
@@ -4174,7 +4240,7 @@
               <a:buChar char="●"/>
               <a:defRPr/>
             </a:lvl7pPr>
-            <a:lvl8pPr indent="-298450" lvl="7" marL="3657600">
+            <a:lvl8pPr marL="3657600" lvl="7" indent="-298450">
               <a:spcBef>
                 <a:spcPts val="0"/>
               </a:spcBef>
@@ -4185,7 +4251,7 @@
               <a:buChar char="○"/>
               <a:defRPr/>
             </a:lvl8pPr>
-            <a:lvl9pPr indent="-298450" lvl="8" marL="4114800">
+            <a:lvl9pPr marL="4114800" lvl="8" indent="-298450">
               <a:spcBef>
                 <a:spcPts val="0"/>
               </a:spcBef>
@@ -4197,15 +4263,19 @@
               <a:defRPr/>
             </a:lvl9pPr>
           </a:lstStyle>
-          <a:p/>
+          <a:p>
+            <a:endParaRPr/>
+          </a:p>
         </p:txBody>
       </p:sp>
       <p:sp>
         <p:nvSpPr>
           <p:cNvPr id="38" name="Google Shape;38;p5"/>
-          <p:cNvSpPr txBox="1"/>
+          <p:cNvSpPr txBox="1">
+            <a:spLocks noGrp="1"/>
+          </p:cNvSpPr>
           <p:nvPr>
-            <p:ph idx="2" type="body"/>
+            <p:ph type="body" idx="2"/>
           </p:nvPr>
         </p:nvSpPr>
         <p:spPr>
@@ -4218,11 +4288,11 @@
           </a:prstGeom>
         </p:spPr>
         <p:txBody>
-          <a:bodyPr anchorCtr="0" anchor="t" bIns="91425" lIns="91425" spcFirstLastPara="1" rIns="91425" wrap="square" tIns="91425">
+          <a:bodyPr spcFirstLastPara="1" wrap="square" lIns="91425" tIns="91425" rIns="91425" bIns="91425" anchor="t" anchorCtr="0">
             <a:normAutofit/>
           </a:bodyPr>
           <a:lstStyle>
-            <a:lvl1pPr indent="-311150" lvl="0" marL="457200">
+            <a:lvl1pPr marL="457200" lvl="0" indent="-311150">
               <a:spcBef>
                 <a:spcPts val="0"/>
               </a:spcBef>
@@ -4233,7 +4303,7 @@
               <a:buChar char="●"/>
               <a:defRPr/>
             </a:lvl1pPr>
-            <a:lvl2pPr indent="-298450" lvl="1" marL="914400">
+            <a:lvl2pPr marL="914400" lvl="1" indent="-298450">
               <a:spcBef>
                 <a:spcPts val="0"/>
               </a:spcBef>
@@ -4244,7 +4314,7 @@
               <a:buChar char="○"/>
               <a:defRPr/>
             </a:lvl2pPr>
-            <a:lvl3pPr indent="-298450" lvl="2" marL="1371600">
+            <a:lvl3pPr marL="1371600" lvl="2" indent="-298450">
               <a:spcBef>
                 <a:spcPts val="0"/>
               </a:spcBef>
@@ -4255,7 +4325,7 @@
               <a:buChar char="■"/>
               <a:defRPr/>
             </a:lvl3pPr>
-            <a:lvl4pPr indent="-298450" lvl="3" marL="1828800">
+            <a:lvl4pPr marL="1828800" lvl="3" indent="-298450">
               <a:spcBef>
                 <a:spcPts val="0"/>
               </a:spcBef>
@@ -4266,7 +4336,7 @@
               <a:buChar char="●"/>
               <a:defRPr/>
             </a:lvl4pPr>
-            <a:lvl5pPr indent="-298450" lvl="4" marL="2286000">
+            <a:lvl5pPr marL="2286000" lvl="4" indent="-298450">
               <a:spcBef>
                 <a:spcPts val="0"/>
               </a:spcBef>
@@ -4277,7 +4347,7 @@
               <a:buChar char="○"/>
               <a:defRPr/>
             </a:lvl5pPr>
-            <a:lvl6pPr indent="-298450" lvl="5" marL="2743200">
+            <a:lvl6pPr marL="2743200" lvl="5" indent="-298450">
               <a:spcBef>
                 <a:spcPts val="0"/>
               </a:spcBef>
@@ -4288,7 +4358,7 @@
               <a:buChar char="■"/>
               <a:defRPr/>
             </a:lvl6pPr>
-            <a:lvl7pPr indent="-298450" lvl="6" marL="3200400">
+            <a:lvl7pPr marL="3200400" lvl="6" indent="-298450">
               <a:spcBef>
                 <a:spcPts val="0"/>
               </a:spcBef>
@@ -4299,7 +4369,7 @@
               <a:buChar char="●"/>
               <a:defRPr/>
             </a:lvl7pPr>
-            <a:lvl8pPr indent="-298450" lvl="7" marL="3657600">
+            <a:lvl8pPr marL="3657600" lvl="7" indent="-298450">
               <a:spcBef>
                 <a:spcPts val="0"/>
               </a:spcBef>
@@ -4310,7 +4380,7 @@
               <a:buChar char="○"/>
               <a:defRPr/>
             </a:lvl8pPr>
-            <a:lvl9pPr indent="-298450" lvl="8" marL="4114800">
+            <a:lvl9pPr marL="4114800" lvl="8" indent="-298450">
               <a:spcBef>
                 <a:spcPts val="0"/>
               </a:spcBef>
@@ -4322,15 +4392,19 @@
               <a:defRPr/>
             </a:lvl9pPr>
           </a:lstStyle>
-          <a:p/>
+          <a:p>
+            <a:endParaRPr/>
+          </a:p>
         </p:txBody>
       </p:sp>
       <p:sp>
         <p:nvSpPr>
           <p:cNvPr id="39" name="Google Shape;39;p5"/>
-          <p:cNvSpPr txBox="1"/>
+          <p:cNvSpPr txBox="1">
+            <a:spLocks noGrp="1"/>
+          </p:cNvSpPr>
           <p:nvPr>
-            <p:ph idx="12" type="sldNum"/>
+            <p:ph type="sldNum" idx="12"/>
           </p:nvPr>
         </p:nvSpPr>
         <p:spPr>
@@ -4343,7 +4417,7 @@
           </a:prstGeom>
         </p:spPr>
         <p:txBody>
-          <a:bodyPr anchorCtr="0" anchor="ctr" bIns="91425" lIns="91425" spcFirstLastPara="1" rIns="91425" wrap="square" tIns="91425">
+          <a:bodyPr spcFirstLastPara="1" wrap="square" lIns="91425" tIns="91425" rIns="91425" bIns="91425" anchor="ctr" anchorCtr="0">
             <a:normAutofit/>
           </a:bodyPr>
           <a:lstStyle>
@@ -4385,7 +4459,7 @@
             </a:lvl9pPr>
           </a:lstStyle>
           <a:p>
-            <a:pPr indent="0" lvl="0" marL="0" rtl="0" algn="r">
+            <a:pPr marL="0" lvl="0" indent="0" algn="r" rtl="0">
               <a:spcBef>
                 <a:spcPts val="0"/>
               </a:spcBef>
@@ -4411,11 +4485,11 @@
 </file>
 
 <file path=ppt/slideLayouts/slideLayout5.xml><?xml version="1.0" encoding="utf-8"?>
-<p:sldLayout xmlns:a="http://schemas.openxmlformats.org/drawingml/2006/main" xmlns:r="http://schemas.openxmlformats.org/officeDocument/2006/relationships" xmlns:mc="http://schemas.openxmlformats.org/markup-compatibility/2006" xmlns:mv="urn:schemas-microsoft-com:mac:vml" xmlns:p="http://schemas.openxmlformats.org/presentationml/2006/main" xmlns:c="http://schemas.openxmlformats.org/drawingml/2006/chart" xmlns:dgm="http://schemas.openxmlformats.org/drawingml/2006/diagram" xmlns:o="urn:schemas-microsoft-com:office:office" xmlns:v="urn:schemas-microsoft-com:vml" xmlns:pvml="urn:schemas-microsoft-com:office:powerpoint" xmlns:com="http://schemas.openxmlformats.org/drawingml/2006/compatibility" xmlns:p14="http://schemas.microsoft.com/office/powerpoint/2010/main" xmlns:p15="http://schemas.microsoft.com/office/powerpoint/2012/main" xmlns:ahyp="http://schemas.microsoft.com/office/drawing/2018/hyperlinkcolor" matchingName="Title only" type="titleOnly">
+<p:sldLayout xmlns:a="http://schemas.openxmlformats.org/drawingml/2006/main" xmlns:r="http://schemas.openxmlformats.org/officeDocument/2006/relationships" xmlns:p="http://schemas.openxmlformats.org/presentationml/2006/main" matchingName="Title only" type="titleOnly">
   <p:cSld name="TITLE_ONLY">
     <p:spTree>
       <p:nvGrpSpPr>
-        <p:cNvPr id="40" name="Shape 40"/>
+        <p:cNvPr id="1" name="Shape 40"/>
         <p:cNvGrpSpPr/>
         <p:nvPr/>
       </p:nvGrpSpPr>
@@ -4449,12 +4523,12 @@
           </a:ln>
         </p:spPr>
         <p:txBody>
-          <a:bodyPr anchorCtr="0" anchor="ctr" bIns="91425" lIns="91425" spcFirstLastPara="1" rIns="91425" wrap="square" tIns="91425">
+          <a:bodyPr spcFirstLastPara="1" wrap="square" lIns="91425" tIns="91425" rIns="91425" bIns="91425" anchor="ctr" anchorCtr="0">
             <a:noAutofit/>
           </a:bodyPr>
           <a:lstStyle/>
           <a:p>
-            <a:pPr indent="0" lvl="0" marL="0" rtl="0" algn="l">
+            <a:pPr marL="0" lvl="0" indent="0" algn="l" rtl="0">
               <a:spcBef>
                 <a:spcPts val="0"/>
               </a:spcBef>
@@ -4463,9 +4537,6 @@
               </a:spcAft>
               <a:buNone/>
             </a:pPr>
-            <a:r>
-              <a:t/>
-            </a:r>
             <a:endParaRPr/>
           </a:p>
         </p:txBody>
@@ -4506,12 +4577,12 @@
             </a:ln>
           </p:spPr>
           <p:txBody>
-            <a:bodyPr anchorCtr="0" anchor="ctr" bIns="91425" lIns="91425" spcFirstLastPara="1" rIns="91425" wrap="square" tIns="91425">
+            <a:bodyPr spcFirstLastPara="1" wrap="square" lIns="91425" tIns="91425" rIns="91425" bIns="91425" anchor="ctr" anchorCtr="0">
               <a:noAutofit/>
             </a:bodyPr>
             <a:lstStyle/>
             <a:p>
-              <a:pPr indent="0" lvl="0" marL="0" rtl="0" algn="l">
+              <a:pPr marL="0" lvl="0" indent="0" algn="l" rtl="0">
                 <a:spcBef>
                   <a:spcPts val="0"/>
                 </a:spcBef>
@@ -4520,9 +4591,6 @@
                 </a:spcAft>
                 <a:buNone/>
               </a:pPr>
-              <a:r>
-                <a:t/>
-              </a:r>
               <a:endParaRPr/>
             </a:p>
           </p:txBody>
@@ -4549,12 +4617,12 @@
             </a:ln>
           </p:spPr>
           <p:txBody>
-            <a:bodyPr anchorCtr="0" anchor="ctr" bIns="91425" lIns="91425" spcFirstLastPara="1" rIns="91425" wrap="square" tIns="91425">
+            <a:bodyPr spcFirstLastPara="1" wrap="square" lIns="91425" tIns="91425" rIns="91425" bIns="91425" anchor="ctr" anchorCtr="0">
               <a:noAutofit/>
             </a:bodyPr>
             <a:lstStyle/>
             <a:p>
-              <a:pPr indent="0" lvl="0" marL="0" rtl="0" algn="l">
+              <a:pPr marL="0" lvl="0" indent="0" algn="l" rtl="0">
                 <a:spcBef>
                   <a:spcPts val="0"/>
                 </a:spcBef>
@@ -4563,9 +4631,6 @@
                 </a:spcAft>
                 <a:buNone/>
               </a:pPr>
-              <a:r>
-                <a:t/>
-              </a:r>
               <a:endParaRPr/>
             </a:p>
           </p:txBody>
@@ -4574,7 +4639,9 @@
       <p:sp>
         <p:nvSpPr>
           <p:cNvPr id="45" name="Google Shape;45;p6"/>
-          <p:cNvSpPr txBox="1"/>
+          <p:cNvSpPr txBox="1">
+            <a:spLocks noGrp="1"/>
+          </p:cNvSpPr>
           <p:nvPr>
             <p:ph type="title"/>
           </p:nvPr>
@@ -4589,7 +4656,7 @@
           </a:prstGeom>
         </p:spPr>
         <p:txBody>
-          <a:bodyPr anchorCtr="0" anchor="t" bIns="91425" lIns="91425" spcFirstLastPara="1" rIns="91425" wrap="square" tIns="91425">
+          <a:bodyPr spcFirstLastPara="1" wrap="square" lIns="91425" tIns="91425" rIns="91425" bIns="91425" anchor="t" anchorCtr="0">
             <a:normAutofit/>
           </a:bodyPr>
           <a:lstStyle>
@@ -4693,15 +4760,19 @@
               <a:defRPr sz="2600"/>
             </a:lvl9pPr>
           </a:lstStyle>
-          <a:p/>
+          <a:p>
+            <a:endParaRPr/>
+          </a:p>
         </p:txBody>
       </p:sp>
       <p:sp>
         <p:nvSpPr>
           <p:cNvPr id="46" name="Google Shape;46;p6"/>
-          <p:cNvSpPr txBox="1"/>
+          <p:cNvSpPr txBox="1">
+            <a:spLocks noGrp="1"/>
+          </p:cNvSpPr>
           <p:nvPr>
-            <p:ph idx="12" type="sldNum"/>
+            <p:ph type="sldNum" idx="12"/>
           </p:nvPr>
         </p:nvSpPr>
         <p:spPr>
@@ -4714,7 +4785,7 @@
           </a:prstGeom>
         </p:spPr>
         <p:txBody>
-          <a:bodyPr anchorCtr="0" anchor="ctr" bIns="91425" lIns="91425" spcFirstLastPara="1" rIns="91425" wrap="square" tIns="91425">
+          <a:bodyPr spcFirstLastPara="1" wrap="square" lIns="91425" tIns="91425" rIns="91425" bIns="91425" anchor="ctr" anchorCtr="0">
             <a:normAutofit/>
           </a:bodyPr>
           <a:lstStyle>
@@ -4756,7 +4827,7 @@
             </a:lvl9pPr>
           </a:lstStyle>
           <a:p>
-            <a:pPr indent="0" lvl="0" marL="0" rtl="0" algn="r">
+            <a:pPr marL="0" lvl="0" indent="0" algn="r" rtl="0">
               <a:spcBef>
                 <a:spcPts val="0"/>
               </a:spcBef>
@@ -4782,11 +4853,11 @@
 </file>
 
 <file path=ppt/slideLayouts/slideLayout6.xml><?xml version="1.0" encoding="utf-8"?>
-<p:sldLayout xmlns:a="http://schemas.openxmlformats.org/drawingml/2006/main" xmlns:r="http://schemas.openxmlformats.org/officeDocument/2006/relationships" xmlns:mc="http://schemas.openxmlformats.org/markup-compatibility/2006" xmlns:mv="urn:schemas-microsoft-com:mac:vml" xmlns:p="http://schemas.openxmlformats.org/presentationml/2006/main" xmlns:c="http://schemas.openxmlformats.org/drawingml/2006/chart" xmlns:dgm="http://schemas.openxmlformats.org/drawingml/2006/diagram" xmlns:o="urn:schemas-microsoft-com:office:office" xmlns:v="urn:schemas-microsoft-com:vml" xmlns:pvml="urn:schemas-microsoft-com:office:powerpoint" xmlns:com="http://schemas.openxmlformats.org/drawingml/2006/compatibility" xmlns:p14="http://schemas.microsoft.com/office/powerpoint/2010/main" xmlns:p15="http://schemas.microsoft.com/office/powerpoint/2012/main" xmlns:ahyp="http://schemas.microsoft.com/office/drawing/2018/hyperlinkcolor" matchingName="One column text">
+<p:sldLayout xmlns:a="http://schemas.openxmlformats.org/drawingml/2006/main" xmlns:r="http://schemas.openxmlformats.org/officeDocument/2006/relationships" xmlns:p="http://schemas.openxmlformats.org/presentationml/2006/main" matchingName="One column text">
   <p:cSld name="ONE_COLUMN_TEXT">
     <p:spTree>
       <p:nvGrpSpPr>
-        <p:cNvPr id="47" name="Shape 47"/>
+        <p:cNvPr id="1" name="Shape 47"/>
         <p:cNvGrpSpPr/>
         <p:nvPr/>
       </p:nvGrpSpPr>
@@ -4820,12 +4891,12 @@
           </a:ln>
         </p:spPr>
         <p:txBody>
-          <a:bodyPr anchorCtr="0" anchor="ctr" bIns="91425" lIns="91425" spcFirstLastPara="1" rIns="91425" wrap="square" tIns="91425">
+          <a:bodyPr spcFirstLastPara="1" wrap="square" lIns="91425" tIns="91425" rIns="91425" bIns="91425" anchor="ctr" anchorCtr="0">
             <a:noAutofit/>
           </a:bodyPr>
           <a:lstStyle/>
           <a:p>
-            <a:pPr indent="0" lvl="0" marL="0" rtl="0" algn="l">
+            <a:pPr marL="0" lvl="0" indent="0" algn="l" rtl="0">
               <a:spcBef>
                 <a:spcPts val="0"/>
               </a:spcBef>
@@ -4834,9 +4905,6 @@
               </a:spcAft>
               <a:buNone/>
             </a:pPr>
-            <a:r>
-              <a:t/>
-            </a:r>
             <a:endParaRPr/>
           </a:p>
         </p:txBody>
@@ -4877,12 +4945,12 @@
             </a:ln>
           </p:spPr>
           <p:txBody>
-            <a:bodyPr anchorCtr="0" anchor="ctr" bIns="91425" lIns="91425" spcFirstLastPara="1" rIns="91425" wrap="square" tIns="91425">
+            <a:bodyPr spcFirstLastPara="1" wrap="square" lIns="91425" tIns="91425" rIns="91425" bIns="91425" anchor="ctr" anchorCtr="0">
               <a:noAutofit/>
             </a:bodyPr>
             <a:lstStyle/>
             <a:p>
-              <a:pPr indent="0" lvl="0" marL="0" rtl="0" algn="l">
+              <a:pPr marL="0" lvl="0" indent="0" algn="l" rtl="0">
                 <a:spcBef>
                   <a:spcPts val="0"/>
                 </a:spcBef>
@@ -4891,9 +4959,6 @@
                 </a:spcAft>
                 <a:buNone/>
               </a:pPr>
-              <a:r>
-                <a:t/>
-              </a:r>
               <a:endParaRPr/>
             </a:p>
           </p:txBody>
@@ -4920,12 +4985,12 @@
             </a:ln>
           </p:spPr>
           <p:txBody>
-            <a:bodyPr anchorCtr="0" anchor="ctr" bIns="91425" lIns="91425" spcFirstLastPara="1" rIns="91425" wrap="square" tIns="91425">
+            <a:bodyPr spcFirstLastPara="1" wrap="square" lIns="91425" tIns="91425" rIns="91425" bIns="91425" anchor="ctr" anchorCtr="0">
               <a:noAutofit/>
             </a:bodyPr>
             <a:lstStyle/>
             <a:p>
-              <a:pPr indent="0" lvl="0" marL="0" rtl="0" algn="l">
+              <a:pPr marL="0" lvl="0" indent="0" algn="l" rtl="0">
                 <a:spcBef>
                   <a:spcPts val="0"/>
                 </a:spcBef>
@@ -4934,9 +4999,6 @@
                 </a:spcAft>
                 <a:buNone/>
               </a:pPr>
-              <a:r>
-                <a:t/>
-              </a:r>
               <a:endParaRPr/>
             </a:p>
           </p:txBody>
@@ -4945,7 +5007,9 @@
       <p:sp>
         <p:nvSpPr>
           <p:cNvPr id="52" name="Google Shape;52;p7"/>
-          <p:cNvSpPr txBox="1"/>
+          <p:cNvSpPr txBox="1">
+            <a:spLocks noGrp="1"/>
+          </p:cNvSpPr>
           <p:nvPr>
             <p:ph type="title"/>
           </p:nvPr>
@@ -4960,7 +5024,7 @@
           </a:prstGeom>
         </p:spPr>
         <p:txBody>
-          <a:bodyPr anchorCtr="0" anchor="t" bIns="91425" lIns="91425" spcFirstLastPara="1" rIns="91425" wrap="square" tIns="91425">
+          <a:bodyPr spcFirstLastPara="1" wrap="square" lIns="91425" tIns="91425" rIns="91425" bIns="91425" anchor="t" anchorCtr="0">
             <a:normAutofit/>
           </a:bodyPr>
           <a:lstStyle>
@@ -5064,15 +5128,19 @@
               <a:defRPr sz="2600"/>
             </a:lvl9pPr>
           </a:lstStyle>
-          <a:p/>
+          <a:p>
+            <a:endParaRPr/>
+          </a:p>
         </p:txBody>
       </p:sp>
       <p:sp>
         <p:nvSpPr>
           <p:cNvPr id="53" name="Google Shape;53;p7"/>
-          <p:cNvSpPr txBox="1"/>
+          <p:cNvSpPr txBox="1">
+            <a:spLocks noGrp="1"/>
+          </p:cNvSpPr>
           <p:nvPr>
-            <p:ph idx="1" type="body"/>
+            <p:ph type="body" idx="1"/>
           </p:nvPr>
         </p:nvSpPr>
         <p:spPr>
@@ -5085,11 +5153,11 @@
           </a:prstGeom>
         </p:spPr>
         <p:txBody>
-          <a:bodyPr anchorCtr="0" anchor="t" bIns="91425" lIns="91425" spcFirstLastPara="1" rIns="91425" wrap="square" tIns="91425">
+          <a:bodyPr spcFirstLastPara="1" wrap="square" lIns="91425" tIns="91425" rIns="91425" bIns="91425" anchor="t" anchorCtr="0">
             <a:normAutofit/>
           </a:bodyPr>
           <a:lstStyle>
-            <a:lvl1pPr indent="-311150" lvl="0" marL="457200">
+            <a:lvl1pPr marL="457200" lvl="0" indent="-311150">
               <a:spcBef>
                 <a:spcPts val="0"/>
               </a:spcBef>
@@ -5100,7 +5168,7 @@
               <a:buChar char="●"/>
               <a:defRPr/>
             </a:lvl1pPr>
-            <a:lvl2pPr indent="-298450" lvl="1" marL="914400">
+            <a:lvl2pPr marL="914400" lvl="1" indent="-298450">
               <a:spcBef>
                 <a:spcPts val="0"/>
               </a:spcBef>
@@ -5111,7 +5179,7 @@
               <a:buChar char="○"/>
               <a:defRPr/>
             </a:lvl2pPr>
-            <a:lvl3pPr indent="-298450" lvl="2" marL="1371600">
+            <a:lvl3pPr marL="1371600" lvl="2" indent="-298450">
               <a:spcBef>
                 <a:spcPts val="0"/>
               </a:spcBef>
@@ -5122,7 +5190,7 @@
               <a:buChar char="■"/>
               <a:defRPr/>
             </a:lvl3pPr>
-            <a:lvl4pPr indent="-298450" lvl="3" marL="1828800">
+            <a:lvl4pPr marL="1828800" lvl="3" indent="-298450">
               <a:spcBef>
                 <a:spcPts val="0"/>
               </a:spcBef>
@@ -5133,7 +5201,7 @@
               <a:buChar char="●"/>
               <a:defRPr/>
             </a:lvl4pPr>
-            <a:lvl5pPr indent="-298450" lvl="4" marL="2286000">
+            <a:lvl5pPr marL="2286000" lvl="4" indent="-298450">
               <a:spcBef>
                 <a:spcPts val="0"/>
               </a:spcBef>
@@ -5144,7 +5212,7 @@
               <a:buChar char="○"/>
               <a:defRPr/>
             </a:lvl5pPr>
-            <a:lvl6pPr indent="-298450" lvl="5" marL="2743200">
+            <a:lvl6pPr marL="2743200" lvl="5" indent="-298450">
               <a:spcBef>
                 <a:spcPts val="0"/>
               </a:spcBef>
@@ -5155,7 +5223,7 @@
               <a:buChar char="■"/>
               <a:defRPr/>
             </a:lvl6pPr>
-            <a:lvl7pPr indent="-298450" lvl="6" marL="3200400">
+            <a:lvl7pPr marL="3200400" lvl="6" indent="-298450">
               <a:spcBef>
                 <a:spcPts val="0"/>
               </a:spcBef>
@@ -5166,7 +5234,7 @@
               <a:buChar char="●"/>
               <a:defRPr/>
             </a:lvl7pPr>
-            <a:lvl8pPr indent="-298450" lvl="7" marL="3657600">
+            <a:lvl8pPr marL="3657600" lvl="7" indent="-298450">
               <a:spcBef>
                 <a:spcPts val="0"/>
               </a:spcBef>
@@ -5177,7 +5245,7 @@
               <a:buChar char="○"/>
               <a:defRPr/>
             </a:lvl8pPr>
-            <a:lvl9pPr indent="-298450" lvl="8" marL="4114800">
+            <a:lvl9pPr marL="4114800" lvl="8" indent="-298450">
               <a:spcBef>
                 <a:spcPts val="0"/>
               </a:spcBef>
@@ -5189,15 +5257,19 @@
               <a:defRPr/>
             </a:lvl9pPr>
           </a:lstStyle>
-          <a:p/>
+          <a:p>
+            <a:endParaRPr/>
+          </a:p>
         </p:txBody>
       </p:sp>
       <p:sp>
         <p:nvSpPr>
           <p:cNvPr id="54" name="Google Shape;54;p7"/>
-          <p:cNvSpPr txBox="1"/>
+          <p:cNvSpPr txBox="1">
+            <a:spLocks noGrp="1"/>
+          </p:cNvSpPr>
           <p:nvPr>
-            <p:ph idx="12" type="sldNum"/>
+            <p:ph type="sldNum" idx="12"/>
           </p:nvPr>
         </p:nvSpPr>
         <p:spPr>
@@ -5210,7 +5282,7 @@
           </a:prstGeom>
         </p:spPr>
         <p:txBody>
-          <a:bodyPr anchorCtr="0" anchor="ctr" bIns="91425" lIns="91425" spcFirstLastPara="1" rIns="91425" wrap="square" tIns="91425">
+          <a:bodyPr spcFirstLastPara="1" wrap="square" lIns="91425" tIns="91425" rIns="91425" bIns="91425" anchor="ctr" anchorCtr="0">
             <a:normAutofit/>
           </a:bodyPr>
           <a:lstStyle>
@@ -5252,7 +5324,7 @@
             </a:lvl9pPr>
           </a:lstStyle>
           <a:p>
-            <a:pPr indent="0" lvl="0" marL="0" rtl="0" algn="r">
+            <a:pPr marL="0" lvl="0" indent="0" algn="r" rtl="0">
               <a:spcBef>
                 <a:spcPts val="0"/>
               </a:spcBef>
@@ -5278,18 +5350,19 @@
 </file>
 
 <file path=ppt/slideLayouts/slideLayout7.xml><?xml version="1.0" encoding="utf-8"?>
-<p:sldLayout xmlns:a="http://schemas.openxmlformats.org/drawingml/2006/main" xmlns:r="http://schemas.openxmlformats.org/officeDocument/2006/relationships" xmlns:mc="http://schemas.openxmlformats.org/markup-compatibility/2006" xmlns:mv="urn:schemas-microsoft-com:mac:vml" xmlns:p="http://schemas.openxmlformats.org/presentationml/2006/main" xmlns:c="http://schemas.openxmlformats.org/drawingml/2006/chart" xmlns:dgm="http://schemas.openxmlformats.org/drawingml/2006/diagram" xmlns:o="urn:schemas-microsoft-com:office:office" xmlns:v="urn:schemas-microsoft-com:vml" xmlns:pvml="urn:schemas-microsoft-com:office:powerpoint" xmlns:com="http://schemas.openxmlformats.org/drawingml/2006/compatibility" xmlns:p14="http://schemas.microsoft.com/office/powerpoint/2010/main" xmlns:p15="http://schemas.microsoft.com/office/powerpoint/2012/main" xmlns:ahyp="http://schemas.microsoft.com/office/drawing/2018/hyperlinkcolor" matchingName="Main point">
+<p:sldLayout xmlns:a="http://schemas.openxmlformats.org/drawingml/2006/main" xmlns:r="http://schemas.openxmlformats.org/officeDocument/2006/relationships" xmlns:p="http://schemas.openxmlformats.org/presentationml/2006/main" matchingName="Main point">
   <p:cSld name="MAIN_POINT">
     <p:bg>
       <p:bgPr>
         <a:solidFill>
           <a:schemeClr val="accent3"/>
         </a:solidFill>
+        <a:effectLst/>
       </p:bgPr>
     </p:bg>
     <p:spTree>
       <p:nvGrpSpPr>
-        <p:cNvPr id="55" name="Shape 55"/>
+        <p:cNvPr id="1" name="Shape 55"/>
         <p:cNvGrpSpPr/>
         <p:nvPr/>
       </p:nvGrpSpPr>
@@ -5337,12 +5410,12 @@
             </a:ln>
           </p:spPr>
           <p:txBody>
-            <a:bodyPr anchorCtr="0" anchor="ctr" bIns="91425" lIns="91425" spcFirstLastPara="1" rIns="91425" wrap="square" tIns="91425">
+            <a:bodyPr spcFirstLastPara="1" wrap="square" lIns="91425" tIns="91425" rIns="91425" bIns="91425" anchor="ctr" anchorCtr="0">
               <a:noAutofit/>
             </a:bodyPr>
             <a:lstStyle/>
             <a:p>
-              <a:pPr indent="0" lvl="0" marL="0" rtl="0" algn="l">
+              <a:pPr marL="0" lvl="0" indent="0" algn="l" rtl="0">
                 <a:spcBef>
                   <a:spcPts val="0"/>
                 </a:spcBef>
@@ -5351,9 +5424,6 @@
                 </a:spcAft>
                 <a:buNone/>
               </a:pPr>
-              <a:r>
-                <a:t/>
-              </a:r>
               <a:endParaRPr/>
             </a:p>
           </p:txBody>
@@ -5380,12 +5450,12 @@
             </a:ln>
           </p:spPr>
           <p:txBody>
-            <a:bodyPr anchorCtr="0" anchor="ctr" bIns="91425" lIns="91425" spcFirstLastPara="1" rIns="91425" wrap="square" tIns="91425">
+            <a:bodyPr spcFirstLastPara="1" wrap="square" lIns="91425" tIns="91425" rIns="91425" bIns="91425" anchor="ctr" anchorCtr="0">
               <a:noAutofit/>
             </a:bodyPr>
             <a:lstStyle/>
             <a:p>
-              <a:pPr indent="0" lvl="0" marL="0" rtl="0" algn="l">
+              <a:pPr marL="0" lvl="0" indent="0" algn="l" rtl="0">
                 <a:spcBef>
                   <a:spcPts val="0"/>
                 </a:spcBef>
@@ -5394,9 +5464,6 @@
                 </a:spcAft>
                 <a:buNone/>
               </a:pPr>
-              <a:r>
-                <a:t/>
-              </a:r>
               <a:endParaRPr/>
             </a:p>
           </p:txBody>
@@ -5405,7 +5472,9 @@
       <p:sp>
         <p:nvSpPr>
           <p:cNvPr id="59" name="Google Shape;59;p8"/>
-          <p:cNvSpPr txBox="1"/>
+          <p:cNvSpPr txBox="1">
+            <a:spLocks noGrp="1"/>
+          </p:cNvSpPr>
           <p:nvPr>
             <p:ph type="title"/>
           </p:nvPr>
@@ -5420,7 +5489,7 @@
           </a:prstGeom>
         </p:spPr>
         <p:txBody>
-          <a:bodyPr anchorCtr="0" anchor="ctr" bIns="91425" lIns="91425" spcFirstLastPara="1" rIns="91425" wrap="square" tIns="91425">
+          <a:bodyPr spcFirstLastPara="1" wrap="square" lIns="91425" tIns="91425" rIns="91425" bIns="91425" anchor="ctr" anchorCtr="0">
             <a:normAutofit/>
           </a:bodyPr>
           <a:lstStyle>
@@ -5587,15 +5656,19 @@
               </a:defRPr>
             </a:lvl9pPr>
           </a:lstStyle>
-          <a:p/>
+          <a:p>
+            <a:endParaRPr/>
+          </a:p>
         </p:txBody>
       </p:sp>
       <p:sp>
         <p:nvSpPr>
           <p:cNvPr id="60" name="Google Shape;60;p8"/>
-          <p:cNvSpPr txBox="1"/>
+          <p:cNvSpPr txBox="1">
+            <a:spLocks noGrp="1"/>
+          </p:cNvSpPr>
           <p:nvPr>
-            <p:ph idx="12" type="sldNum"/>
+            <p:ph type="sldNum" idx="12"/>
           </p:nvPr>
         </p:nvSpPr>
         <p:spPr>
@@ -5608,7 +5681,7 @@
           </a:prstGeom>
         </p:spPr>
         <p:txBody>
-          <a:bodyPr anchorCtr="0" anchor="ctr" bIns="91425" lIns="91425" spcFirstLastPara="1" rIns="91425" wrap="square" tIns="91425">
+          <a:bodyPr spcFirstLastPara="1" wrap="square" lIns="91425" tIns="91425" rIns="91425" bIns="91425" anchor="ctr" anchorCtr="0">
             <a:normAutofit/>
           </a:bodyPr>
           <a:lstStyle>
@@ -5686,7 +5759,7 @@
             </a:lvl9pPr>
           </a:lstStyle>
           <a:p>
-            <a:pPr indent="0" lvl="0" marL="0" rtl="0" algn="r">
+            <a:pPr marL="0" lvl="0" indent="0" algn="r" rtl="0">
               <a:spcBef>
                 <a:spcPts val="0"/>
               </a:spcBef>
@@ -5712,11 +5785,11 @@
 </file>
 
 <file path=ppt/slideLayouts/slideLayout8.xml><?xml version="1.0" encoding="utf-8"?>
-<p:sldLayout xmlns:a="http://schemas.openxmlformats.org/drawingml/2006/main" xmlns:r="http://schemas.openxmlformats.org/officeDocument/2006/relationships" xmlns:mc="http://schemas.openxmlformats.org/markup-compatibility/2006" xmlns:mv="urn:schemas-microsoft-com:mac:vml" xmlns:p="http://schemas.openxmlformats.org/presentationml/2006/main" xmlns:c="http://schemas.openxmlformats.org/drawingml/2006/chart" xmlns:dgm="http://schemas.openxmlformats.org/drawingml/2006/diagram" xmlns:o="urn:schemas-microsoft-com:office:office" xmlns:v="urn:schemas-microsoft-com:vml" xmlns:pvml="urn:schemas-microsoft-com:office:powerpoint" xmlns:com="http://schemas.openxmlformats.org/drawingml/2006/compatibility" xmlns:p14="http://schemas.microsoft.com/office/powerpoint/2010/main" xmlns:p15="http://schemas.microsoft.com/office/powerpoint/2012/main" xmlns:ahyp="http://schemas.microsoft.com/office/drawing/2018/hyperlinkcolor" matchingName="Section title and description">
+<p:sldLayout xmlns:a="http://schemas.openxmlformats.org/drawingml/2006/main" xmlns:r="http://schemas.openxmlformats.org/officeDocument/2006/relationships" xmlns:p="http://schemas.openxmlformats.org/presentationml/2006/main" matchingName="Section title and description">
   <p:cSld name="SECTION_TITLE_AND_DESCRIPTION">
     <p:spTree>
       <p:nvGrpSpPr>
-        <p:cNvPr id="61" name="Shape 61"/>
+        <p:cNvPr id="1" name="Shape 61"/>
         <p:cNvGrpSpPr/>
         <p:nvPr/>
       </p:nvGrpSpPr>
@@ -5750,12 +5823,12 @@
           </a:ln>
         </p:spPr>
         <p:txBody>
-          <a:bodyPr anchorCtr="0" anchor="ctr" bIns="91425" lIns="91425" spcFirstLastPara="1" rIns="91425" wrap="square" tIns="91425">
+          <a:bodyPr spcFirstLastPara="1" wrap="square" lIns="91425" tIns="91425" rIns="91425" bIns="91425" anchor="ctr" anchorCtr="0">
             <a:noAutofit/>
           </a:bodyPr>
           <a:lstStyle/>
           <a:p>
-            <a:pPr indent="0" lvl="0" marL="0" rtl="0" algn="l">
+            <a:pPr marL="0" lvl="0" indent="0" algn="l" rtl="0">
               <a:spcBef>
                 <a:spcPts val="0"/>
               </a:spcBef>
@@ -5764,9 +5837,6 @@
               </a:spcAft>
               <a:buNone/>
             </a:pPr>
-            <a:r>
-              <a:t/>
-            </a:r>
             <a:endParaRPr/>
           </a:p>
         </p:txBody>
@@ -5807,12 +5877,12 @@
             </a:ln>
           </p:spPr>
           <p:txBody>
-            <a:bodyPr anchorCtr="0" anchor="ctr" bIns="91425" lIns="91425" spcFirstLastPara="1" rIns="91425" wrap="square" tIns="91425">
+            <a:bodyPr spcFirstLastPara="1" wrap="square" lIns="91425" tIns="91425" rIns="91425" bIns="91425" anchor="ctr" anchorCtr="0">
               <a:noAutofit/>
             </a:bodyPr>
             <a:lstStyle/>
             <a:p>
-              <a:pPr indent="0" lvl="0" marL="0" rtl="0" algn="l">
+              <a:pPr marL="0" lvl="0" indent="0" algn="l" rtl="0">
                 <a:spcBef>
                   <a:spcPts val="0"/>
                 </a:spcBef>
@@ -5821,9 +5891,6 @@
                 </a:spcAft>
                 <a:buNone/>
               </a:pPr>
-              <a:r>
-                <a:t/>
-              </a:r>
               <a:endParaRPr/>
             </a:p>
           </p:txBody>
@@ -5850,12 +5917,12 @@
             </a:ln>
           </p:spPr>
           <p:txBody>
-            <a:bodyPr anchorCtr="0" anchor="ctr" bIns="91425" lIns="91425" spcFirstLastPara="1" rIns="91425" wrap="square" tIns="91425">
+            <a:bodyPr spcFirstLastPara="1" wrap="square" lIns="91425" tIns="91425" rIns="91425" bIns="91425" anchor="ctr" anchorCtr="0">
               <a:noAutofit/>
             </a:bodyPr>
             <a:lstStyle/>
             <a:p>
-              <a:pPr indent="0" lvl="0" marL="0" rtl="0" algn="l">
+              <a:pPr marL="0" lvl="0" indent="0" algn="l" rtl="0">
                 <a:spcBef>
                   <a:spcPts val="0"/>
                 </a:spcBef>
@@ -5864,9 +5931,6 @@
                 </a:spcAft>
                 <a:buNone/>
               </a:pPr>
-              <a:r>
-                <a:t/>
-              </a:r>
               <a:endParaRPr/>
             </a:p>
           </p:txBody>
@@ -5875,7 +5939,9 @@
       <p:sp>
         <p:nvSpPr>
           <p:cNvPr id="66" name="Google Shape;66;p9"/>
-          <p:cNvSpPr txBox="1"/>
+          <p:cNvSpPr txBox="1">
+            <a:spLocks noGrp="1"/>
+          </p:cNvSpPr>
           <p:nvPr>
             <p:ph type="title"/>
           </p:nvPr>
@@ -5890,7 +5956,7 @@
           </a:prstGeom>
         </p:spPr>
         <p:txBody>
-          <a:bodyPr anchorCtr="0" anchor="t" bIns="91425" lIns="91425" spcFirstLastPara="1" rIns="91425" wrap="square" tIns="91425">
+          <a:bodyPr spcFirstLastPara="1" wrap="square" lIns="91425" tIns="91425" rIns="91425" bIns="91425" anchor="t" anchorCtr="0">
             <a:normAutofit/>
           </a:bodyPr>
           <a:lstStyle>
@@ -5994,15 +6060,19 @@
               <a:defRPr sz="2600"/>
             </a:lvl9pPr>
           </a:lstStyle>
-          <a:p/>
+          <a:p>
+            <a:endParaRPr/>
+          </a:p>
         </p:txBody>
       </p:sp>
       <p:sp>
         <p:nvSpPr>
           <p:cNvPr id="67" name="Google Shape;67;p9"/>
-          <p:cNvSpPr txBox="1"/>
+          <p:cNvSpPr txBox="1">
+            <a:spLocks noGrp="1"/>
+          </p:cNvSpPr>
           <p:nvPr>
-            <p:ph idx="1" type="subTitle"/>
+            <p:ph type="subTitle" idx="1"/>
           </p:nvPr>
         </p:nvSpPr>
         <p:spPr>
@@ -6015,7 +6085,7 @@
           </a:prstGeom>
         </p:spPr>
         <p:txBody>
-          <a:bodyPr anchorCtr="0" anchor="t" bIns="91425" lIns="91425" spcFirstLastPara="1" rIns="91425" wrap="square" tIns="91425">
+          <a:bodyPr spcFirstLastPara="1" wrap="square" lIns="91425" tIns="91425" rIns="91425" bIns="91425" anchor="t" anchorCtr="0">
             <a:normAutofit/>
           </a:bodyPr>
           <a:lstStyle>
@@ -6146,15 +6216,19 @@
               <a:defRPr sz="1600"/>
             </a:lvl9pPr>
           </a:lstStyle>
-          <a:p/>
+          <a:p>
+            <a:endParaRPr/>
+          </a:p>
         </p:txBody>
       </p:sp>
       <p:sp>
         <p:nvSpPr>
           <p:cNvPr id="68" name="Google Shape;68;p9"/>
-          <p:cNvSpPr txBox="1"/>
+          <p:cNvSpPr txBox="1">
+            <a:spLocks noGrp="1"/>
+          </p:cNvSpPr>
           <p:nvPr>
-            <p:ph idx="2" type="body"/>
+            <p:ph type="body" idx="2"/>
           </p:nvPr>
         </p:nvSpPr>
         <p:spPr>
@@ -6167,11 +6241,11 @@
           </a:prstGeom>
         </p:spPr>
         <p:txBody>
-          <a:bodyPr anchorCtr="0" anchor="t" bIns="91425" lIns="91425" spcFirstLastPara="1" rIns="91425" wrap="square" tIns="91425">
+          <a:bodyPr spcFirstLastPara="1" wrap="square" lIns="91425" tIns="91425" rIns="91425" bIns="91425" anchor="t" anchorCtr="0">
             <a:normAutofit/>
           </a:bodyPr>
           <a:lstStyle>
-            <a:lvl1pPr indent="-311150" lvl="0" marL="457200">
+            <a:lvl1pPr marL="457200" lvl="0" indent="-311150">
               <a:spcBef>
                 <a:spcPts val="0"/>
               </a:spcBef>
@@ -6182,7 +6256,7 @@
               <a:buChar char="●"/>
               <a:defRPr/>
             </a:lvl1pPr>
-            <a:lvl2pPr indent="-298450" lvl="1" marL="914400">
+            <a:lvl2pPr marL="914400" lvl="1" indent="-298450">
               <a:spcBef>
                 <a:spcPts val="0"/>
               </a:spcBef>
@@ -6193,7 +6267,7 @@
               <a:buChar char="○"/>
               <a:defRPr/>
             </a:lvl2pPr>
-            <a:lvl3pPr indent="-298450" lvl="2" marL="1371600">
+            <a:lvl3pPr marL="1371600" lvl="2" indent="-298450">
               <a:spcBef>
                 <a:spcPts val="0"/>
               </a:spcBef>
@@ -6204,7 +6278,7 @@
               <a:buChar char="■"/>
               <a:defRPr/>
             </a:lvl3pPr>
-            <a:lvl4pPr indent="-298450" lvl="3" marL="1828800">
+            <a:lvl4pPr marL="1828800" lvl="3" indent="-298450">
               <a:spcBef>
                 <a:spcPts val="0"/>
               </a:spcBef>
@@ -6215,7 +6289,7 @@
               <a:buChar char="●"/>
               <a:defRPr/>
             </a:lvl4pPr>
-            <a:lvl5pPr indent="-298450" lvl="4" marL="2286000">
+            <a:lvl5pPr marL="2286000" lvl="4" indent="-298450">
               <a:spcBef>
                 <a:spcPts val="0"/>
               </a:spcBef>
@@ -6226,7 +6300,7 @@
               <a:buChar char="○"/>
               <a:defRPr/>
             </a:lvl5pPr>
-            <a:lvl6pPr indent="-298450" lvl="5" marL="2743200">
+            <a:lvl6pPr marL="2743200" lvl="5" indent="-298450">
               <a:spcBef>
                 <a:spcPts val="0"/>
               </a:spcBef>
@@ -6237,7 +6311,7 @@
               <a:buChar char="■"/>
               <a:defRPr/>
             </a:lvl6pPr>
-            <a:lvl7pPr indent="-298450" lvl="6" marL="3200400">
+            <a:lvl7pPr marL="3200400" lvl="6" indent="-298450">
               <a:spcBef>
                 <a:spcPts val="0"/>
               </a:spcBef>
@@ -6248,7 +6322,7 @@
               <a:buChar char="●"/>
               <a:defRPr/>
             </a:lvl7pPr>
-            <a:lvl8pPr indent="-298450" lvl="7" marL="3657600">
+            <a:lvl8pPr marL="3657600" lvl="7" indent="-298450">
               <a:spcBef>
                 <a:spcPts val="0"/>
               </a:spcBef>
@@ -6259,7 +6333,7 @@
               <a:buChar char="○"/>
               <a:defRPr/>
             </a:lvl8pPr>
-            <a:lvl9pPr indent="-298450" lvl="8" marL="4114800">
+            <a:lvl9pPr marL="4114800" lvl="8" indent="-298450">
               <a:spcBef>
                 <a:spcPts val="0"/>
               </a:spcBef>
@@ -6271,15 +6345,19 @@
               <a:defRPr/>
             </a:lvl9pPr>
           </a:lstStyle>
-          <a:p/>
+          <a:p>
+            <a:endParaRPr/>
+          </a:p>
         </p:txBody>
       </p:sp>
       <p:sp>
         <p:nvSpPr>
           <p:cNvPr id="69" name="Google Shape;69;p9"/>
-          <p:cNvSpPr txBox="1"/>
+          <p:cNvSpPr txBox="1">
+            <a:spLocks noGrp="1"/>
+          </p:cNvSpPr>
           <p:nvPr>
-            <p:ph idx="12" type="sldNum"/>
+            <p:ph type="sldNum" idx="12"/>
           </p:nvPr>
         </p:nvSpPr>
         <p:spPr>
@@ -6292,7 +6370,7 @@
           </a:prstGeom>
         </p:spPr>
         <p:txBody>
-          <a:bodyPr anchorCtr="0" anchor="ctr" bIns="91425" lIns="91425" spcFirstLastPara="1" rIns="91425" wrap="square" tIns="91425">
+          <a:bodyPr spcFirstLastPara="1" wrap="square" lIns="91425" tIns="91425" rIns="91425" bIns="91425" anchor="ctr" anchorCtr="0">
             <a:normAutofit/>
           </a:bodyPr>
           <a:lstStyle>
@@ -6334,7 +6412,7 @@
             </a:lvl9pPr>
           </a:lstStyle>
           <a:p>
-            <a:pPr indent="0" lvl="0" marL="0" rtl="0" algn="r">
+            <a:pPr marL="0" lvl="0" indent="0" algn="r" rtl="0">
               <a:spcBef>
                 <a:spcPts val="0"/>
               </a:spcBef>
@@ -6360,11 +6438,11 @@
 </file>
 
 <file path=ppt/slideLayouts/slideLayout9.xml><?xml version="1.0" encoding="utf-8"?>
-<p:sldLayout xmlns:a="http://schemas.openxmlformats.org/drawingml/2006/main" xmlns:r="http://schemas.openxmlformats.org/officeDocument/2006/relationships" xmlns:mc="http://schemas.openxmlformats.org/markup-compatibility/2006" xmlns:mv="urn:schemas-microsoft-com:mac:vml" xmlns:p="http://schemas.openxmlformats.org/presentationml/2006/main" xmlns:c="http://schemas.openxmlformats.org/drawingml/2006/chart" xmlns:dgm="http://schemas.openxmlformats.org/drawingml/2006/diagram" xmlns:o="urn:schemas-microsoft-com:office:office" xmlns:v="urn:schemas-microsoft-com:vml" xmlns:pvml="urn:schemas-microsoft-com:office:powerpoint" xmlns:com="http://schemas.openxmlformats.org/drawingml/2006/compatibility" xmlns:p14="http://schemas.microsoft.com/office/powerpoint/2010/main" xmlns:p15="http://schemas.microsoft.com/office/powerpoint/2012/main" xmlns:ahyp="http://schemas.microsoft.com/office/drawing/2018/hyperlinkcolor" matchingName="Caption">
+<p:sldLayout xmlns:a="http://schemas.openxmlformats.org/drawingml/2006/main" xmlns:r="http://schemas.openxmlformats.org/officeDocument/2006/relationships" xmlns:p="http://schemas.openxmlformats.org/presentationml/2006/main" matchingName="Caption">
   <p:cSld name="CAPTION_ONLY">
     <p:spTree>
       <p:nvGrpSpPr>
-        <p:cNvPr id="70" name="Shape 70"/>
+        <p:cNvPr id="1" name="Shape 70"/>
         <p:cNvGrpSpPr/>
         <p:nvPr/>
       </p:nvGrpSpPr>
@@ -6379,9 +6457,11 @@
       <p:sp>
         <p:nvSpPr>
           <p:cNvPr id="71" name="Google Shape;71;p10"/>
-          <p:cNvSpPr txBox="1"/>
+          <p:cNvSpPr txBox="1">
+            <a:spLocks noGrp="1"/>
+          </p:cNvSpPr>
           <p:nvPr>
-            <p:ph idx="1" type="body"/>
+            <p:ph type="body" idx="1"/>
           </p:nvPr>
         </p:nvSpPr>
         <p:spPr>
@@ -6394,11 +6474,11 @@
           </a:prstGeom>
         </p:spPr>
         <p:txBody>
-          <a:bodyPr anchorCtr="0" anchor="ctr" bIns="91425" lIns="91425" spcFirstLastPara="1" rIns="91425" wrap="square" tIns="91425">
+          <a:bodyPr spcFirstLastPara="1" wrap="square" lIns="91425" tIns="91425" rIns="91425" bIns="91425" anchor="ctr" anchorCtr="0">
             <a:normAutofit/>
           </a:bodyPr>
           <a:lstStyle>
-            <a:lvl1pPr indent="-228600" lvl="0" marL="457200">
+            <a:lvl1pPr marL="457200" lvl="0" indent="-228600">
               <a:lnSpc>
                 <a:spcPct val="100000"/>
               </a:lnSpc>
@@ -6413,15 +6493,19 @@
               <a:defRPr/>
             </a:lvl1pPr>
           </a:lstStyle>
-          <a:p/>
+          <a:p>
+            <a:endParaRPr/>
+          </a:p>
         </p:txBody>
       </p:sp>
       <p:sp>
         <p:nvSpPr>
           <p:cNvPr id="72" name="Google Shape;72;p10"/>
-          <p:cNvSpPr txBox="1"/>
+          <p:cNvSpPr txBox="1">
+            <a:spLocks noGrp="1"/>
+          </p:cNvSpPr>
           <p:nvPr>
-            <p:ph idx="12" type="sldNum"/>
+            <p:ph type="sldNum" idx="12"/>
           </p:nvPr>
         </p:nvSpPr>
         <p:spPr>
@@ -6434,7 +6518,7 @@
           </a:prstGeom>
         </p:spPr>
         <p:txBody>
-          <a:bodyPr anchorCtr="0" anchor="ctr" bIns="91425" lIns="91425" spcFirstLastPara="1" rIns="91425" wrap="square" tIns="91425">
+          <a:bodyPr spcFirstLastPara="1" wrap="square" lIns="91425" tIns="91425" rIns="91425" bIns="91425" anchor="ctr" anchorCtr="0">
             <a:normAutofit/>
           </a:bodyPr>
           <a:lstStyle>
@@ -6476,7 +6560,7 @@
             </a:lvl9pPr>
           </a:lstStyle>
           <a:p>
-            <a:pPr indent="0" lvl="0" marL="0" rtl="0" algn="r">
+            <a:pPr marL="0" lvl="0" indent="0" algn="r" rtl="0">
               <a:spcBef>
                 <a:spcPts val="0"/>
               </a:spcBef>
@@ -6502,18 +6586,19 @@
 </file>
 
 <file path=ppt/slideMasters/slideMaster1.xml><?xml version="1.0" encoding="utf-8"?>
-<p:sldMaster xmlns:a="http://schemas.openxmlformats.org/drawingml/2006/main" xmlns:r="http://schemas.openxmlformats.org/officeDocument/2006/relationships" xmlns:mc="http://schemas.openxmlformats.org/markup-compatibility/2006" xmlns:mv="urn:schemas-microsoft-com:mac:vml" xmlns:p="http://schemas.openxmlformats.org/presentationml/2006/main" xmlns:c="http://schemas.openxmlformats.org/drawingml/2006/chart" xmlns:dgm="http://schemas.openxmlformats.org/drawingml/2006/diagram" xmlns:o="urn:schemas-microsoft-com:office:office" xmlns:v="urn:schemas-microsoft-com:vml" xmlns:pvml="urn:schemas-microsoft-com:office:powerpoint" xmlns:com="http://schemas.openxmlformats.org/drawingml/2006/compatibility" xmlns:p14="http://schemas.microsoft.com/office/powerpoint/2010/main" xmlns:p15="http://schemas.microsoft.com/office/powerpoint/2012/main" xmlns:ahyp="http://schemas.microsoft.com/office/drawing/2018/hyperlinkcolor">
+<p:sldMaster xmlns:a="http://schemas.openxmlformats.org/drawingml/2006/main" xmlns:r="http://schemas.openxmlformats.org/officeDocument/2006/relationships" xmlns:p="http://schemas.openxmlformats.org/presentationml/2006/main">
   <p:cSld name="streamline">
     <p:bg>
       <p:bgPr>
         <a:solidFill>
           <a:schemeClr val="lt1"/>
         </a:solidFill>
+        <a:effectLst/>
       </p:bgPr>
     </p:bg>
     <p:spTree>
       <p:nvGrpSpPr>
-        <p:cNvPr id="5" name="Shape 5"/>
+        <p:cNvPr id="1" name="Shape 5"/>
         <p:cNvGrpSpPr/>
         <p:nvPr/>
       </p:nvGrpSpPr>
@@ -6528,7 +6613,9 @@
       <p:sp>
         <p:nvSpPr>
           <p:cNvPr id="6" name="Google Shape;6;p1"/>
-          <p:cNvSpPr txBox="1"/>
+          <p:cNvSpPr txBox="1">
+            <a:spLocks noGrp="1"/>
+          </p:cNvSpPr>
           <p:nvPr>
             <p:ph type="title"/>
           </p:nvPr>
@@ -6547,7 +6634,7 @@
           </a:ln>
         </p:spPr>
         <p:txBody>
-          <a:bodyPr anchorCtr="0" anchor="t" bIns="91425" lIns="91425" spcFirstLastPara="1" rIns="91425" wrap="square" tIns="91425">
+          <a:bodyPr spcFirstLastPara="1" wrap="square" lIns="91425" tIns="91425" rIns="91425" bIns="91425" anchor="t" anchorCtr="0">
             <a:normAutofit/>
           </a:bodyPr>
           <a:lstStyle>
@@ -6564,7 +6651,7 @@
               <a:buSzPts val="2800"/>
               <a:buFont typeface="Raleway"/>
               <a:buNone/>
-              <a:defRPr b="1" sz="2800">
+              <a:defRPr sz="2800" b="1">
                 <a:solidFill>
                   <a:schemeClr val="dk2"/>
                 </a:solidFill>
@@ -6587,7 +6674,7 @@
               <a:buSzPts val="2800"/>
               <a:buFont typeface="Raleway"/>
               <a:buNone/>
-              <a:defRPr b="1" sz="2800">
+              <a:defRPr sz="2800" b="1">
                 <a:solidFill>
                   <a:schemeClr val="dk2"/>
                 </a:solidFill>
@@ -6610,7 +6697,7 @@
               <a:buSzPts val="2800"/>
               <a:buFont typeface="Raleway"/>
               <a:buNone/>
-              <a:defRPr b="1" sz="2800">
+              <a:defRPr sz="2800" b="1">
                 <a:solidFill>
                   <a:schemeClr val="dk2"/>
                 </a:solidFill>
@@ -6633,7 +6720,7 @@
               <a:buSzPts val="2800"/>
               <a:buFont typeface="Raleway"/>
               <a:buNone/>
-              <a:defRPr b="1" sz="2800">
+              <a:defRPr sz="2800" b="1">
                 <a:solidFill>
                   <a:schemeClr val="dk2"/>
                 </a:solidFill>
@@ -6656,7 +6743,7 @@
               <a:buSzPts val="2800"/>
               <a:buFont typeface="Raleway"/>
               <a:buNone/>
-              <a:defRPr b="1" sz="2800">
+              <a:defRPr sz="2800" b="1">
                 <a:solidFill>
                   <a:schemeClr val="dk2"/>
                 </a:solidFill>
@@ -6679,7 +6766,7 @@
               <a:buSzPts val="2800"/>
               <a:buFont typeface="Raleway"/>
               <a:buNone/>
-              <a:defRPr b="1" sz="2800">
+              <a:defRPr sz="2800" b="1">
                 <a:solidFill>
                   <a:schemeClr val="dk2"/>
                 </a:solidFill>
@@ -6702,7 +6789,7 @@
               <a:buSzPts val="2800"/>
               <a:buFont typeface="Raleway"/>
               <a:buNone/>
-              <a:defRPr b="1" sz="2800">
+              <a:defRPr sz="2800" b="1">
                 <a:solidFill>
                   <a:schemeClr val="dk2"/>
                 </a:solidFill>
@@ -6725,7 +6812,7 @@
               <a:buSzPts val="2800"/>
               <a:buFont typeface="Raleway"/>
               <a:buNone/>
-              <a:defRPr b="1" sz="2800">
+              <a:defRPr sz="2800" b="1">
                 <a:solidFill>
                   <a:schemeClr val="dk2"/>
                 </a:solidFill>
@@ -6748,7 +6835,7 @@
               <a:buSzPts val="2800"/>
               <a:buFont typeface="Raleway"/>
               <a:buNone/>
-              <a:defRPr b="1" sz="2800">
+              <a:defRPr sz="2800" b="1">
                 <a:solidFill>
                   <a:schemeClr val="dk2"/>
                 </a:solidFill>
@@ -6759,15 +6846,19 @@
               </a:defRPr>
             </a:lvl9pPr>
           </a:lstStyle>
-          <a:p/>
+          <a:p>
+            <a:endParaRPr/>
+          </a:p>
         </p:txBody>
       </p:sp>
       <p:sp>
         <p:nvSpPr>
           <p:cNvPr id="7" name="Google Shape;7;p1"/>
-          <p:cNvSpPr txBox="1"/>
+          <p:cNvSpPr txBox="1">
+            <a:spLocks noGrp="1"/>
+          </p:cNvSpPr>
           <p:nvPr>
-            <p:ph idx="1" type="body"/>
+            <p:ph type="body" idx="1"/>
           </p:nvPr>
         </p:nvSpPr>
         <p:spPr>
@@ -6784,11 +6875,11 @@
           </a:ln>
         </p:spPr>
         <p:txBody>
-          <a:bodyPr anchorCtr="0" anchor="t" bIns="91425" lIns="91425" spcFirstLastPara="1" rIns="91425" wrap="square" tIns="91425">
+          <a:bodyPr spcFirstLastPara="1" wrap="square" lIns="91425" tIns="91425" rIns="91425" bIns="91425" anchor="t" anchorCtr="0">
             <a:normAutofit/>
           </a:bodyPr>
           <a:lstStyle>
-            <a:lvl1pPr indent="-311150" lvl="0" marL="457200">
+            <a:lvl1pPr marL="457200" lvl="0" indent="-311150">
               <a:lnSpc>
                 <a:spcPct val="115000"/>
               </a:lnSpc>
@@ -6814,7 +6905,7 @@
                 <a:sym typeface="Lato"/>
               </a:defRPr>
             </a:lvl1pPr>
-            <a:lvl2pPr indent="-298450" lvl="1" marL="914400">
+            <a:lvl2pPr marL="914400" lvl="1" indent="-298450">
               <a:lnSpc>
                 <a:spcPct val="115000"/>
               </a:lnSpc>
@@ -6840,7 +6931,7 @@
                 <a:sym typeface="Lato"/>
               </a:defRPr>
             </a:lvl2pPr>
-            <a:lvl3pPr indent="-298450" lvl="2" marL="1371600">
+            <a:lvl3pPr marL="1371600" lvl="2" indent="-298450">
               <a:lnSpc>
                 <a:spcPct val="115000"/>
               </a:lnSpc>
@@ -6866,7 +6957,7 @@
                 <a:sym typeface="Lato"/>
               </a:defRPr>
             </a:lvl3pPr>
-            <a:lvl4pPr indent="-298450" lvl="3" marL="1828800">
+            <a:lvl4pPr marL="1828800" lvl="3" indent="-298450">
               <a:lnSpc>
                 <a:spcPct val="115000"/>
               </a:lnSpc>
@@ -6892,7 +6983,7 @@
                 <a:sym typeface="Lato"/>
               </a:defRPr>
             </a:lvl4pPr>
-            <a:lvl5pPr indent="-298450" lvl="4" marL="2286000">
+            <a:lvl5pPr marL="2286000" lvl="4" indent="-298450">
               <a:lnSpc>
                 <a:spcPct val="115000"/>
               </a:lnSpc>
@@ -6918,7 +7009,7 @@
                 <a:sym typeface="Lato"/>
               </a:defRPr>
             </a:lvl5pPr>
-            <a:lvl6pPr indent="-298450" lvl="5" marL="2743200">
+            <a:lvl6pPr marL="2743200" lvl="5" indent="-298450">
               <a:lnSpc>
                 <a:spcPct val="115000"/>
               </a:lnSpc>
@@ -6944,7 +7035,7 @@
                 <a:sym typeface="Lato"/>
               </a:defRPr>
             </a:lvl6pPr>
-            <a:lvl7pPr indent="-298450" lvl="6" marL="3200400">
+            <a:lvl7pPr marL="3200400" lvl="6" indent="-298450">
               <a:lnSpc>
                 <a:spcPct val="115000"/>
               </a:lnSpc>
@@ -6970,7 +7061,7 @@
                 <a:sym typeface="Lato"/>
               </a:defRPr>
             </a:lvl7pPr>
-            <a:lvl8pPr indent="-298450" lvl="7" marL="3657600">
+            <a:lvl8pPr marL="3657600" lvl="7" indent="-298450">
               <a:lnSpc>
                 <a:spcPct val="115000"/>
               </a:lnSpc>
@@ -6996,7 +7087,7 @@
                 <a:sym typeface="Lato"/>
               </a:defRPr>
             </a:lvl8pPr>
-            <a:lvl9pPr indent="-298450" lvl="8" marL="4114800">
+            <a:lvl9pPr marL="4114800" lvl="8" indent="-298450">
               <a:lnSpc>
                 <a:spcPct val="115000"/>
               </a:lnSpc>
@@ -7023,15 +7114,19 @@
               </a:defRPr>
             </a:lvl9pPr>
           </a:lstStyle>
-          <a:p/>
+          <a:p>
+            <a:endParaRPr/>
+          </a:p>
         </p:txBody>
       </p:sp>
       <p:sp>
         <p:nvSpPr>
           <p:cNvPr id="8" name="Google Shape;8;p1"/>
-          <p:cNvSpPr txBox="1"/>
+          <p:cNvSpPr txBox="1">
+            <a:spLocks noGrp="1"/>
+          </p:cNvSpPr>
           <p:nvPr>
-            <p:ph idx="12" type="sldNum"/>
+            <p:ph type="sldNum" idx="12"/>
           </p:nvPr>
         </p:nvSpPr>
         <p:spPr>
@@ -7048,7 +7143,7 @@
           </a:ln>
         </p:spPr>
         <p:txBody>
-          <a:bodyPr anchorCtr="0" anchor="ctr" bIns="91425" lIns="91425" spcFirstLastPara="1" rIns="91425" wrap="square" tIns="91425">
+          <a:bodyPr spcFirstLastPara="1" wrap="square" lIns="91425" tIns="91425" rIns="91425" bIns="91425" anchor="ctr" anchorCtr="0">
             <a:normAutofit/>
           </a:bodyPr>
           <a:lstStyle>
@@ -7162,7 +7257,7 @@
             </a:lvl9pPr>
           </a:lstStyle>
           <a:p>
-            <a:pPr indent="0" lvl="0" marL="0" rtl="0" algn="r">
+            <a:pPr marL="0" lvl="0" indent="0" algn="r" rtl="0">
               <a:spcBef>
                 <a:spcPts val="0"/>
               </a:spcBef>
@@ -7181,7 +7276,7 @@
       </p:sp>
     </p:spTree>
   </p:cSld>
-  <p:clrMap accent1="accent1" accent2="accent2" accent3="accent3" accent4="accent4" accent5="accent5" accent6="accent6" bg1="lt1" bg2="dk2" tx1="dk1" tx2="lt2" folHlink="folHlink" hlink="hlink"/>
+  <p:clrMap bg1="lt1" tx1="dk1" bg2="dk2" tx2="lt2" accent1="accent1" accent2="accent2" accent3="accent3" accent4="accent4" accent5="accent5" accent6="accent6" hlink="hlink" folHlink="folHlink"/>
   <p:sldLayoutIdLst>
     <p:sldLayoutId id="2147483648" r:id="rId1"/>
     <p:sldLayoutId id="2147483649" r:id="rId2"/>
@@ -7195,10 +7290,10 @@
     <p:sldLayoutId id="2147483657" r:id="rId10"/>
     <p:sldLayoutId id="2147483658" r:id="rId11"/>
   </p:sldLayoutIdLst>
-  <p:hf dt="0" ftr="0" hdr="0" sldNum="0"/>
+  <p:hf sldNum="0" hdr="0" ftr="0" dt="0"/>
   <p:txStyles>
     <p:titleStyle>
-      <a:defPPr lvl="0" marR="0" rtl="0" algn="l">
+      <a:defPPr marR="0" lvl="0" algn="l" rtl="0">
         <a:lnSpc>
           <a:spcPct val="100000"/>
         </a:lnSpc>
@@ -7209,7 +7304,7 @@
           <a:spcPts val="0"/>
         </a:spcAft>
       </a:defPPr>
-      <a:lvl1pPr lvl="0" marR="0" rtl="0" algn="l">
+      <a:lvl1pPr marR="0" lvl="0" algn="l" rtl="0">
         <a:lnSpc>
           <a:spcPct val="100000"/>
         </a:lnSpc>
@@ -7223,7 +7318,7 @@
           <a:srgbClr val="000000"/>
         </a:buClr>
         <a:buFont typeface="Arial"/>
-        <a:defRPr b="0" i="0" sz="1400" u="none" cap="none" strike="noStrike">
+        <a:defRPr sz="1400" b="0" i="0" u="none" strike="noStrike" cap="none">
           <a:solidFill>
             <a:srgbClr val="000000"/>
           </a:solidFill>
@@ -7233,7 +7328,7 @@
           <a:sym typeface="Arial"/>
         </a:defRPr>
       </a:lvl1pPr>
-      <a:lvl2pPr lvl="1" marR="0" rtl="0" algn="l">
+      <a:lvl2pPr marR="0" lvl="1" algn="l" rtl="0">
         <a:lnSpc>
           <a:spcPct val="100000"/>
         </a:lnSpc>
@@ -7247,7 +7342,7 @@
           <a:srgbClr val="000000"/>
         </a:buClr>
         <a:buFont typeface="Arial"/>
-        <a:defRPr b="0" i="0" sz="1400" u="none" cap="none" strike="noStrike">
+        <a:defRPr sz="1400" b="0" i="0" u="none" strike="noStrike" cap="none">
           <a:solidFill>
             <a:srgbClr val="000000"/>
           </a:solidFill>
@@ -7257,7 +7352,7 @@
           <a:sym typeface="Arial"/>
         </a:defRPr>
       </a:lvl2pPr>
-      <a:lvl3pPr lvl="2" marR="0" rtl="0" algn="l">
+      <a:lvl3pPr marR="0" lvl="2" algn="l" rtl="0">
         <a:lnSpc>
           <a:spcPct val="100000"/>
         </a:lnSpc>
@@ -7271,7 +7366,7 @@
           <a:srgbClr val="000000"/>
         </a:buClr>
         <a:buFont typeface="Arial"/>
-        <a:defRPr b="0" i="0" sz="1400" u="none" cap="none" strike="noStrike">
+        <a:defRPr sz="1400" b="0" i="0" u="none" strike="noStrike" cap="none">
           <a:solidFill>
             <a:srgbClr val="000000"/>
           </a:solidFill>
@@ -7281,7 +7376,7 @@
           <a:sym typeface="Arial"/>
         </a:defRPr>
       </a:lvl3pPr>
-      <a:lvl4pPr lvl="3" marR="0" rtl="0" algn="l">
+      <a:lvl4pPr marR="0" lvl="3" algn="l" rtl="0">
         <a:lnSpc>
           <a:spcPct val="100000"/>
         </a:lnSpc>
@@ -7295,7 +7390,7 @@
           <a:srgbClr val="000000"/>
         </a:buClr>
         <a:buFont typeface="Arial"/>
-        <a:defRPr b="0" i="0" sz="1400" u="none" cap="none" strike="noStrike">
+        <a:defRPr sz="1400" b="0" i="0" u="none" strike="noStrike" cap="none">
           <a:solidFill>
             <a:srgbClr val="000000"/>
           </a:solidFill>
@@ -7305,7 +7400,7 @@
           <a:sym typeface="Arial"/>
         </a:defRPr>
       </a:lvl4pPr>
-      <a:lvl5pPr lvl="4" marR="0" rtl="0" algn="l">
+      <a:lvl5pPr marR="0" lvl="4" algn="l" rtl="0">
         <a:lnSpc>
           <a:spcPct val="100000"/>
         </a:lnSpc>
@@ -7319,7 +7414,7 @@
           <a:srgbClr val="000000"/>
         </a:buClr>
         <a:buFont typeface="Arial"/>
-        <a:defRPr b="0" i="0" sz="1400" u="none" cap="none" strike="noStrike">
+        <a:defRPr sz="1400" b="0" i="0" u="none" strike="noStrike" cap="none">
           <a:solidFill>
             <a:srgbClr val="000000"/>
           </a:solidFill>
@@ -7329,7 +7424,7 @@
           <a:sym typeface="Arial"/>
         </a:defRPr>
       </a:lvl5pPr>
-      <a:lvl6pPr lvl="5" marR="0" rtl="0" algn="l">
+      <a:lvl6pPr marR="0" lvl="5" algn="l" rtl="0">
         <a:lnSpc>
           <a:spcPct val="100000"/>
         </a:lnSpc>
@@ -7343,7 +7438,7 @@
           <a:srgbClr val="000000"/>
         </a:buClr>
         <a:buFont typeface="Arial"/>
-        <a:defRPr b="0" i="0" sz="1400" u="none" cap="none" strike="noStrike">
+        <a:defRPr sz="1400" b="0" i="0" u="none" strike="noStrike" cap="none">
           <a:solidFill>
             <a:srgbClr val="000000"/>
           </a:solidFill>
@@ -7353,7 +7448,7 @@
           <a:sym typeface="Arial"/>
         </a:defRPr>
       </a:lvl6pPr>
-      <a:lvl7pPr lvl="6" marR="0" rtl="0" algn="l">
+      <a:lvl7pPr marR="0" lvl="6" algn="l" rtl="0">
         <a:lnSpc>
           <a:spcPct val="100000"/>
         </a:lnSpc>
@@ -7367,7 +7462,7 @@
           <a:srgbClr val="000000"/>
         </a:buClr>
         <a:buFont typeface="Arial"/>
-        <a:defRPr b="0" i="0" sz="1400" u="none" cap="none" strike="noStrike">
+        <a:defRPr sz="1400" b="0" i="0" u="none" strike="noStrike" cap="none">
           <a:solidFill>
             <a:srgbClr val="000000"/>
           </a:solidFill>
@@ -7377,7 +7472,7 @@
           <a:sym typeface="Arial"/>
         </a:defRPr>
       </a:lvl7pPr>
-      <a:lvl8pPr lvl="7" marR="0" rtl="0" algn="l">
+      <a:lvl8pPr marR="0" lvl="7" algn="l" rtl="0">
         <a:lnSpc>
           <a:spcPct val="100000"/>
         </a:lnSpc>
@@ -7391,7 +7486,7 @@
           <a:srgbClr val="000000"/>
         </a:buClr>
         <a:buFont typeface="Arial"/>
-        <a:defRPr b="0" i="0" sz="1400" u="none" cap="none" strike="noStrike">
+        <a:defRPr sz="1400" b="0" i="0" u="none" strike="noStrike" cap="none">
           <a:solidFill>
             <a:srgbClr val="000000"/>
           </a:solidFill>
@@ -7401,7 +7496,7 @@
           <a:sym typeface="Arial"/>
         </a:defRPr>
       </a:lvl8pPr>
-      <a:lvl9pPr lvl="8" marR="0" rtl="0" algn="l">
+      <a:lvl9pPr marR="0" lvl="8" algn="l" rtl="0">
         <a:lnSpc>
           <a:spcPct val="100000"/>
         </a:lnSpc>
@@ -7415,7 +7510,7 @@
           <a:srgbClr val="000000"/>
         </a:buClr>
         <a:buFont typeface="Arial"/>
-        <a:defRPr b="0" i="0" sz="1400" u="none" cap="none" strike="noStrike">
+        <a:defRPr sz="1400" b="0" i="0" u="none" strike="noStrike" cap="none">
           <a:solidFill>
             <a:srgbClr val="000000"/>
           </a:solidFill>
@@ -7427,7 +7522,7 @@
       </a:lvl9pPr>
     </p:titleStyle>
     <p:bodyStyle>
-      <a:defPPr lvl="0" marR="0" rtl="0" algn="l">
+      <a:defPPr marR="0" lvl="0" algn="l" rtl="0">
         <a:lnSpc>
           <a:spcPct val="100000"/>
         </a:lnSpc>
@@ -7438,7 +7533,7 @@
           <a:spcPts val="0"/>
         </a:spcAft>
       </a:defPPr>
-      <a:lvl1pPr lvl="0" marR="0" rtl="0" algn="l">
+      <a:lvl1pPr marR="0" lvl="0" algn="l" rtl="0">
         <a:lnSpc>
           <a:spcPct val="100000"/>
         </a:lnSpc>
@@ -7452,7 +7547,7 @@
           <a:srgbClr val="000000"/>
         </a:buClr>
         <a:buFont typeface="Arial"/>
-        <a:defRPr b="0" i="0" sz="1400" u="none" cap="none" strike="noStrike">
+        <a:defRPr sz="1400" b="0" i="0" u="none" strike="noStrike" cap="none">
           <a:solidFill>
             <a:srgbClr val="000000"/>
           </a:solidFill>
@@ -7462,7 +7557,7 @@
           <a:sym typeface="Arial"/>
         </a:defRPr>
       </a:lvl1pPr>
-      <a:lvl2pPr lvl="1" marR="0" rtl="0" algn="l">
+      <a:lvl2pPr marR="0" lvl="1" algn="l" rtl="0">
         <a:lnSpc>
           <a:spcPct val="100000"/>
         </a:lnSpc>
@@ -7476,7 +7571,7 @@
           <a:srgbClr val="000000"/>
         </a:buClr>
         <a:buFont typeface="Arial"/>
-        <a:defRPr b="0" i="0" sz="1400" u="none" cap="none" strike="noStrike">
+        <a:defRPr sz="1400" b="0" i="0" u="none" strike="noStrike" cap="none">
           <a:solidFill>
             <a:srgbClr val="000000"/>
           </a:solidFill>
@@ -7486,7 +7581,7 @@
           <a:sym typeface="Arial"/>
         </a:defRPr>
       </a:lvl2pPr>
-      <a:lvl3pPr lvl="2" marR="0" rtl="0" algn="l">
+      <a:lvl3pPr marR="0" lvl="2" algn="l" rtl="0">
         <a:lnSpc>
           <a:spcPct val="100000"/>
         </a:lnSpc>
@@ -7500,7 +7595,7 @@
           <a:srgbClr val="000000"/>
         </a:buClr>
         <a:buFont typeface="Arial"/>
-        <a:defRPr b="0" i="0" sz="1400" u="none" cap="none" strike="noStrike">
+        <a:defRPr sz="1400" b="0" i="0" u="none" strike="noStrike" cap="none">
           <a:solidFill>
             <a:srgbClr val="000000"/>
           </a:solidFill>
@@ -7510,7 +7605,7 @@
           <a:sym typeface="Arial"/>
         </a:defRPr>
       </a:lvl3pPr>
-      <a:lvl4pPr lvl="3" marR="0" rtl="0" algn="l">
+      <a:lvl4pPr marR="0" lvl="3" algn="l" rtl="0">
         <a:lnSpc>
           <a:spcPct val="100000"/>
         </a:lnSpc>
@@ -7524,7 +7619,7 @@
           <a:srgbClr val="000000"/>
         </a:buClr>
         <a:buFont typeface="Arial"/>
-        <a:defRPr b="0" i="0" sz="1400" u="none" cap="none" strike="noStrike">
+        <a:defRPr sz="1400" b="0" i="0" u="none" strike="noStrike" cap="none">
           <a:solidFill>
             <a:srgbClr val="000000"/>
           </a:solidFill>
@@ -7534,7 +7629,7 @@
           <a:sym typeface="Arial"/>
         </a:defRPr>
       </a:lvl4pPr>
-      <a:lvl5pPr lvl="4" marR="0" rtl="0" algn="l">
+      <a:lvl5pPr marR="0" lvl="4" algn="l" rtl="0">
         <a:lnSpc>
           <a:spcPct val="100000"/>
         </a:lnSpc>
@@ -7548,7 +7643,7 @@
           <a:srgbClr val="000000"/>
         </a:buClr>
         <a:buFont typeface="Arial"/>
-        <a:defRPr b="0" i="0" sz="1400" u="none" cap="none" strike="noStrike">
+        <a:defRPr sz="1400" b="0" i="0" u="none" strike="noStrike" cap="none">
           <a:solidFill>
             <a:srgbClr val="000000"/>
           </a:solidFill>
@@ -7558,7 +7653,7 @@
           <a:sym typeface="Arial"/>
         </a:defRPr>
       </a:lvl5pPr>
-      <a:lvl6pPr lvl="5" marR="0" rtl="0" algn="l">
+      <a:lvl6pPr marR="0" lvl="5" algn="l" rtl="0">
         <a:lnSpc>
           <a:spcPct val="100000"/>
         </a:lnSpc>
@@ -7572,7 +7667,7 @@
           <a:srgbClr val="000000"/>
         </a:buClr>
         <a:buFont typeface="Arial"/>
-        <a:defRPr b="0" i="0" sz="1400" u="none" cap="none" strike="noStrike">
+        <a:defRPr sz="1400" b="0" i="0" u="none" strike="noStrike" cap="none">
           <a:solidFill>
             <a:srgbClr val="000000"/>
           </a:solidFill>
@@ -7582,7 +7677,7 @@
           <a:sym typeface="Arial"/>
         </a:defRPr>
       </a:lvl6pPr>
-      <a:lvl7pPr lvl="6" marR="0" rtl="0" algn="l">
+      <a:lvl7pPr marR="0" lvl="6" algn="l" rtl="0">
         <a:lnSpc>
           <a:spcPct val="100000"/>
         </a:lnSpc>
@@ -7596,7 +7691,7 @@
           <a:srgbClr val="000000"/>
         </a:buClr>
         <a:buFont typeface="Arial"/>
-        <a:defRPr b="0" i="0" sz="1400" u="none" cap="none" strike="noStrike">
+        <a:defRPr sz="1400" b="0" i="0" u="none" strike="noStrike" cap="none">
           <a:solidFill>
             <a:srgbClr val="000000"/>
           </a:solidFill>
@@ -7606,7 +7701,7 @@
           <a:sym typeface="Arial"/>
         </a:defRPr>
       </a:lvl7pPr>
-      <a:lvl8pPr lvl="7" marR="0" rtl="0" algn="l">
+      <a:lvl8pPr marR="0" lvl="7" algn="l" rtl="0">
         <a:lnSpc>
           <a:spcPct val="100000"/>
         </a:lnSpc>
@@ -7620,7 +7715,7 @@
           <a:srgbClr val="000000"/>
         </a:buClr>
         <a:buFont typeface="Arial"/>
-        <a:defRPr b="0" i="0" sz="1400" u="none" cap="none" strike="noStrike">
+        <a:defRPr sz="1400" b="0" i="0" u="none" strike="noStrike" cap="none">
           <a:solidFill>
             <a:srgbClr val="000000"/>
           </a:solidFill>
@@ -7630,7 +7725,7 @@
           <a:sym typeface="Arial"/>
         </a:defRPr>
       </a:lvl8pPr>
-      <a:lvl9pPr lvl="8" marR="0" rtl="0" algn="l">
+      <a:lvl9pPr marR="0" lvl="8" algn="l" rtl="0">
         <a:lnSpc>
           <a:spcPct val="100000"/>
         </a:lnSpc>
@@ -7644,7 +7739,7 @@
           <a:srgbClr val="000000"/>
         </a:buClr>
         <a:buFont typeface="Arial"/>
-        <a:defRPr b="0" i="0" sz="1400" u="none" cap="none" strike="noStrike">
+        <a:defRPr sz="1400" b="0" i="0" u="none" strike="noStrike" cap="none">
           <a:solidFill>
             <a:srgbClr val="000000"/>
           </a:solidFill>
@@ -7656,7 +7751,7 @@
       </a:lvl9pPr>
     </p:bodyStyle>
     <p:otherStyle>
-      <a:defPPr lvl="0" marR="0" rtl="0" algn="l">
+      <a:defPPr marR="0" lvl="0" algn="l" rtl="0">
         <a:lnSpc>
           <a:spcPct val="100000"/>
         </a:lnSpc>
@@ -7667,7 +7762,7 @@
           <a:spcPts val="0"/>
         </a:spcAft>
       </a:defPPr>
-      <a:lvl1pPr lvl="0" marR="0" rtl="0" algn="l">
+      <a:lvl1pPr marR="0" lvl="0" algn="l" rtl="0">
         <a:lnSpc>
           <a:spcPct val="100000"/>
         </a:lnSpc>
@@ -7681,7 +7776,7 @@
           <a:srgbClr val="000000"/>
         </a:buClr>
         <a:buFont typeface="Arial"/>
-        <a:defRPr b="0" i="0" sz="1400" u="none" cap="none" strike="noStrike">
+        <a:defRPr sz="1400" b="0" i="0" u="none" strike="noStrike" cap="none">
           <a:solidFill>
             <a:srgbClr val="000000"/>
           </a:solidFill>
@@ -7691,7 +7786,7 @@
           <a:sym typeface="Arial"/>
         </a:defRPr>
       </a:lvl1pPr>
-      <a:lvl2pPr lvl="1" marR="0" rtl="0" algn="l">
+      <a:lvl2pPr marR="0" lvl="1" algn="l" rtl="0">
         <a:lnSpc>
           <a:spcPct val="100000"/>
         </a:lnSpc>
@@ -7705,7 +7800,7 @@
           <a:srgbClr val="000000"/>
         </a:buClr>
         <a:buFont typeface="Arial"/>
-        <a:defRPr b="0" i="0" sz="1400" u="none" cap="none" strike="noStrike">
+        <a:defRPr sz="1400" b="0" i="0" u="none" strike="noStrike" cap="none">
           <a:solidFill>
             <a:srgbClr val="000000"/>
           </a:solidFill>
@@ -7715,7 +7810,7 @@
           <a:sym typeface="Arial"/>
         </a:defRPr>
       </a:lvl2pPr>
-      <a:lvl3pPr lvl="2" marR="0" rtl="0" algn="l">
+      <a:lvl3pPr marR="0" lvl="2" algn="l" rtl="0">
         <a:lnSpc>
           <a:spcPct val="100000"/>
         </a:lnSpc>
@@ -7729,7 +7824,7 @@
           <a:srgbClr val="000000"/>
         </a:buClr>
         <a:buFont typeface="Arial"/>
-        <a:defRPr b="0" i="0" sz="1400" u="none" cap="none" strike="noStrike">
+        <a:defRPr sz="1400" b="0" i="0" u="none" strike="noStrike" cap="none">
           <a:solidFill>
             <a:srgbClr val="000000"/>
           </a:solidFill>
@@ -7739,7 +7834,7 @@
           <a:sym typeface="Arial"/>
         </a:defRPr>
       </a:lvl3pPr>
-      <a:lvl4pPr lvl="3" marR="0" rtl="0" algn="l">
+      <a:lvl4pPr marR="0" lvl="3" algn="l" rtl="0">
         <a:lnSpc>
           <a:spcPct val="100000"/>
         </a:lnSpc>
@@ -7753,7 +7848,7 @@
           <a:srgbClr val="000000"/>
         </a:buClr>
         <a:buFont typeface="Arial"/>
-        <a:defRPr b="0" i="0" sz="1400" u="none" cap="none" strike="noStrike">
+        <a:defRPr sz="1400" b="0" i="0" u="none" strike="noStrike" cap="none">
           <a:solidFill>
             <a:srgbClr val="000000"/>
           </a:solidFill>
@@ -7763,7 +7858,7 @@
           <a:sym typeface="Arial"/>
         </a:defRPr>
       </a:lvl4pPr>
-      <a:lvl5pPr lvl="4" marR="0" rtl="0" algn="l">
+      <a:lvl5pPr marR="0" lvl="4" algn="l" rtl="0">
         <a:lnSpc>
           <a:spcPct val="100000"/>
         </a:lnSpc>
@@ -7777,7 +7872,7 @@
           <a:srgbClr val="000000"/>
         </a:buClr>
         <a:buFont typeface="Arial"/>
-        <a:defRPr b="0" i="0" sz="1400" u="none" cap="none" strike="noStrike">
+        <a:defRPr sz="1400" b="0" i="0" u="none" strike="noStrike" cap="none">
           <a:solidFill>
             <a:srgbClr val="000000"/>
           </a:solidFill>
@@ -7787,7 +7882,7 @@
           <a:sym typeface="Arial"/>
         </a:defRPr>
       </a:lvl5pPr>
-      <a:lvl6pPr lvl="5" marR="0" rtl="0" algn="l">
+      <a:lvl6pPr marR="0" lvl="5" algn="l" rtl="0">
         <a:lnSpc>
           <a:spcPct val="100000"/>
         </a:lnSpc>
@@ -7801,7 +7896,7 @@
           <a:srgbClr val="000000"/>
         </a:buClr>
         <a:buFont typeface="Arial"/>
-        <a:defRPr b="0" i="0" sz="1400" u="none" cap="none" strike="noStrike">
+        <a:defRPr sz="1400" b="0" i="0" u="none" strike="noStrike" cap="none">
           <a:solidFill>
             <a:srgbClr val="000000"/>
           </a:solidFill>
@@ -7811,7 +7906,7 @@
           <a:sym typeface="Arial"/>
         </a:defRPr>
       </a:lvl6pPr>
-      <a:lvl7pPr lvl="6" marR="0" rtl="0" algn="l">
+      <a:lvl7pPr marR="0" lvl="6" algn="l" rtl="0">
         <a:lnSpc>
           <a:spcPct val="100000"/>
         </a:lnSpc>
@@ -7825,7 +7920,7 @@
           <a:srgbClr val="000000"/>
         </a:buClr>
         <a:buFont typeface="Arial"/>
-        <a:defRPr b="0" i="0" sz="1400" u="none" cap="none" strike="noStrike">
+        <a:defRPr sz="1400" b="0" i="0" u="none" strike="noStrike" cap="none">
           <a:solidFill>
             <a:srgbClr val="000000"/>
           </a:solidFill>
@@ -7835,7 +7930,7 @@
           <a:sym typeface="Arial"/>
         </a:defRPr>
       </a:lvl7pPr>
-      <a:lvl8pPr lvl="7" marR="0" rtl="0" algn="l">
+      <a:lvl8pPr marR="0" lvl="7" algn="l" rtl="0">
         <a:lnSpc>
           <a:spcPct val="100000"/>
         </a:lnSpc>
@@ -7849,7 +7944,7 @@
           <a:srgbClr val="000000"/>
         </a:buClr>
         <a:buFont typeface="Arial"/>
-        <a:defRPr b="0" i="0" sz="1400" u="none" cap="none" strike="noStrike">
+        <a:defRPr sz="1400" b="0" i="0" u="none" strike="noStrike" cap="none">
           <a:solidFill>
             <a:srgbClr val="000000"/>
           </a:solidFill>
@@ -7859,7 +7954,7 @@
           <a:sym typeface="Arial"/>
         </a:defRPr>
       </a:lvl8pPr>
-      <a:lvl9pPr lvl="8" marR="0" rtl="0" algn="l">
+      <a:lvl9pPr marR="0" lvl="8" algn="l" rtl="0">
         <a:lnSpc>
           <a:spcPct val="100000"/>
         </a:lnSpc>
@@ -7873,7 +7968,7 @@
           <a:srgbClr val="000000"/>
         </a:buClr>
         <a:buFont typeface="Arial"/>
-        <a:defRPr b="0" i="0" sz="1400" u="none" cap="none" strike="noStrike">
+        <a:defRPr sz="1400" b="0" i="0" u="none" strike="noStrike" cap="none">
           <a:solidFill>
             <a:srgbClr val="000000"/>
           </a:solidFill>
@@ -7889,11 +7984,11 @@
 </file>
 
 <file path=ppt/slides/slide1.xml><?xml version="1.0" encoding="utf-8"?>
-<p:sld xmlns:a="http://schemas.openxmlformats.org/drawingml/2006/main" xmlns:r="http://schemas.openxmlformats.org/officeDocument/2006/relationships" xmlns:mc="http://schemas.openxmlformats.org/markup-compatibility/2006" xmlns:mv="urn:schemas-microsoft-com:mac:vml" xmlns:p="http://schemas.openxmlformats.org/presentationml/2006/main" xmlns:c="http://schemas.openxmlformats.org/drawingml/2006/chart" xmlns:dgm="http://schemas.openxmlformats.org/drawingml/2006/diagram" xmlns:o="urn:schemas-microsoft-com:office:office" xmlns:v="urn:schemas-microsoft-com:vml" xmlns:pvml="urn:schemas-microsoft-com:office:powerpoint" xmlns:com="http://schemas.openxmlformats.org/drawingml/2006/compatibility" xmlns:p14="http://schemas.microsoft.com/office/powerpoint/2010/main" xmlns:p15="http://schemas.microsoft.com/office/powerpoint/2012/main" xmlns:ahyp="http://schemas.microsoft.com/office/drawing/2018/hyperlinkcolor">
+<p:sld xmlns:a="http://schemas.openxmlformats.org/drawingml/2006/main" xmlns:r="http://schemas.openxmlformats.org/officeDocument/2006/relationships" xmlns:p="http://schemas.openxmlformats.org/presentationml/2006/main">
   <p:cSld>
     <p:spTree>
       <p:nvGrpSpPr>
-        <p:cNvPr id="85" name="Shape 85"/>
+        <p:cNvPr id="1" name="Shape 85"/>
         <p:cNvGrpSpPr/>
         <p:nvPr/>
       </p:nvGrpSpPr>
@@ -7908,7 +8003,9 @@
       <p:sp>
         <p:nvSpPr>
           <p:cNvPr id="86" name="Google Shape;86;p13"/>
-          <p:cNvSpPr txBox="1"/>
+          <p:cNvSpPr txBox="1">
+            <a:spLocks noGrp="1"/>
+          </p:cNvSpPr>
           <p:nvPr>
             <p:ph type="ctrTitle"/>
           </p:nvPr>
@@ -7923,12 +8020,12 @@
           </a:prstGeom>
         </p:spPr>
         <p:txBody>
-          <a:bodyPr anchorCtr="0" anchor="t" bIns="91425" lIns="91425" spcFirstLastPara="1" rIns="91425" wrap="square" tIns="91425">
+          <a:bodyPr spcFirstLastPara="1" wrap="square" lIns="91425" tIns="91425" rIns="91425" bIns="91425" anchor="t" anchorCtr="0">
             <a:normAutofit/>
           </a:bodyPr>
           <a:lstStyle/>
           <a:p>
-            <a:pPr indent="0" lvl="0" marL="0" rtl="0" algn="l">
+            <a:pPr marL="0" lvl="0" indent="0" algn="l" rtl="0">
               <a:spcBef>
                 <a:spcPts val="0"/>
               </a:spcBef>
@@ -7938,13 +8035,12 @@
               <a:buNone/>
             </a:pPr>
             <a:r>
-              <a:rPr lang="en"/>
+              <a:rPr lang="en" dirty="0"/>
               <a:t>Task Scheduler</a:t>
             </a:r>
-            <a:endParaRPr/>
           </a:p>
           <a:p>
-            <a:pPr indent="0" lvl="0" marL="0" rtl="0" algn="l">
+            <a:pPr marL="0" lvl="0" indent="0" algn="l" rtl="0">
               <a:spcBef>
                 <a:spcPts val="0"/>
               </a:spcBef>
@@ -7954,19 +8050,21 @@
               <a:buNone/>
             </a:pPr>
             <a:r>
-              <a:rPr lang="en"/>
+              <a:rPr lang="en" dirty="0"/>
               <a:t>Team Name: BTS</a:t>
             </a:r>
-            <a:endParaRPr/>
+            <a:endParaRPr lang="en-US" dirty="0"/>
           </a:p>
         </p:txBody>
       </p:sp>
       <p:sp>
         <p:nvSpPr>
           <p:cNvPr id="87" name="Google Shape;87;p13"/>
-          <p:cNvSpPr txBox="1"/>
+          <p:cNvSpPr txBox="1">
+            <a:spLocks noGrp="1"/>
+          </p:cNvSpPr>
           <p:nvPr>
-            <p:ph idx="1" type="subTitle"/>
+            <p:ph type="subTitle" idx="1"/>
           </p:nvPr>
         </p:nvSpPr>
         <p:spPr>
@@ -7979,12 +8077,12 @@
           </a:prstGeom>
         </p:spPr>
         <p:txBody>
-          <a:bodyPr anchorCtr="0" anchor="t" bIns="91425" lIns="91425" spcFirstLastPara="1" rIns="91425" wrap="square" tIns="91425">
+          <a:bodyPr spcFirstLastPara="1" wrap="square" lIns="91425" tIns="91425" rIns="91425" bIns="91425" anchor="t" anchorCtr="0">
             <a:normAutofit/>
           </a:bodyPr>
           <a:lstStyle/>
           <a:p>
-            <a:pPr indent="0" lvl="0" marL="0" rtl="0" algn="l">
+            <a:pPr marL="0" lvl="0" indent="0" algn="l" rtl="0">
               <a:spcBef>
                 <a:spcPts val="0"/>
               </a:spcBef>
@@ -8000,7 +8098,7 @@
             <a:endParaRPr sz="1800"/>
           </a:p>
           <a:p>
-            <a:pPr indent="-342900" lvl="0" marL="457200" rtl="0" algn="l">
+            <a:pPr marL="457200" lvl="0" indent="-342900" algn="l" rtl="0">
               <a:spcBef>
                 <a:spcPts val="0"/>
               </a:spcBef>
@@ -8017,7 +8115,7 @@
             <a:endParaRPr sz="1800"/>
           </a:p>
           <a:p>
-            <a:pPr indent="-342900" lvl="0" marL="457200" rtl="0" algn="l">
+            <a:pPr marL="457200" lvl="0" indent="-342900" algn="l" rtl="0">
               <a:spcBef>
                 <a:spcPts val="0"/>
               </a:spcBef>
@@ -8044,11 +8142,11 @@
 </file>
 
 <file path=ppt/slides/slide2.xml><?xml version="1.0" encoding="utf-8"?>
-<p:sld xmlns:a="http://schemas.openxmlformats.org/drawingml/2006/main" xmlns:r="http://schemas.openxmlformats.org/officeDocument/2006/relationships" xmlns:mc="http://schemas.openxmlformats.org/markup-compatibility/2006" xmlns:mv="urn:schemas-microsoft-com:mac:vml" xmlns:p="http://schemas.openxmlformats.org/presentationml/2006/main" xmlns:c="http://schemas.openxmlformats.org/drawingml/2006/chart" xmlns:dgm="http://schemas.openxmlformats.org/drawingml/2006/diagram" xmlns:o="urn:schemas-microsoft-com:office:office" xmlns:v="urn:schemas-microsoft-com:vml" xmlns:pvml="urn:schemas-microsoft-com:office:powerpoint" xmlns:com="http://schemas.openxmlformats.org/drawingml/2006/compatibility" xmlns:p14="http://schemas.microsoft.com/office/powerpoint/2010/main" xmlns:p15="http://schemas.microsoft.com/office/powerpoint/2012/main" xmlns:ahyp="http://schemas.microsoft.com/office/drawing/2018/hyperlinkcolor">
+<p:sld xmlns:a="http://schemas.openxmlformats.org/drawingml/2006/main" xmlns:r="http://schemas.openxmlformats.org/officeDocument/2006/relationships" xmlns:p="http://schemas.openxmlformats.org/presentationml/2006/main">
   <p:cSld>
     <p:spTree>
       <p:nvGrpSpPr>
-        <p:cNvPr id="91" name="Shape 91"/>
+        <p:cNvPr id="1" name="Shape 91"/>
         <p:cNvGrpSpPr/>
         <p:nvPr/>
       </p:nvGrpSpPr>
@@ -8063,7 +8161,9 @@
       <p:sp>
         <p:nvSpPr>
           <p:cNvPr id="92" name="Google Shape;92;p14"/>
-          <p:cNvSpPr txBox="1"/>
+          <p:cNvSpPr txBox="1">
+            <a:spLocks noGrp="1"/>
+          </p:cNvSpPr>
           <p:nvPr>
             <p:ph type="title"/>
           </p:nvPr>
@@ -8078,12 +8178,12 @@
           </a:prstGeom>
         </p:spPr>
         <p:txBody>
-          <a:bodyPr anchorCtr="0" anchor="t" bIns="91425" lIns="91425" spcFirstLastPara="1" rIns="91425" wrap="square" tIns="91425">
+          <a:bodyPr spcFirstLastPara="1" wrap="square" lIns="91425" tIns="91425" rIns="91425" bIns="91425" anchor="t" anchorCtr="0">
             <a:normAutofit fontScale="90000"/>
           </a:bodyPr>
           <a:lstStyle/>
           <a:p>
-            <a:pPr indent="0" lvl="0" marL="0" rtl="0" algn="l">
+            <a:pPr marL="0" lvl="0" indent="0" algn="l" rtl="0">
               <a:spcBef>
                 <a:spcPts val="0"/>
               </a:spcBef>
@@ -8103,9 +8203,11 @@
       <p:sp>
         <p:nvSpPr>
           <p:cNvPr id="93" name="Google Shape;93;p14"/>
-          <p:cNvSpPr txBox="1"/>
+          <p:cNvSpPr txBox="1">
+            <a:spLocks noGrp="1"/>
+          </p:cNvSpPr>
           <p:nvPr>
-            <p:ph idx="1" type="body"/>
+            <p:ph type="body" idx="1"/>
           </p:nvPr>
         </p:nvSpPr>
         <p:spPr>
@@ -8118,12 +8220,12 @@
           </a:prstGeom>
         </p:spPr>
         <p:txBody>
-          <a:bodyPr anchorCtr="0" anchor="t" bIns="91425" lIns="91425" spcFirstLastPara="1" rIns="91425" wrap="square" tIns="91425">
+          <a:bodyPr spcFirstLastPara="1" wrap="square" lIns="91425" tIns="91425" rIns="91425" bIns="91425" anchor="t" anchorCtr="0">
             <a:normAutofit/>
           </a:bodyPr>
           <a:lstStyle/>
           <a:p>
-            <a:pPr indent="-342900" lvl="0" marL="457200" rtl="0" algn="l">
+            <a:pPr marL="457200" lvl="0" indent="-342900" algn="l" rtl="0">
               <a:spcBef>
                 <a:spcPts val="0"/>
               </a:spcBef>
@@ -8134,21 +8236,13 @@
               <a:buChar char="❏"/>
             </a:pPr>
             <a:r>
-              <a:rPr lang="en" sz="1800"/>
-              <a:t>This product helps users to plan </a:t>
+              <a:rPr lang="en" sz="1800" dirty="0"/>
+              <a:t>This product helps users to plan their tasks and monitor them.</a:t>
             </a:r>
-            <a:r>
-              <a:rPr lang="en" sz="1800"/>
-              <a:t>their</a:t>
-            </a:r>
-            <a:r>
-              <a:rPr lang="en" sz="1800"/>
-              <a:t> tasks and monitor them.</a:t>
-            </a:r>
-            <a:endParaRPr sz="1800"/>
+            <a:endParaRPr sz="1800" dirty="0"/>
           </a:p>
           <a:p>
-            <a:pPr indent="-342900" lvl="0" marL="457200" rtl="0" algn="l">
+            <a:pPr marL="457200" lvl="0" indent="-342900" algn="l" rtl="0">
               <a:spcBef>
                 <a:spcPts val="0"/>
               </a:spcBef>
@@ -8159,13 +8253,13 @@
               <a:buChar char="❏"/>
             </a:pPr>
             <a:r>
-              <a:rPr lang="en" sz="1800"/>
+              <a:rPr lang="en" sz="1800" dirty="0"/>
               <a:t>Allows users to create varied type of tasks.</a:t>
             </a:r>
-            <a:endParaRPr sz="1800"/>
+            <a:endParaRPr sz="1800" dirty="0"/>
           </a:p>
           <a:p>
-            <a:pPr indent="-342900" lvl="0" marL="457200" rtl="0" algn="l">
+            <a:pPr marL="457200" lvl="0" indent="-342900" algn="l" rtl="0">
               <a:spcBef>
                 <a:spcPts val="0"/>
               </a:spcBef>
@@ -8176,13 +8270,13 @@
               <a:buChar char="❏"/>
             </a:pPr>
             <a:r>
-              <a:rPr lang="en" sz="1800"/>
-              <a:t>Product has notification service which will notify users before their deadline.</a:t>
+              <a:rPr lang="en" sz="1800" dirty="0"/>
+              <a:t>Product has notification service which will notify users before the task start time.</a:t>
             </a:r>
-            <a:endParaRPr sz="1800"/>
+            <a:endParaRPr sz="1800" dirty="0"/>
           </a:p>
           <a:p>
-            <a:pPr indent="-342900" lvl="0" marL="457200" rtl="0" algn="l">
+            <a:pPr marL="457200" lvl="0" indent="-342900" algn="l" rtl="0">
               <a:spcBef>
                 <a:spcPts val="0"/>
               </a:spcBef>
@@ -8193,13 +8287,12 @@
               <a:buChar char="❏"/>
             </a:pPr>
             <a:r>
-              <a:rPr lang="en" sz="1800"/>
+              <a:rPr lang="en" sz="1800" dirty="0"/>
               <a:t>User can update the tasks.</a:t>
             </a:r>
-            <a:endParaRPr sz="1800"/>
           </a:p>
           <a:p>
-            <a:pPr indent="-342900" lvl="0" marL="457200" rtl="0" algn="l">
+            <a:pPr marL="457200" lvl="0" indent="-342900" algn="l" rtl="0">
               <a:spcBef>
                 <a:spcPts val="0"/>
               </a:spcBef>
@@ -8210,27 +8303,10 @@
               <a:buChar char="❏"/>
             </a:pPr>
             <a:r>
-              <a:rPr lang="en" sz="1800"/>
-              <a:t>Data will be secured.</a:t>
-            </a:r>
-            <a:endParaRPr sz="1800"/>
-          </a:p>
-          <a:p>
-            <a:pPr indent="-342900" lvl="0" marL="457200" rtl="0" algn="l">
-              <a:spcBef>
-                <a:spcPts val="0"/>
-              </a:spcBef>
-              <a:spcAft>
-                <a:spcPts val="0"/>
-              </a:spcAft>
-              <a:buSzPts val="1800"/>
-              <a:buChar char="❏"/>
-            </a:pPr>
-            <a:r>
-              <a:rPr lang="en" sz="1800"/>
+              <a:rPr lang="en" sz="1800" dirty="0"/>
               <a:t>Mark tasks as completed once they are done.</a:t>
             </a:r>
-            <a:endParaRPr sz="1800"/>
+            <a:endParaRPr sz="1800" dirty="0"/>
           </a:p>
         </p:txBody>
       </p:sp>
@@ -8243,11 +8319,11 @@
 </file>
 
 <file path=ppt/slides/slide3.xml><?xml version="1.0" encoding="utf-8"?>
-<p:sld xmlns:a="http://schemas.openxmlformats.org/drawingml/2006/main" xmlns:r="http://schemas.openxmlformats.org/officeDocument/2006/relationships" xmlns:mc="http://schemas.openxmlformats.org/markup-compatibility/2006" xmlns:mv="urn:schemas-microsoft-com:mac:vml" xmlns:p="http://schemas.openxmlformats.org/presentationml/2006/main" xmlns:c="http://schemas.openxmlformats.org/drawingml/2006/chart" xmlns:dgm="http://schemas.openxmlformats.org/drawingml/2006/diagram" xmlns:o="urn:schemas-microsoft-com:office:office" xmlns:v="urn:schemas-microsoft-com:vml" xmlns:pvml="urn:schemas-microsoft-com:office:powerpoint" xmlns:com="http://schemas.openxmlformats.org/drawingml/2006/compatibility" xmlns:p14="http://schemas.microsoft.com/office/powerpoint/2010/main" xmlns:p15="http://schemas.microsoft.com/office/powerpoint/2012/main" xmlns:ahyp="http://schemas.microsoft.com/office/drawing/2018/hyperlinkcolor">
+<p:sld xmlns:a="http://schemas.openxmlformats.org/drawingml/2006/main" xmlns:r="http://schemas.openxmlformats.org/officeDocument/2006/relationships" xmlns:p="http://schemas.openxmlformats.org/presentationml/2006/main">
   <p:cSld>
     <p:spTree>
       <p:nvGrpSpPr>
-        <p:cNvPr id="97" name="Shape 97"/>
+        <p:cNvPr id="1" name="Shape 104"/>
         <p:cNvGrpSpPr/>
         <p:nvPr/>
       </p:nvGrpSpPr>
@@ -8261,8 +8337,10 @@
       </p:grpSpPr>
       <p:sp>
         <p:nvSpPr>
-          <p:cNvPr id="98" name="Google Shape;98;p15"/>
-          <p:cNvSpPr txBox="1"/>
+          <p:cNvPr id="105" name="Google Shape;105;p16"/>
+          <p:cNvSpPr txBox="1">
+            <a:spLocks noGrp="1"/>
+          </p:cNvSpPr>
           <p:nvPr>
             <p:ph type="title"/>
           </p:nvPr>
@@ -8277,12 +8355,12 @@
           </a:prstGeom>
         </p:spPr>
         <p:txBody>
-          <a:bodyPr anchorCtr="0" anchor="t" bIns="91425" lIns="91425" spcFirstLastPara="1" rIns="91425" wrap="square" tIns="91425">
+          <a:bodyPr spcFirstLastPara="1" wrap="square" lIns="91425" tIns="91425" rIns="91425" bIns="91425" anchor="t" anchorCtr="0">
             <a:normAutofit fontScale="90000"/>
           </a:bodyPr>
           <a:lstStyle/>
           <a:p>
-            <a:pPr indent="0" lvl="0" marL="0" rtl="0" algn="l">
+            <a:pPr marL="0" lvl="0" indent="0" algn="l" rtl="0">
               <a:spcBef>
                 <a:spcPts val="0"/>
               </a:spcBef>
@@ -8292,18 +8370,21 @@
               <a:buNone/>
             </a:pPr>
             <a:r>
-              <a:t/>
+              <a:rPr lang="en" dirty="0"/>
+              <a:t>Technologies Used </a:t>
             </a:r>
-            <a:endParaRPr/>
+            <a:endParaRPr dirty="0"/>
           </a:p>
         </p:txBody>
       </p:sp>
       <p:sp>
         <p:nvSpPr>
-          <p:cNvPr id="99" name="Google Shape;99;p15"/>
-          <p:cNvSpPr txBox="1"/>
+          <p:cNvPr id="106" name="Google Shape;106;p16"/>
+          <p:cNvSpPr txBox="1">
+            <a:spLocks noGrp="1"/>
+          </p:cNvSpPr>
           <p:nvPr>
-            <p:ph idx="1" type="body"/>
+            <p:ph type="body" idx="1"/>
           </p:nvPr>
         </p:nvSpPr>
         <p:spPr>
@@ -8316,144 +8397,12 @@
           </a:prstGeom>
         </p:spPr>
         <p:txBody>
-          <a:bodyPr anchorCtr="0" anchor="t" bIns="91425" lIns="91425" spcFirstLastPara="1" rIns="91425" wrap="square" tIns="91425">
+          <a:bodyPr spcFirstLastPara="1" wrap="square" lIns="91425" tIns="91425" rIns="91425" bIns="91425" anchor="t" anchorCtr="0">
             <a:normAutofit/>
           </a:bodyPr>
           <a:lstStyle/>
           <a:p>
-            <a:pPr indent="0" lvl="0" marL="0" rtl="0" algn="l">
-              <a:spcBef>
-                <a:spcPts val="0"/>
-              </a:spcBef>
-              <a:spcAft>
-                <a:spcPts val="1200"/>
-              </a:spcAft>
-              <a:buNone/>
-            </a:pPr>
-            <a:r>
-              <a:t/>
-            </a:r>
-            <a:endParaRPr/>
-          </a:p>
-        </p:txBody>
-      </p:sp>
-      <p:pic>
-        <p:nvPicPr>
-          <p:cNvPr id="100" name="Google Shape;100;p15"/>
-          <p:cNvPicPr preferRelativeResize="0"/>
-          <p:nvPr/>
-        </p:nvPicPr>
-        <p:blipFill>
-          <a:blip r:embed="rId3">
-            <a:alphaModFix/>
-          </a:blip>
-          <a:stretch>
-            <a:fillRect/>
-          </a:stretch>
-        </p:blipFill>
-        <p:spPr>
-          <a:xfrm>
-            <a:off x="667200" y="502200"/>
-            <a:ext cx="7868501" cy="4641300"/>
-          </a:xfrm>
-          <a:prstGeom prst="rect">
-            <a:avLst/>
-          </a:prstGeom>
-          <a:noFill/>
-          <a:ln>
-            <a:noFill/>
-          </a:ln>
-        </p:spPr>
-      </p:pic>
-    </p:spTree>
-  </p:cSld>
-  <p:clrMapOvr>
-    <a:masterClrMapping/>
-  </p:clrMapOvr>
-</p:sld>
-</file>
-
-<file path=ppt/slides/slide4.xml><?xml version="1.0" encoding="utf-8"?>
-<p:sld xmlns:a="http://schemas.openxmlformats.org/drawingml/2006/main" xmlns:r="http://schemas.openxmlformats.org/officeDocument/2006/relationships" xmlns:mc="http://schemas.openxmlformats.org/markup-compatibility/2006" xmlns:mv="urn:schemas-microsoft-com:mac:vml" xmlns:p="http://schemas.openxmlformats.org/presentationml/2006/main" xmlns:c="http://schemas.openxmlformats.org/drawingml/2006/chart" xmlns:dgm="http://schemas.openxmlformats.org/drawingml/2006/diagram" xmlns:o="urn:schemas-microsoft-com:office:office" xmlns:v="urn:schemas-microsoft-com:vml" xmlns:pvml="urn:schemas-microsoft-com:office:powerpoint" xmlns:com="http://schemas.openxmlformats.org/drawingml/2006/compatibility" xmlns:p14="http://schemas.microsoft.com/office/powerpoint/2010/main" xmlns:p15="http://schemas.microsoft.com/office/powerpoint/2012/main" xmlns:ahyp="http://schemas.microsoft.com/office/drawing/2018/hyperlinkcolor">
-  <p:cSld>
-    <p:spTree>
-      <p:nvGrpSpPr>
-        <p:cNvPr id="104" name="Shape 104"/>
-        <p:cNvGrpSpPr/>
-        <p:nvPr/>
-      </p:nvGrpSpPr>
-      <p:grpSpPr>
-        <a:xfrm>
-          <a:off x="0" y="0"/>
-          <a:ext cx="0" cy="0"/>
-          <a:chOff x="0" y="0"/>
-          <a:chExt cx="0" cy="0"/>
-        </a:xfrm>
-      </p:grpSpPr>
-      <p:sp>
-        <p:nvSpPr>
-          <p:cNvPr id="105" name="Google Shape;105;p16"/>
-          <p:cNvSpPr txBox="1"/>
-          <p:nvPr>
-            <p:ph type="title"/>
-          </p:nvPr>
-        </p:nvSpPr>
-        <p:spPr>
-          <a:xfrm>
-            <a:off x="729450" y="1318650"/>
-            <a:ext cx="7688700" cy="535200"/>
-          </a:xfrm>
-          <a:prstGeom prst="rect">
-            <a:avLst/>
-          </a:prstGeom>
-        </p:spPr>
-        <p:txBody>
-          <a:bodyPr anchorCtr="0" anchor="t" bIns="91425" lIns="91425" spcFirstLastPara="1" rIns="91425" wrap="square" tIns="91425">
-            <a:normAutofit fontScale="90000"/>
-          </a:bodyPr>
-          <a:lstStyle/>
-          <a:p>
-            <a:pPr indent="0" lvl="0" marL="0" rtl="0" algn="l">
-              <a:spcBef>
-                <a:spcPts val="0"/>
-              </a:spcBef>
-              <a:spcAft>
-                <a:spcPts val="0"/>
-              </a:spcAft>
-              <a:buNone/>
-            </a:pPr>
-            <a:r>
-              <a:rPr lang="en"/>
-              <a:t>Technologies Used   (Brahmaiah)</a:t>
-            </a:r>
-            <a:endParaRPr/>
-          </a:p>
-        </p:txBody>
-      </p:sp>
-      <p:sp>
-        <p:nvSpPr>
-          <p:cNvPr id="106" name="Google Shape;106;p16"/>
-          <p:cNvSpPr txBox="1"/>
-          <p:nvPr>
-            <p:ph idx="1" type="body"/>
-          </p:nvPr>
-        </p:nvSpPr>
-        <p:spPr>
-          <a:xfrm>
-            <a:off x="729450" y="2078875"/>
-            <a:ext cx="7688700" cy="2261100"/>
-          </a:xfrm>
-          <a:prstGeom prst="rect">
-            <a:avLst/>
-          </a:prstGeom>
-        </p:spPr>
-        <p:txBody>
-          <a:bodyPr anchorCtr="0" anchor="t" bIns="91425" lIns="91425" spcFirstLastPara="1" rIns="91425" wrap="square" tIns="91425">
-            <a:normAutofit/>
-          </a:bodyPr>
-          <a:lstStyle/>
-          <a:p>
-            <a:pPr indent="-342900" lvl="0" marL="457200" rtl="0" algn="l">
+            <a:pPr marL="457200" lvl="0" indent="-342900" algn="l" rtl="0">
               <a:spcBef>
                 <a:spcPts val="0"/>
               </a:spcBef>
@@ -8470,7 +8419,7 @@
             <a:endParaRPr sz="1800"/>
           </a:p>
           <a:p>
-            <a:pPr indent="-342900" lvl="1" marL="914400" rtl="0" algn="l">
+            <a:pPr marL="914400" lvl="1" indent="-342900" algn="l" rtl="0">
               <a:spcBef>
                 <a:spcPts val="0"/>
               </a:spcBef>
@@ -8487,7 +8436,7 @@
             <a:endParaRPr sz="1800"/>
           </a:p>
           <a:p>
-            <a:pPr indent="-342900" lvl="1" marL="914400" rtl="0" algn="l">
+            <a:pPr marL="914400" lvl="1" indent="-342900" algn="l" rtl="0">
               <a:spcBef>
                 <a:spcPts val="0"/>
               </a:spcBef>
@@ -8504,7 +8453,7 @@
             <a:endParaRPr sz="1800"/>
           </a:p>
           <a:p>
-            <a:pPr indent="-342900" lvl="1" marL="914400" rtl="0" algn="l">
+            <a:pPr marL="914400" lvl="1" indent="-342900" algn="l" rtl="0">
               <a:spcBef>
                 <a:spcPts val="0"/>
               </a:spcBef>
@@ -8530,12 +8479,12 @@
 </p:sld>
 </file>
 
-<file path=ppt/slides/slide5.xml><?xml version="1.0" encoding="utf-8"?>
-<p:sld xmlns:a="http://schemas.openxmlformats.org/drawingml/2006/main" xmlns:r="http://schemas.openxmlformats.org/officeDocument/2006/relationships" xmlns:mc="http://schemas.openxmlformats.org/markup-compatibility/2006" xmlns:mv="urn:schemas-microsoft-com:mac:vml" xmlns:p="http://schemas.openxmlformats.org/presentationml/2006/main" xmlns:c="http://schemas.openxmlformats.org/drawingml/2006/chart" xmlns:dgm="http://schemas.openxmlformats.org/drawingml/2006/diagram" xmlns:o="urn:schemas-microsoft-com:office:office" xmlns:v="urn:schemas-microsoft-com:vml" xmlns:pvml="urn:schemas-microsoft-com:office:powerpoint" xmlns:com="http://schemas.openxmlformats.org/drawingml/2006/compatibility" xmlns:p14="http://schemas.microsoft.com/office/powerpoint/2010/main" xmlns:p15="http://schemas.microsoft.com/office/powerpoint/2012/main" xmlns:ahyp="http://schemas.microsoft.com/office/drawing/2018/hyperlinkcolor">
+<file path=ppt/slides/slide4.xml><?xml version="1.0" encoding="utf-8"?>
+<p:sld xmlns:a="http://schemas.openxmlformats.org/drawingml/2006/main" xmlns:r="http://schemas.openxmlformats.org/officeDocument/2006/relationships" xmlns:p="http://schemas.openxmlformats.org/presentationml/2006/main">
   <p:cSld>
     <p:spTree>
       <p:nvGrpSpPr>
-        <p:cNvPr id="110" name="Shape 110"/>
+        <p:cNvPr id="1" name="Shape 110"/>
         <p:cNvGrpSpPr/>
         <p:nvPr/>
       </p:nvGrpSpPr>
@@ -8550,7 +8499,9 @@
       <p:sp>
         <p:nvSpPr>
           <p:cNvPr id="111" name="Google Shape;111;p17"/>
-          <p:cNvSpPr txBox="1"/>
+          <p:cNvSpPr txBox="1">
+            <a:spLocks noGrp="1"/>
+          </p:cNvSpPr>
           <p:nvPr>
             <p:ph type="title"/>
           </p:nvPr>
@@ -8565,12 +8516,12 @@
           </a:prstGeom>
         </p:spPr>
         <p:txBody>
-          <a:bodyPr anchorCtr="0" anchor="t" bIns="91425" lIns="91425" spcFirstLastPara="1" rIns="91425" wrap="square" tIns="91425">
+          <a:bodyPr spcFirstLastPara="1" wrap="square" lIns="91425" tIns="91425" rIns="91425" bIns="91425" anchor="t" anchorCtr="0">
             <a:normAutofit fontScale="90000"/>
           </a:bodyPr>
           <a:lstStyle/>
           <a:p>
-            <a:pPr indent="0" lvl="0" marL="0" rtl="0" algn="l">
+            <a:pPr marL="0" lvl="0" indent="0" algn="l" rtl="0">
               <a:spcBef>
                 <a:spcPts val="0"/>
               </a:spcBef>
@@ -8580,19 +8531,21 @@
               <a:buNone/>
             </a:pPr>
             <a:r>
-              <a:rPr lang="en"/>
-              <a:t>Technologies Used   (Tharun)</a:t>
+              <a:rPr lang="en" dirty="0"/>
+              <a:t>Technologies Used</a:t>
             </a:r>
-            <a:endParaRPr/>
+            <a:endParaRPr dirty="0"/>
           </a:p>
         </p:txBody>
       </p:sp>
       <p:sp>
         <p:nvSpPr>
           <p:cNvPr id="112" name="Google Shape;112;p17"/>
-          <p:cNvSpPr txBox="1"/>
+          <p:cNvSpPr txBox="1">
+            <a:spLocks noGrp="1"/>
+          </p:cNvSpPr>
           <p:nvPr>
-            <p:ph idx="1" type="body"/>
+            <p:ph type="body" idx="1"/>
           </p:nvPr>
         </p:nvSpPr>
         <p:spPr>
@@ -8605,12 +8558,12 @@
           </a:prstGeom>
         </p:spPr>
         <p:txBody>
-          <a:bodyPr anchorCtr="0" anchor="t" bIns="91425" lIns="91425" spcFirstLastPara="1" rIns="91425" wrap="square" tIns="91425">
+          <a:bodyPr spcFirstLastPara="1" wrap="square" lIns="91425" tIns="91425" rIns="91425" bIns="91425" anchor="t" anchorCtr="0">
             <a:normAutofit/>
           </a:bodyPr>
           <a:lstStyle/>
           <a:p>
-            <a:pPr indent="-342900" lvl="0" marL="457200" rtl="0" algn="l">
+            <a:pPr marL="457200" lvl="0" indent="-342900" algn="l" rtl="0">
               <a:spcBef>
                 <a:spcPts val="0"/>
               </a:spcBef>
@@ -8627,7 +8580,7 @@
             <a:endParaRPr sz="1800"/>
           </a:p>
           <a:p>
-            <a:pPr indent="-342900" lvl="1" marL="914400" rtl="0" algn="l">
+            <a:pPr marL="914400" lvl="1" indent="-342900" algn="l" rtl="0">
               <a:spcBef>
                 <a:spcPts val="0"/>
               </a:spcBef>
@@ -8644,7 +8597,7 @@
             <a:endParaRPr sz="1800"/>
           </a:p>
           <a:p>
-            <a:pPr indent="-342900" lvl="1" marL="914400" rtl="0" algn="l">
+            <a:pPr marL="914400" lvl="1" indent="-342900" algn="l" rtl="0">
               <a:spcBef>
                 <a:spcPts val="0"/>
               </a:spcBef>
@@ -8670,12 +8623,12 @@
 </p:sld>
 </file>
 
-<file path=ppt/slides/slide6.xml><?xml version="1.0" encoding="utf-8"?>
-<p:sld xmlns:a="http://schemas.openxmlformats.org/drawingml/2006/main" xmlns:r="http://schemas.openxmlformats.org/officeDocument/2006/relationships" xmlns:mc="http://schemas.openxmlformats.org/markup-compatibility/2006" xmlns:mv="urn:schemas-microsoft-com:mac:vml" xmlns:p="http://schemas.openxmlformats.org/presentationml/2006/main" xmlns:c="http://schemas.openxmlformats.org/drawingml/2006/chart" xmlns:dgm="http://schemas.openxmlformats.org/drawingml/2006/diagram" xmlns:o="urn:schemas-microsoft-com:office:office" xmlns:v="urn:schemas-microsoft-com:vml" xmlns:pvml="urn:schemas-microsoft-com:office:powerpoint" xmlns:com="http://schemas.openxmlformats.org/drawingml/2006/compatibility" xmlns:p14="http://schemas.microsoft.com/office/powerpoint/2010/main" xmlns:p15="http://schemas.microsoft.com/office/powerpoint/2012/main" xmlns:ahyp="http://schemas.microsoft.com/office/drawing/2018/hyperlinkcolor">
+<file path=ppt/slides/slide5.xml><?xml version="1.0" encoding="utf-8"?>
+<p:sld xmlns:a="http://schemas.openxmlformats.org/drawingml/2006/main" xmlns:r="http://schemas.openxmlformats.org/officeDocument/2006/relationships" xmlns:p="http://schemas.openxmlformats.org/presentationml/2006/main">
   <p:cSld>
     <p:spTree>
       <p:nvGrpSpPr>
-        <p:cNvPr id="116" name="Shape 116"/>
+        <p:cNvPr id="1" name="Shape 116"/>
         <p:cNvGrpSpPr/>
         <p:nvPr/>
       </p:nvGrpSpPr>
@@ -8690,7 +8643,9 @@
       <p:sp>
         <p:nvSpPr>
           <p:cNvPr id="117" name="Google Shape;117;p18"/>
-          <p:cNvSpPr txBox="1"/>
+          <p:cNvSpPr txBox="1">
+            <a:spLocks noGrp="1"/>
+          </p:cNvSpPr>
           <p:nvPr>
             <p:ph type="title"/>
           </p:nvPr>
@@ -8705,12 +8660,12 @@
           </a:prstGeom>
         </p:spPr>
         <p:txBody>
-          <a:bodyPr anchorCtr="0" anchor="t" bIns="91425" lIns="91425" spcFirstLastPara="1" rIns="91425" wrap="square" tIns="91425">
+          <a:bodyPr spcFirstLastPara="1" wrap="square" lIns="91425" tIns="91425" rIns="91425" bIns="91425" anchor="t" anchorCtr="0">
             <a:normAutofit fontScale="90000"/>
           </a:bodyPr>
           <a:lstStyle/>
           <a:p>
-            <a:pPr indent="0" lvl="0" marL="0" rtl="0" algn="l">
+            <a:pPr marL="0" lvl="0" indent="0" algn="l" rtl="0">
               <a:spcBef>
                 <a:spcPts val="0"/>
               </a:spcBef>
@@ -8726,7 +8681,7 @@
             <a:endParaRPr/>
           </a:p>
           <a:p>
-            <a:pPr indent="0" lvl="0" marL="0" rtl="0" algn="l">
+            <a:pPr marL="0" lvl="0" indent="0" algn="l" rtl="0">
               <a:spcBef>
                 <a:spcPts val="0"/>
               </a:spcBef>
@@ -8779,12 +8734,12 @@
 </p:sld>
 </file>
 
-<file path=ppt/slides/slide7.xml><?xml version="1.0" encoding="utf-8"?>
-<p:sld xmlns:a="http://schemas.openxmlformats.org/drawingml/2006/main" xmlns:r="http://schemas.openxmlformats.org/officeDocument/2006/relationships" xmlns:mc="http://schemas.openxmlformats.org/markup-compatibility/2006" xmlns:mv="urn:schemas-microsoft-com:mac:vml" xmlns:p="http://schemas.openxmlformats.org/presentationml/2006/main" xmlns:c="http://schemas.openxmlformats.org/drawingml/2006/chart" xmlns:dgm="http://schemas.openxmlformats.org/drawingml/2006/diagram" xmlns:o="urn:schemas-microsoft-com:office:office" xmlns:v="urn:schemas-microsoft-com:vml" xmlns:pvml="urn:schemas-microsoft-com:office:powerpoint" xmlns:com="http://schemas.openxmlformats.org/drawingml/2006/compatibility" xmlns:p14="http://schemas.microsoft.com/office/powerpoint/2010/main" xmlns:p15="http://schemas.microsoft.com/office/powerpoint/2012/main" xmlns:ahyp="http://schemas.microsoft.com/office/drawing/2018/hyperlinkcolor">
+<file path=ppt/slides/slide6.xml><?xml version="1.0" encoding="utf-8"?>
+<p:sld xmlns:a="http://schemas.openxmlformats.org/drawingml/2006/main" xmlns:r="http://schemas.openxmlformats.org/officeDocument/2006/relationships" xmlns:p="http://schemas.openxmlformats.org/presentationml/2006/main">
   <p:cSld>
     <p:spTree>
       <p:nvGrpSpPr>
-        <p:cNvPr id="122" name="Shape 122"/>
+        <p:cNvPr id="1" name="Shape 122"/>
         <p:cNvGrpSpPr/>
         <p:nvPr/>
       </p:nvGrpSpPr>
@@ -8799,7 +8754,9 @@
       <p:sp>
         <p:nvSpPr>
           <p:cNvPr id="123" name="Google Shape;123;p19"/>
-          <p:cNvSpPr txBox="1"/>
+          <p:cNvSpPr txBox="1">
+            <a:spLocks noGrp="1"/>
+          </p:cNvSpPr>
           <p:nvPr>
             <p:ph type="title"/>
           </p:nvPr>
@@ -8814,12 +8771,12 @@
           </a:prstGeom>
         </p:spPr>
         <p:txBody>
-          <a:bodyPr anchorCtr="0" anchor="t" bIns="91425" lIns="91425" spcFirstLastPara="1" rIns="91425" wrap="square" tIns="91425">
+          <a:bodyPr spcFirstLastPara="1" wrap="square" lIns="91425" tIns="91425" rIns="91425" bIns="91425" anchor="t" anchorCtr="0">
             <a:normAutofit fontScale="90000"/>
           </a:bodyPr>
           <a:lstStyle/>
           <a:p>
-            <a:pPr indent="0" lvl="0" marL="0" rtl="0" algn="l">
+            <a:pPr marL="0" lvl="0" indent="0" algn="l" rtl="0">
               <a:spcBef>
                 <a:spcPts val="0"/>
               </a:spcBef>
@@ -8839,9 +8796,11 @@
       <p:sp>
         <p:nvSpPr>
           <p:cNvPr id="124" name="Google Shape;124;p19"/>
-          <p:cNvSpPr txBox="1"/>
+          <p:cNvSpPr txBox="1">
+            <a:spLocks noGrp="1"/>
+          </p:cNvSpPr>
           <p:nvPr>
-            <p:ph idx="1" type="body"/>
+            <p:ph type="body" idx="1"/>
           </p:nvPr>
         </p:nvSpPr>
         <p:spPr>
@@ -8854,12 +8813,12 @@
           </a:prstGeom>
         </p:spPr>
         <p:txBody>
-          <a:bodyPr anchorCtr="0" anchor="t" bIns="91425" lIns="91425" spcFirstLastPara="1" rIns="91425" wrap="square" tIns="91425">
+          <a:bodyPr spcFirstLastPara="1" wrap="square" lIns="91425" tIns="91425" rIns="91425" bIns="91425" anchor="t" anchorCtr="0">
             <a:normAutofit/>
           </a:bodyPr>
           <a:lstStyle/>
           <a:p>
-            <a:pPr indent="0" lvl="0" marL="0" rtl="0" algn="l">
+            <a:pPr marL="0" lvl="0" indent="0" algn="l" rtl="0">
               <a:spcBef>
                 <a:spcPts val="0"/>
               </a:spcBef>
@@ -8868,9 +8827,6 @@
               </a:spcAft>
               <a:buNone/>
             </a:pPr>
-            <a:r>
-              <a:t/>
-            </a:r>
             <a:endParaRPr/>
           </a:p>
         </p:txBody>
@@ -8911,12 +8867,12 @@
 </p:sld>
 </file>
 
-<file path=ppt/slides/slide8.xml><?xml version="1.0" encoding="utf-8"?>
-<p:sld xmlns:a="http://schemas.openxmlformats.org/drawingml/2006/main" xmlns:r="http://schemas.openxmlformats.org/officeDocument/2006/relationships" xmlns:mc="http://schemas.openxmlformats.org/markup-compatibility/2006" xmlns:mv="urn:schemas-microsoft-com:mac:vml" xmlns:p="http://schemas.openxmlformats.org/presentationml/2006/main" xmlns:c="http://schemas.openxmlformats.org/drawingml/2006/chart" xmlns:dgm="http://schemas.openxmlformats.org/drawingml/2006/diagram" xmlns:o="urn:schemas-microsoft-com:office:office" xmlns:v="urn:schemas-microsoft-com:vml" xmlns:pvml="urn:schemas-microsoft-com:office:powerpoint" xmlns:com="http://schemas.openxmlformats.org/drawingml/2006/compatibility" xmlns:p14="http://schemas.microsoft.com/office/powerpoint/2010/main" xmlns:p15="http://schemas.microsoft.com/office/powerpoint/2012/main" xmlns:ahyp="http://schemas.microsoft.com/office/drawing/2018/hyperlinkcolor">
+<file path=ppt/slides/slide7.xml><?xml version="1.0" encoding="utf-8"?>
+<p:sld xmlns:a="http://schemas.openxmlformats.org/drawingml/2006/main" xmlns:r="http://schemas.openxmlformats.org/officeDocument/2006/relationships" xmlns:p="http://schemas.openxmlformats.org/presentationml/2006/main">
   <p:cSld>
     <p:spTree>
       <p:nvGrpSpPr>
-        <p:cNvPr id="129" name="Shape 129"/>
+        <p:cNvPr id="1" name="Shape 129"/>
         <p:cNvGrpSpPr/>
         <p:nvPr/>
       </p:nvGrpSpPr>
@@ -8931,7 +8887,9 @@
       <p:sp>
         <p:nvSpPr>
           <p:cNvPr id="130" name="Google Shape;130;p20"/>
-          <p:cNvSpPr txBox="1"/>
+          <p:cNvSpPr txBox="1">
+            <a:spLocks noGrp="1"/>
+          </p:cNvSpPr>
           <p:nvPr>
             <p:ph type="title"/>
           </p:nvPr>
@@ -8946,12 +8904,12 @@
           </a:prstGeom>
         </p:spPr>
         <p:txBody>
-          <a:bodyPr anchorCtr="0" anchor="t" bIns="91425" lIns="91425" spcFirstLastPara="1" rIns="91425" wrap="square" tIns="91425">
+          <a:bodyPr spcFirstLastPara="1" wrap="square" lIns="91425" tIns="91425" rIns="91425" bIns="91425" anchor="t" anchorCtr="0">
             <a:normAutofit fontScale="90000"/>
           </a:bodyPr>
           <a:lstStyle/>
           <a:p>
-            <a:pPr indent="0" lvl="0" marL="0" rtl="0" algn="l">
+            <a:pPr marL="0" lvl="0" indent="0" algn="l" rtl="0">
               <a:spcBef>
                 <a:spcPts val="0"/>
               </a:spcBef>
@@ -8971,9 +8929,11 @@
       <p:sp>
         <p:nvSpPr>
           <p:cNvPr id="131" name="Google Shape;131;p20"/>
-          <p:cNvSpPr txBox="1"/>
+          <p:cNvSpPr txBox="1">
+            <a:spLocks noGrp="1"/>
+          </p:cNvSpPr>
           <p:nvPr>
-            <p:ph idx="1" type="body"/>
+            <p:ph type="body" idx="1"/>
           </p:nvPr>
         </p:nvSpPr>
         <p:spPr>
@@ -8986,12 +8946,12 @@
           </a:prstGeom>
         </p:spPr>
         <p:txBody>
-          <a:bodyPr anchorCtr="0" anchor="t" bIns="91425" lIns="91425" spcFirstLastPara="1" rIns="91425" wrap="square" tIns="91425">
+          <a:bodyPr spcFirstLastPara="1" wrap="square" lIns="91425" tIns="91425" rIns="91425" bIns="91425" anchor="t" anchorCtr="0">
             <a:normAutofit/>
           </a:bodyPr>
           <a:lstStyle/>
           <a:p>
-            <a:pPr indent="0" lvl="0" marL="0" rtl="0" algn="l">
+            <a:pPr marL="0" lvl="0" indent="0" algn="l" rtl="0">
               <a:spcBef>
                 <a:spcPts val="0"/>
               </a:spcBef>
@@ -9000,9 +8960,6 @@
               </a:spcAft>
               <a:buNone/>
             </a:pPr>
-            <a:r>
-              <a:t/>
-            </a:r>
             <a:endParaRPr/>
           </a:p>
         </p:txBody>
@@ -9043,12 +9000,141 @@
 </p:sld>
 </file>
 
-<file path=ppt/slides/slide9.xml><?xml version="1.0" encoding="utf-8"?>
-<p:sld xmlns:a="http://schemas.openxmlformats.org/drawingml/2006/main" xmlns:r="http://schemas.openxmlformats.org/officeDocument/2006/relationships" xmlns:mc="http://schemas.openxmlformats.org/markup-compatibility/2006" xmlns:mv="urn:schemas-microsoft-com:mac:vml" xmlns:p="http://schemas.openxmlformats.org/presentationml/2006/main" xmlns:c="http://schemas.openxmlformats.org/drawingml/2006/chart" xmlns:dgm="http://schemas.openxmlformats.org/drawingml/2006/diagram" xmlns:o="urn:schemas-microsoft-com:office:office" xmlns:v="urn:schemas-microsoft-com:vml" xmlns:pvml="urn:schemas-microsoft-com:office:powerpoint" xmlns:com="http://schemas.openxmlformats.org/drawingml/2006/compatibility" xmlns:p14="http://schemas.microsoft.com/office/powerpoint/2010/main" xmlns:p15="http://schemas.microsoft.com/office/powerpoint/2012/main" xmlns:ahyp="http://schemas.microsoft.com/office/drawing/2018/hyperlinkcolor">
+<file path=ppt/slides/slide8.xml><?xml version="1.0" encoding="utf-8"?>
+<p:sld xmlns:a="http://schemas.openxmlformats.org/drawingml/2006/main" xmlns:r="http://schemas.openxmlformats.org/officeDocument/2006/relationships" xmlns:p="http://schemas.openxmlformats.org/presentationml/2006/main">
   <p:cSld>
     <p:spTree>
       <p:nvGrpSpPr>
-        <p:cNvPr id="136" name="Shape 136"/>
+        <p:cNvPr id="1" name="Shape 97"/>
+        <p:cNvGrpSpPr/>
+        <p:nvPr/>
+      </p:nvGrpSpPr>
+      <p:grpSpPr>
+        <a:xfrm>
+          <a:off x="0" y="0"/>
+          <a:ext cx="0" cy="0"/>
+          <a:chOff x="0" y="0"/>
+          <a:chExt cx="0" cy="0"/>
+        </a:xfrm>
+      </p:grpSpPr>
+      <p:sp>
+        <p:nvSpPr>
+          <p:cNvPr id="98" name="Google Shape;98;p15"/>
+          <p:cNvSpPr txBox="1">
+            <a:spLocks noGrp="1"/>
+          </p:cNvSpPr>
+          <p:nvPr>
+            <p:ph type="title"/>
+          </p:nvPr>
+        </p:nvSpPr>
+        <p:spPr>
+          <a:xfrm>
+            <a:off x="729450" y="1318650"/>
+            <a:ext cx="7688700" cy="535200"/>
+          </a:xfrm>
+          <a:prstGeom prst="rect">
+            <a:avLst/>
+          </a:prstGeom>
+        </p:spPr>
+        <p:txBody>
+          <a:bodyPr spcFirstLastPara="1" wrap="square" lIns="91425" tIns="91425" rIns="91425" bIns="91425" anchor="t" anchorCtr="0">
+            <a:normAutofit fontScale="90000"/>
+          </a:bodyPr>
+          <a:lstStyle/>
+          <a:p>
+            <a:pPr marL="0" lvl="0" indent="0" algn="l" rtl="0">
+              <a:spcBef>
+                <a:spcPts val="0"/>
+              </a:spcBef>
+              <a:spcAft>
+                <a:spcPts val="0"/>
+              </a:spcAft>
+              <a:buNone/>
+            </a:pPr>
+            <a:endParaRPr/>
+          </a:p>
+        </p:txBody>
+      </p:sp>
+      <p:sp>
+        <p:nvSpPr>
+          <p:cNvPr id="99" name="Google Shape;99;p15"/>
+          <p:cNvSpPr txBox="1">
+            <a:spLocks noGrp="1"/>
+          </p:cNvSpPr>
+          <p:nvPr>
+            <p:ph type="body" idx="1"/>
+          </p:nvPr>
+        </p:nvSpPr>
+        <p:spPr>
+          <a:xfrm>
+            <a:off x="729450" y="2078875"/>
+            <a:ext cx="7688700" cy="2261100"/>
+          </a:xfrm>
+          <a:prstGeom prst="rect">
+            <a:avLst/>
+          </a:prstGeom>
+        </p:spPr>
+        <p:txBody>
+          <a:bodyPr spcFirstLastPara="1" wrap="square" lIns="91425" tIns="91425" rIns="91425" bIns="91425" anchor="t" anchorCtr="0">
+            <a:normAutofit/>
+          </a:bodyPr>
+          <a:lstStyle/>
+          <a:p>
+            <a:pPr marL="0" lvl="0" indent="0" algn="l" rtl="0">
+              <a:spcBef>
+                <a:spcPts val="0"/>
+              </a:spcBef>
+              <a:spcAft>
+                <a:spcPts val="1200"/>
+              </a:spcAft>
+              <a:buNone/>
+            </a:pPr>
+            <a:endParaRPr/>
+          </a:p>
+        </p:txBody>
+      </p:sp>
+      <p:pic>
+        <p:nvPicPr>
+          <p:cNvPr id="100" name="Google Shape;100;p15"/>
+          <p:cNvPicPr preferRelativeResize="0"/>
+          <p:nvPr/>
+        </p:nvPicPr>
+        <p:blipFill>
+          <a:blip r:embed="rId3">
+            <a:alphaModFix/>
+          </a:blip>
+          <a:stretch>
+            <a:fillRect/>
+          </a:stretch>
+        </p:blipFill>
+        <p:spPr>
+          <a:xfrm>
+            <a:off x="667200" y="502200"/>
+            <a:ext cx="7868501" cy="4641300"/>
+          </a:xfrm>
+          <a:prstGeom prst="rect">
+            <a:avLst/>
+          </a:prstGeom>
+          <a:noFill/>
+          <a:ln>
+            <a:noFill/>
+          </a:ln>
+        </p:spPr>
+      </p:pic>
+    </p:spTree>
+  </p:cSld>
+  <p:clrMapOvr>
+    <a:masterClrMapping/>
+  </p:clrMapOvr>
+</p:sld>
+</file>
+
+<file path=ppt/slides/slide9.xml><?xml version="1.0" encoding="utf-8"?>
+<p:sld xmlns:a="http://schemas.openxmlformats.org/drawingml/2006/main" xmlns:r="http://schemas.openxmlformats.org/officeDocument/2006/relationships" xmlns:p="http://schemas.openxmlformats.org/presentationml/2006/main">
+  <p:cSld>
+    <p:spTree>
+      <p:nvGrpSpPr>
+        <p:cNvPr id="1" name="Shape 136"/>
         <p:cNvGrpSpPr/>
         <p:nvPr/>
       </p:nvGrpSpPr>
@@ -9063,7 +9149,9 @@
       <p:sp>
         <p:nvSpPr>
           <p:cNvPr id="137" name="Google Shape;137;p21"/>
-          <p:cNvSpPr txBox="1"/>
+          <p:cNvSpPr txBox="1">
+            <a:spLocks noGrp="1"/>
+          </p:cNvSpPr>
           <p:nvPr>
             <p:ph type="title"/>
           </p:nvPr>
@@ -9078,12 +9166,12 @@
           </a:prstGeom>
         </p:spPr>
         <p:txBody>
-          <a:bodyPr anchorCtr="0" anchor="t" bIns="91425" lIns="91425" spcFirstLastPara="1" rIns="91425" wrap="square" tIns="91425">
+          <a:bodyPr spcFirstLastPara="1" wrap="square" lIns="91425" tIns="91425" rIns="91425" bIns="91425" anchor="t" anchorCtr="0">
             <a:normAutofit fontScale="90000"/>
           </a:bodyPr>
           <a:lstStyle/>
           <a:p>
-            <a:pPr indent="0" lvl="0" marL="0" rtl="0" algn="l">
+            <a:pPr marL="0" lvl="0" indent="0" algn="l" rtl="0">
               <a:spcBef>
                 <a:spcPts val="0"/>
               </a:spcBef>
@@ -9109,7 +9197,288 @@
 </file>
 
 <file path=ppt/theme/theme1.xml><?xml version="1.0" encoding="utf-8"?>
-<a:theme xmlns:a="http://schemas.openxmlformats.org/drawingml/2006/main" xmlns:r="http://schemas.openxmlformats.org/officeDocument/2006/relationships">
+<a:theme xmlns:a="http://schemas.openxmlformats.org/drawingml/2006/main" name="Streamline">
+  <a:themeElements>
+    <a:clrScheme name="Streamline">
+      <a:dk1>
+        <a:srgbClr val="1A9988"/>
+      </a:dk1>
+      <a:lt1>
+        <a:srgbClr val="FFFFFF"/>
+      </a:lt1>
+      <a:dk2>
+        <a:srgbClr val="1A1A1A"/>
+      </a:dk2>
+      <a:lt2>
+        <a:srgbClr val="E9EDEE"/>
+      </a:lt2>
+      <a:accent1>
+        <a:srgbClr val="595959"/>
+      </a:accent1>
+      <a:accent2>
+        <a:srgbClr val="6AA4C8"/>
+      </a:accent2>
+      <a:accent3>
+        <a:srgbClr val="EB5600"/>
+      </a:accent3>
+      <a:accent4>
+        <a:srgbClr val="A2FFE8"/>
+      </a:accent4>
+      <a:accent5>
+        <a:srgbClr val="1C3678"/>
+      </a:accent5>
+      <a:accent6>
+        <a:srgbClr val="FFB8A2"/>
+      </a:accent6>
+      <a:hlink>
+        <a:srgbClr val="1C3678"/>
+      </a:hlink>
+      <a:folHlink>
+        <a:srgbClr val="1C3678"/>
+      </a:folHlink>
+    </a:clrScheme>
+    <a:fontScheme name="Office">
+      <a:majorFont>
+        <a:latin typeface="Arial"/>
+        <a:ea typeface=""/>
+        <a:cs typeface=""/>
+        <a:font script="Jpan" typeface="ＭＳ Ｐゴシック"/>
+        <a:font script="Hang" typeface="맑은 고딕"/>
+        <a:font script="Hans" typeface="宋体"/>
+        <a:font script="Hant" typeface="新細明體"/>
+        <a:font script="Arab" typeface="Times New Roman"/>
+        <a:font script="Hebr" typeface="Times New Roman"/>
+        <a:font script="Thai" typeface="Angsana New"/>
+        <a:font script="Ethi" typeface="Nyala"/>
+        <a:font script="Beng" typeface="Vrinda"/>
+        <a:font script="Gujr" typeface="Shruti"/>
+        <a:font script="Khmr" typeface="MoolBoran"/>
+        <a:font script="Knda" typeface="Tunga"/>
+        <a:font script="Guru" typeface="Raavi"/>
+        <a:font script="Cans" typeface="Euphemia"/>
+        <a:font script="Cher" typeface="Plantagenet Cherokee"/>
+        <a:font script="Yiii" typeface="Microsoft Yi Baiti"/>
+        <a:font script="Tibt" typeface="Microsoft Himalaya"/>
+        <a:font script="Thaa" typeface="MV Boli"/>
+        <a:font script="Deva" typeface="Mangal"/>
+        <a:font script="Telu" typeface="Gautami"/>
+        <a:font script="Taml" typeface="Latha"/>
+        <a:font script="Syrc" typeface="Estrangelo Edessa"/>
+        <a:font script="Orya" typeface="Kalinga"/>
+        <a:font script="Mlym" typeface="Kartika"/>
+        <a:font script="Laoo" typeface="DokChampa"/>
+        <a:font script="Sinh" typeface="Iskoola Pota"/>
+        <a:font script="Mong" typeface="Mongolian Baiti"/>
+        <a:font script="Viet" typeface="Times New Roman"/>
+        <a:font script="Uigh" typeface="Microsoft Uighur"/>
+        <a:font script="Geor" typeface="Sylfaen"/>
+      </a:majorFont>
+      <a:minorFont>
+        <a:latin typeface="Arial"/>
+        <a:ea typeface=""/>
+        <a:cs typeface=""/>
+        <a:font script="Jpan" typeface="ＭＳ Ｐゴシック"/>
+        <a:font script="Hang" typeface="맑은 고딕"/>
+        <a:font script="Hans" typeface="宋体"/>
+        <a:font script="Hant" typeface="新細明體"/>
+        <a:font script="Arab" typeface="Arial"/>
+        <a:font script="Hebr" typeface="Arial"/>
+        <a:font script="Thai" typeface="Cordia New"/>
+        <a:font script="Ethi" typeface="Nyala"/>
+        <a:font script="Beng" typeface="Vrinda"/>
+        <a:font script="Gujr" typeface="Shruti"/>
+        <a:font script="Khmr" typeface="DaunPenh"/>
+        <a:font script="Knda" typeface="Tunga"/>
+        <a:font script="Guru" typeface="Raavi"/>
+        <a:font script="Cans" typeface="Euphemia"/>
+        <a:font script="Cher" typeface="Plantagenet Cherokee"/>
+        <a:font script="Yiii" typeface="Microsoft Yi Baiti"/>
+        <a:font script="Tibt" typeface="Microsoft Himalaya"/>
+        <a:font script="Thaa" typeface="MV Boli"/>
+        <a:font script="Deva" typeface="Mangal"/>
+        <a:font script="Telu" typeface="Gautami"/>
+        <a:font script="Taml" typeface="Latha"/>
+        <a:font script="Syrc" typeface="Estrangelo Edessa"/>
+        <a:font script="Orya" typeface="Kalinga"/>
+        <a:font script="Mlym" typeface="Kartika"/>
+        <a:font script="Laoo" typeface="DokChampa"/>
+        <a:font script="Sinh" typeface="Iskoola Pota"/>
+        <a:font script="Mong" typeface="Mongolian Baiti"/>
+        <a:font script="Viet" typeface="Arial"/>
+        <a:font script="Uigh" typeface="Microsoft Uighur"/>
+        <a:font script="Geor" typeface="Sylfaen"/>
+      </a:minorFont>
+    </a:fontScheme>
+    <a:fmtScheme name="Office">
+      <a:fillStyleLst>
+        <a:solidFill>
+          <a:schemeClr val="phClr"/>
+        </a:solidFill>
+        <a:gradFill rotWithShape="1">
+          <a:gsLst>
+            <a:gs pos="0">
+              <a:schemeClr val="phClr">
+                <a:tint val="50000"/>
+                <a:satMod val="300000"/>
+              </a:schemeClr>
+            </a:gs>
+            <a:gs pos="35000">
+              <a:schemeClr val="phClr">
+                <a:tint val="37000"/>
+                <a:satMod val="300000"/>
+              </a:schemeClr>
+            </a:gs>
+            <a:gs pos="100000">
+              <a:schemeClr val="phClr">
+                <a:tint val="15000"/>
+                <a:satMod val="350000"/>
+              </a:schemeClr>
+            </a:gs>
+          </a:gsLst>
+          <a:lin ang="16200000" scaled="1"/>
+        </a:gradFill>
+        <a:gradFill rotWithShape="1">
+          <a:gsLst>
+            <a:gs pos="0">
+              <a:schemeClr val="phClr">
+                <a:tint val="100000"/>
+                <a:shade val="100000"/>
+                <a:satMod val="130000"/>
+              </a:schemeClr>
+            </a:gs>
+            <a:gs pos="100000">
+              <a:schemeClr val="phClr">
+                <a:tint val="50000"/>
+                <a:shade val="100000"/>
+                <a:satMod val="350000"/>
+              </a:schemeClr>
+            </a:gs>
+          </a:gsLst>
+          <a:lin ang="16200000" scaled="0"/>
+        </a:gradFill>
+      </a:fillStyleLst>
+      <a:lnStyleLst>
+        <a:ln w="9525" cap="flat" cmpd="sng" algn="ctr">
+          <a:solidFill>
+            <a:schemeClr val="phClr">
+              <a:shade val="95000"/>
+              <a:satMod val="105000"/>
+            </a:schemeClr>
+          </a:solidFill>
+          <a:prstDash val="solid"/>
+        </a:ln>
+        <a:ln w="25400" cap="flat" cmpd="sng" algn="ctr">
+          <a:solidFill>
+            <a:schemeClr val="phClr"/>
+          </a:solidFill>
+          <a:prstDash val="solid"/>
+        </a:ln>
+        <a:ln w="38100" cap="flat" cmpd="sng" algn="ctr">
+          <a:solidFill>
+            <a:schemeClr val="phClr"/>
+          </a:solidFill>
+          <a:prstDash val="solid"/>
+        </a:ln>
+      </a:lnStyleLst>
+      <a:effectStyleLst>
+        <a:effectStyle>
+          <a:effectLst>
+            <a:outerShdw blurRad="40000" dist="20000" dir="5400000" rotWithShape="0">
+              <a:srgbClr val="000000">
+                <a:alpha val="38000"/>
+              </a:srgbClr>
+            </a:outerShdw>
+          </a:effectLst>
+        </a:effectStyle>
+        <a:effectStyle>
+          <a:effectLst>
+            <a:outerShdw blurRad="40000" dist="23000" dir="5400000" rotWithShape="0">
+              <a:srgbClr val="000000">
+                <a:alpha val="35000"/>
+              </a:srgbClr>
+            </a:outerShdw>
+          </a:effectLst>
+        </a:effectStyle>
+        <a:effectStyle>
+          <a:effectLst>
+            <a:outerShdw blurRad="40000" dist="23000" dir="5400000" rotWithShape="0">
+              <a:srgbClr val="000000">
+                <a:alpha val="35000"/>
+              </a:srgbClr>
+            </a:outerShdw>
+          </a:effectLst>
+          <a:scene3d>
+            <a:camera prst="orthographicFront">
+              <a:rot lat="0" lon="0" rev="0"/>
+            </a:camera>
+            <a:lightRig rig="threePt" dir="t">
+              <a:rot lat="0" lon="0" rev="1200000"/>
+            </a:lightRig>
+          </a:scene3d>
+          <a:sp3d>
+            <a:bevelT w="63500" h="25400"/>
+          </a:sp3d>
+        </a:effectStyle>
+      </a:effectStyleLst>
+      <a:bgFillStyleLst>
+        <a:solidFill>
+          <a:schemeClr val="phClr"/>
+        </a:solidFill>
+        <a:gradFill rotWithShape="1">
+          <a:gsLst>
+            <a:gs pos="0">
+              <a:schemeClr val="phClr">
+                <a:tint val="40000"/>
+                <a:satMod val="350000"/>
+              </a:schemeClr>
+            </a:gs>
+            <a:gs pos="40000">
+              <a:schemeClr val="phClr">
+                <a:tint val="45000"/>
+                <a:shade val="99000"/>
+                <a:satMod val="350000"/>
+              </a:schemeClr>
+            </a:gs>
+            <a:gs pos="100000">
+              <a:schemeClr val="phClr">
+                <a:shade val="20000"/>
+                <a:satMod val="255000"/>
+              </a:schemeClr>
+            </a:gs>
+          </a:gsLst>
+          <a:path path="circle">
+            <a:fillToRect l="50000" t="-80000" r="50000" b="180000"/>
+          </a:path>
+        </a:gradFill>
+        <a:gradFill rotWithShape="1">
+          <a:gsLst>
+            <a:gs pos="0">
+              <a:schemeClr val="phClr">
+                <a:tint val="80000"/>
+                <a:satMod val="300000"/>
+              </a:schemeClr>
+            </a:gs>
+            <a:gs pos="100000">
+              <a:schemeClr val="phClr">
+                <a:shade val="30000"/>
+                <a:satMod val="200000"/>
+              </a:schemeClr>
+            </a:gs>
+          </a:gsLst>
+          <a:path path="circle">
+            <a:fillToRect l="50000" t="50000" r="50000" b="50000"/>
+          </a:path>
+        </a:gradFill>
+      </a:bgFillStyleLst>
+    </a:fmtScheme>
+  </a:themeElements>
+  <a:objectDefaults/>
+  <a:extraClrSchemeLst/>
+</a:theme>
+</file>
+
+<file path=ppt/theme/theme2.xml><?xml version="1.0" encoding="utf-8"?>
+<a:theme xmlns:a="http://schemas.openxmlformats.org/drawingml/2006/main">
   <a:themeElements>
     <a:clrScheme name="Default">
       <a:dk1>
@@ -9384,284 +9753,7 @@
       </a:bgFillStyleLst>
     </a:fmtScheme>
   </a:themeElements>
-</a:theme>
-</file>
-
-<file path=ppt/theme/theme2.xml><?xml version="1.0" encoding="utf-8"?>
-<a:theme xmlns:a="http://schemas.openxmlformats.org/drawingml/2006/main" xmlns:r="http://schemas.openxmlformats.org/officeDocument/2006/relationships" name="Streamline">
-  <a:themeElements>
-    <a:clrScheme name="Streamline">
-      <a:dk1>
-        <a:srgbClr val="1A9988"/>
-      </a:dk1>
-      <a:lt1>
-        <a:srgbClr val="FFFFFF"/>
-      </a:lt1>
-      <a:dk2>
-        <a:srgbClr val="1A1A1A"/>
-      </a:dk2>
-      <a:lt2>
-        <a:srgbClr val="E9EDEE"/>
-      </a:lt2>
-      <a:accent1>
-        <a:srgbClr val="595959"/>
-      </a:accent1>
-      <a:accent2>
-        <a:srgbClr val="6AA4C8"/>
-      </a:accent2>
-      <a:accent3>
-        <a:srgbClr val="EB5600"/>
-      </a:accent3>
-      <a:accent4>
-        <a:srgbClr val="A2FFE8"/>
-      </a:accent4>
-      <a:accent5>
-        <a:srgbClr val="1C3678"/>
-      </a:accent5>
-      <a:accent6>
-        <a:srgbClr val="FFB8A2"/>
-      </a:accent6>
-      <a:hlink>
-        <a:srgbClr val="1C3678"/>
-      </a:hlink>
-      <a:folHlink>
-        <a:srgbClr val="1C3678"/>
-      </a:folHlink>
-    </a:clrScheme>
-    <a:fontScheme name="Office">
-      <a:majorFont>
-        <a:latin typeface="Arial"/>
-        <a:ea typeface=""/>
-        <a:cs typeface=""/>
-        <a:font script="Jpan" typeface="ＭＳ Ｐゴシック"/>
-        <a:font script="Hang" typeface="맑은 고딕"/>
-        <a:font script="Hans" typeface="宋体"/>
-        <a:font script="Hant" typeface="新細明體"/>
-        <a:font script="Arab" typeface="Times New Roman"/>
-        <a:font script="Hebr" typeface="Times New Roman"/>
-        <a:font script="Thai" typeface="Angsana New"/>
-        <a:font script="Ethi" typeface="Nyala"/>
-        <a:font script="Beng" typeface="Vrinda"/>
-        <a:font script="Gujr" typeface="Shruti"/>
-        <a:font script="Khmr" typeface="MoolBoran"/>
-        <a:font script="Knda" typeface="Tunga"/>
-        <a:font script="Guru" typeface="Raavi"/>
-        <a:font script="Cans" typeface="Euphemia"/>
-        <a:font script="Cher" typeface="Plantagenet Cherokee"/>
-        <a:font script="Yiii" typeface="Microsoft Yi Baiti"/>
-        <a:font script="Tibt" typeface="Microsoft Himalaya"/>
-        <a:font script="Thaa" typeface="MV Boli"/>
-        <a:font script="Deva" typeface="Mangal"/>
-        <a:font script="Telu" typeface="Gautami"/>
-        <a:font script="Taml" typeface="Latha"/>
-        <a:font script="Syrc" typeface="Estrangelo Edessa"/>
-        <a:font script="Orya" typeface="Kalinga"/>
-        <a:font script="Mlym" typeface="Kartika"/>
-        <a:font script="Laoo" typeface="DokChampa"/>
-        <a:font script="Sinh" typeface="Iskoola Pota"/>
-        <a:font script="Mong" typeface="Mongolian Baiti"/>
-        <a:font script="Viet" typeface="Times New Roman"/>
-        <a:font script="Uigh" typeface="Microsoft Uighur"/>
-        <a:font script="Geor" typeface="Sylfaen"/>
-      </a:majorFont>
-      <a:minorFont>
-        <a:latin typeface="Arial"/>
-        <a:ea typeface=""/>
-        <a:cs typeface=""/>
-        <a:font script="Jpan" typeface="ＭＳ Ｐゴシック"/>
-        <a:font script="Hang" typeface="맑은 고딕"/>
-        <a:font script="Hans" typeface="宋体"/>
-        <a:font script="Hant" typeface="新細明體"/>
-        <a:font script="Arab" typeface="Arial"/>
-        <a:font script="Hebr" typeface="Arial"/>
-        <a:font script="Thai" typeface="Cordia New"/>
-        <a:font script="Ethi" typeface="Nyala"/>
-        <a:font script="Beng" typeface="Vrinda"/>
-        <a:font script="Gujr" typeface="Shruti"/>
-        <a:font script="Khmr" typeface="DaunPenh"/>
-        <a:font script="Knda" typeface="Tunga"/>
-        <a:font script="Guru" typeface="Raavi"/>
-        <a:font script="Cans" typeface="Euphemia"/>
-        <a:font script="Cher" typeface="Plantagenet Cherokee"/>
-        <a:font script="Yiii" typeface="Microsoft Yi Baiti"/>
-        <a:font script="Tibt" typeface="Microsoft Himalaya"/>
-        <a:font script="Thaa" typeface="MV Boli"/>
-        <a:font script="Deva" typeface="Mangal"/>
-        <a:font script="Telu" typeface="Gautami"/>
-        <a:font script="Taml" typeface="Latha"/>
-        <a:font script="Syrc" typeface="Estrangelo Edessa"/>
-        <a:font script="Orya" typeface="Kalinga"/>
-        <a:font script="Mlym" typeface="Kartika"/>
-        <a:font script="Laoo" typeface="DokChampa"/>
-        <a:font script="Sinh" typeface="Iskoola Pota"/>
-        <a:font script="Mong" typeface="Mongolian Baiti"/>
-        <a:font script="Viet" typeface="Arial"/>
-        <a:font script="Uigh" typeface="Microsoft Uighur"/>
-        <a:font script="Geor" typeface="Sylfaen"/>
-      </a:minorFont>
-    </a:fontScheme>
-    <a:fmtScheme name="Office">
-      <a:fillStyleLst>
-        <a:solidFill>
-          <a:schemeClr val="phClr"/>
-        </a:solidFill>
-        <a:gradFill rotWithShape="1">
-          <a:gsLst>
-            <a:gs pos="0">
-              <a:schemeClr val="phClr">
-                <a:tint val="50000"/>
-                <a:satMod val="300000"/>
-              </a:schemeClr>
-            </a:gs>
-            <a:gs pos="35000">
-              <a:schemeClr val="phClr">
-                <a:tint val="37000"/>
-                <a:satMod val="300000"/>
-              </a:schemeClr>
-            </a:gs>
-            <a:gs pos="100000">
-              <a:schemeClr val="phClr">
-                <a:tint val="15000"/>
-                <a:satMod val="350000"/>
-              </a:schemeClr>
-            </a:gs>
-          </a:gsLst>
-          <a:lin ang="16200000" scaled="1"/>
-        </a:gradFill>
-        <a:gradFill rotWithShape="1">
-          <a:gsLst>
-            <a:gs pos="0">
-              <a:schemeClr val="phClr">
-                <a:tint val="100000"/>
-                <a:shade val="100000"/>
-                <a:satMod val="130000"/>
-              </a:schemeClr>
-            </a:gs>
-            <a:gs pos="100000">
-              <a:schemeClr val="phClr">
-                <a:tint val="50000"/>
-                <a:shade val="100000"/>
-                <a:satMod val="350000"/>
-              </a:schemeClr>
-            </a:gs>
-          </a:gsLst>
-          <a:lin ang="16200000" scaled="0"/>
-        </a:gradFill>
-      </a:fillStyleLst>
-      <a:lnStyleLst>
-        <a:ln w="9525" cap="flat" cmpd="sng" algn="ctr">
-          <a:solidFill>
-            <a:schemeClr val="phClr">
-              <a:shade val="95000"/>
-              <a:satMod val="105000"/>
-            </a:schemeClr>
-          </a:solidFill>
-          <a:prstDash val="solid"/>
-        </a:ln>
-        <a:ln w="25400" cap="flat" cmpd="sng" algn="ctr">
-          <a:solidFill>
-            <a:schemeClr val="phClr"/>
-          </a:solidFill>
-          <a:prstDash val="solid"/>
-        </a:ln>
-        <a:ln w="38100" cap="flat" cmpd="sng" algn="ctr">
-          <a:solidFill>
-            <a:schemeClr val="phClr"/>
-          </a:solidFill>
-          <a:prstDash val="solid"/>
-        </a:ln>
-      </a:lnStyleLst>
-      <a:effectStyleLst>
-        <a:effectStyle>
-          <a:effectLst>
-            <a:outerShdw blurRad="40000" dist="20000" dir="5400000" rotWithShape="0">
-              <a:srgbClr val="000000">
-                <a:alpha val="38000"/>
-              </a:srgbClr>
-            </a:outerShdw>
-          </a:effectLst>
-        </a:effectStyle>
-        <a:effectStyle>
-          <a:effectLst>
-            <a:outerShdw blurRad="40000" dist="23000" dir="5400000" rotWithShape="0">
-              <a:srgbClr val="000000">
-                <a:alpha val="35000"/>
-              </a:srgbClr>
-            </a:outerShdw>
-          </a:effectLst>
-        </a:effectStyle>
-        <a:effectStyle>
-          <a:effectLst>
-            <a:outerShdw blurRad="40000" dist="23000" dir="5400000" rotWithShape="0">
-              <a:srgbClr val="000000">
-                <a:alpha val="35000"/>
-              </a:srgbClr>
-            </a:outerShdw>
-          </a:effectLst>
-          <a:scene3d>
-            <a:camera prst="orthographicFront">
-              <a:rot lat="0" lon="0" rev="0"/>
-            </a:camera>
-            <a:lightRig rig="threePt" dir="t">
-              <a:rot lat="0" lon="0" rev="1200000"/>
-            </a:lightRig>
-          </a:scene3d>
-          <a:sp3d>
-            <a:bevelT w="63500" h="25400"/>
-          </a:sp3d>
-        </a:effectStyle>
-      </a:effectStyleLst>
-      <a:bgFillStyleLst>
-        <a:solidFill>
-          <a:schemeClr val="phClr"/>
-        </a:solidFill>
-        <a:gradFill rotWithShape="1">
-          <a:gsLst>
-            <a:gs pos="0">
-              <a:schemeClr val="phClr">
-                <a:tint val="40000"/>
-                <a:satMod val="350000"/>
-              </a:schemeClr>
-            </a:gs>
-            <a:gs pos="40000">
-              <a:schemeClr val="phClr">
-                <a:tint val="45000"/>
-                <a:shade val="99000"/>
-                <a:satMod val="350000"/>
-              </a:schemeClr>
-            </a:gs>
-            <a:gs pos="100000">
-              <a:schemeClr val="phClr">
-                <a:shade val="20000"/>
-                <a:satMod val="255000"/>
-              </a:schemeClr>
-            </a:gs>
-          </a:gsLst>
-          <a:path path="circle">
-            <a:fillToRect l="50000" t="-80000" r="50000" b="180000"/>
-          </a:path>
-        </a:gradFill>
-        <a:gradFill rotWithShape="1">
-          <a:gsLst>
-            <a:gs pos="0">
-              <a:schemeClr val="phClr">
-                <a:tint val="80000"/>
-                <a:satMod val="300000"/>
-              </a:schemeClr>
-            </a:gs>
-            <a:gs pos="100000">
-              <a:schemeClr val="phClr">
-                <a:shade val="30000"/>
-                <a:satMod val="200000"/>
-              </a:schemeClr>
-            </a:gs>
-          </a:gsLst>
-          <a:path path="circle">
-            <a:fillToRect l="50000" t="50000" r="50000" b="50000"/>
-          </a:path>
-        </a:gradFill>
-      </a:bgFillStyleLst>
-    </a:fmtScheme>
-  </a:themeElements>
+  <a:objectDefaults/>
+  <a:extraClrSchemeLst/>
 </a:theme>
 </file>